--- a/Assignment1/Ford Ka Presentation.pptx
+++ b/Assignment1/Ford Ka Presentation.pptx
@@ -6,9 +6,13 @@
   </p:sldMasterIdLst>
   <p:sldIdLst>
     <p:sldId id="257" r:id="rId2"/>
-    <p:sldId id="261" r:id="rId3"/>
-    <p:sldId id="262" r:id="rId4"/>
-    <p:sldId id="260" r:id="rId5"/>
+    <p:sldId id="263" r:id="rId3"/>
+    <p:sldId id="261" r:id="rId4"/>
+    <p:sldId id="264" r:id="rId5"/>
+    <p:sldId id="262" r:id="rId6"/>
+    <p:sldId id="266" r:id="rId7"/>
+    <p:sldId id="265" r:id="rId8"/>
+    <p:sldId id="260" r:id="rId9"/>
   </p:sldIdLst>
   <p:sldSz cx="9144000" cy="6858000" type="screen4x3"/>
   <p:notesSz cx="6858000" cy="9144000"/>
@@ -129,7 +133,7 @@
 <file path=ppt/revisionInfo.xml><?xml version="1.0" encoding="utf-8"?>
 <p1510:revInfo xmlns:a="http://schemas.openxmlformats.org/drawingml/2006/main" xmlns:r="http://schemas.openxmlformats.org/officeDocument/2006/relationships" xmlns:p1510="http://schemas.microsoft.com/office/powerpoint/2015/10/main">
   <p1510:revLst>
-    <p1510:client id="{A71618FC-F24E-4425-8E9F-FB33108DCEF9}" v="5" dt="2019-03-24T20:03:25.400"/>
+    <p1510:client id="{A71618FC-F24E-4425-8E9F-FB33108DCEF9}" v="37" dt="2019-03-24T21:49:43.813"/>
   </p1510:revLst>
 </p1510:revInfo>
 </file>
@@ -138,8 +142,8 @@
 <pc:chgInfo xmlns:a="http://schemas.openxmlformats.org/drawingml/2006/main" xmlns:r="http://schemas.openxmlformats.org/officeDocument/2006/relationships" xmlns:ac="http://schemas.microsoft.com/office/drawing/2013/main/command" xmlns:pc="http://schemas.microsoft.com/office/powerpoint/2013/main/command">
   <pc:docChgLst>
     <pc:chgData name="joe standerfer" userId="1b337ce15d3046a8" providerId="LiveId" clId="{A71618FC-F24E-4425-8E9F-FB33108DCEF9}"/>
-    <pc:docChg chg="undo custSel modSld">
-      <pc:chgData name="joe standerfer" userId="1b337ce15d3046a8" providerId="LiveId" clId="{A71618FC-F24E-4425-8E9F-FB33108DCEF9}" dt="2019-03-24T20:04:03.380" v="217" actId="478"/>
+    <pc:docChg chg="undo custSel addSld delSld modSld sldOrd">
+      <pc:chgData name="joe standerfer" userId="1b337ce15d3046a8" providerId="LiveId" clId="{A71618FC-F24E-4425-8E9F-FB33108DCEF9}" dt="2019-03-24T22:03:34.813" v="1144" actId="20577"/>
       <pc:docMkLst>
         <pc:docMk/>
       </pc:docMkLst>
@@ -206,7 +210,7 @@
         </pc:spChg>
       </pc:sldChg>
       <pc:sldChg chg="modSp">
-        <pc:chgData name="joe standerfer" userId="1b337ce15d3046a8" providerId="LiveId" clId="{A71618FC-F24E-4425-8E9F-FB33108DCEF9}" dt="2019-03-24T20:01:30.833" v="167" actId="1076"/>
+        <pc:chgData name="joe standerfer" userId="1b337ce15d3046a8" providerId="LiveId" clId="{A71618FC-F24E-4425-8E9F-FB33108DCEF9}" dt="2019-03-24T20:11:52.733" v="219" actId="1076"/>
         <pc:sldMkLst>
           <pc:docMk/>
           <pc:sldMk cId="1865572983" sldId="261"/>
@@ -219,6 +223,22 @@
             <ac:spMk id="2" creationId="{00000000-0000-0000-0000-000000000000}"/>
           </ac:spMkLst>
         </pc:spChg>
+        <pc:spChg chg="mod">
+          <ac:chgData name="joe standerfer" userId="1b337ce15d3046a8" providerId="LiveId" clId="{A71618FC-F24E-4425-8E9F-FB33108DCEF9}" dt="2019-03-24T20:11:47.808" v="218" actId="1076"/>
+          <ac:spMkLst>
+            <pc:docMk/>
+            <pc:sldMk cId="1865572983" sldId="261"/>
+            <ac:spMk id="3" creationId="{00000000-0000-0000-0000-000000000000}"/>
+          </ac:spMkLst>
+        </pc:spChg>
+        <pc:picChg chg="mod">
+          <ac:chgData name="joe standerfer" userId="1b337ce15d3046a8" providerId="LiveId" clId="{A71618FC-F24E-4425-8E9F-FB33108DCEF9}" dt="2019-03-24T20:11:52.733" v="219" actId="1076"/>
+          <ac:picMkLst>
+            <pc:docMk/>
+            <pc:sldMk cId="1865572983" sldId="261"/>
+            <ac:picMk id="18434" creationId="{00000000-0000-0000-0000-000000000000}"/>
+          </ac:picMkLst>
+        </pc:picChg>
       </pc:sldChg>
       <pc:sldChg chg="modSp">
         <pc:chgData name="joe standerfer" userId="1b337ce15d3046a8" providerId="LiveId" clId="{A71618FC-F24E-4425-8E9F-FB33108DCEF9}" dt="2019-03-24T20:02:10.347" v="173" actId="14100"/>
@@ -266,6 +286,345 @@
             <ac:graphicFrameMk id="25" creationId="{00000000-0000-0000-0000-000000000000}"/>
           </ac:graphicFrameMkLst>
         </pc:graphicFrameChg>
+      </pc:sldChg>
+      <pc:sldChg chg="addSp delSp modSp add ord">
+        <pc:chgData name="joe standerfer" userId="1b337ce15d3046a8" providerId="LiveId" clId="{A71618FC-F24E-4425-8E9F-FB33108DCEF9}" dt="2019-03-24T20:59:58.647" v="307" actId="20577"/>
+        <pc:sldMkLst>
+          <pc:docMk/>
+          <pc:sldMk cId="994096988" sldId="263"/>
+        </pc:sldMkLst>
+        <pc:spChg chg="del">
+          <ac:chgData name="joe standerfer" userId="1b337ce15d3046a8" providerId="LiveId" clId="{A71618FC-F24E-4425-8E9F-FB33108DCEF9}" dt="2019-03-24T20:12:25.648" v="223" actId="478"/>
+          <ac:spMkLst>
+            <pc:docMk/>
+            <pc:sldMk cId="994096988" sldId="263"/>
+            <ac:spMk id="2" creationId="{9743BB97-A1FE-4CF8-9423-A873963F984B}"/>
+          </ac:spMkLst>
+        </pc:spChg>
+        <pc:spChg chg="del mod">
+          <ac:chgData name="joe standerfer" userId="1b337ce15d3046a8" providerId="LiveId" clId="{A71618FC-F24E-4425-8E9F-FB33108DCEF9}" dt="2019-03-24T20:12:31.852" v="225" actId="478"/>
+          <ac:spMkLst>
+            <pc:docMk/>
+            <pc:sldMk cId="994096988" sldId="263"/>
+            <ac:spMk id="3" creationId="{B463084E-5C51-44A5-AE3E-86C9A76F0A02}"/>
+          </ac:spMkLst>
+        </pc:spChg>
+        <pc:spChg chg="del">
+          <ac:chgData name="joe standerfer" userId="1b337ce15d3046a8" providerId="LiveId" clId="{A71618FC-F24E-4425-8E9F-FB33108DCEF9}" dt="2019-03-24T20:12:30.112" v="224" actId="478"/>
+          <ac:spMkLst>
+            <pc:docMk/>
+            <pc:sldMk cId="994096988" sldId="263"/>
+            <ac:spMk id="4" creationId="{1FFD5F58-E7E1-41C8-9399-8DC7984398F2}"/>
+          </ac:spMkLst>
+        </pc:spChg>
+        <pc:spChg chg="add mod">
+          <ac:chgData name="joe standerfer" userId="1b337ce15d3046a8" providerId="LiveId" clId="{A71618FC-F24E-4425-8E9F-FB33108DCEF9}" dt="2019-03-24T20:59:58.647" v="307" actId="20577"/>
+          <ac:spMkLst>
+            <pc:docMk/>
+            <pc:sldMk cId="994096988" sldId="263"/>
+            <ac:spMk id="5" creationId="{C8412BD4-E98D-42D4-B801-9D7646B748F6}"/>
+          </ac:spMkLst>
+        </pc:spChg>
+        <pc:picChg chg="add del mod">
+          <ac:chgData name="joe standerfer" userId="1b337ce15d3046a8" providerId="LiveId" clId="{A71618FC-F24E-4425-8E9F-FB33108DCEF9}" dt="2019-03-24T20:50:35.150" v="266" actId="478"/>
+          <ac:picMkLst>
+            <pc:docMk/>
+            <pc:sldMk cId="994096988" sldId="263"/>
+            <ac:picMk id="1026" creationId="{4E7A0AF1-F68F-47CE-B443-CA378144AC18}"/>
+          </ac:picMkLst>
+        </pc:picChg>
+        <pc:picChg chg="add del mod">
+          <ac:chgData name="joe standerfer" userId="1b337ce15d3046a8" providerId="LiveId" clId="{A71618FC-F24E-4425-8E9F-FB33108DCEF9}" dt="2019-03-24T20:50:36.247" v="267" actId="478"/>
+          <ac:picMkLst>
+            <pc:docMk/>
+            <pc:sldMk cId="994096988" sldId="263"/>
+            <ac:picMk id="1028" creationId="{CA949CC4-64E4-4477-AB21-B06DB8A10167}"/>
+          </ac:picMkLst>
+        </pc:picChg>
+        <pc:picChg chg="add del mod">
+          <ac:chgData name="joe standerfer" userId="1b337ce15d3046a8" providerId="LiveId" clId="{A71618FC-F24E-4425-8E9F-FB33108DCEF9}" dt="2019-03-24T20:50:37.415" v="268" actId="478"/>
+          <ac:picMkLst>
+            <pc:docMk/>
+            <pc:sldMk cId="994096988" sldId="263"/>
+            <ac:picMk id="1030" creationId="{D0FF71FC-5A91-4D5B-91D8-CD0473F6A970}"/>
+          </ac:picMkLst>
+        </pc:picChg>
+      </pc:sldChg>
+      <pc:sldChg chg="delSp add del">
+        <pc:chgData name="joe standerfer" userId="1b337ce15d3046a8" providerId="LiveId" clId="{A71618FC-F24E-4425-8E9F-FB33108DCEF9}" dt="2019-03-24T20:16:09.078" v="246" actId="2696"/>
+        <pc:sldMkLst>
+          <pc:docMk/>
+          <pc:sldMk cId="3796035197" sldId="264"/>
+        </pc:sldMkLst>
+        <pc:spChg chg="del">
+          <ac:chgData name="joe standerfer" userId="1b337ce15d3046a8" providerId="LiveId" clId="{A71618FC-F24E-4425-8E9F-FB33108DCEF9}" dt="2019-03-24T20:12:40.952" v="227" actId="478"/>
+          <ac:spMkLst>
+            <pc:docMk/>
+            <pc:sldMk cId="3796035197" sldId="264"/>
+            <ac:spMk id="2" creationId="{D7FA1D86-379A-409B-9A57-D43E7CD40AB9}"/>
+          </ac:spMkLst>
+        </pc:spChg>
+        <pc:spChg chg="del">
+          <ac:chgData name="joe standerfer" userId="1b337ce15d3046a8" providerId="LiveId" clId="{A71618FC-F24E-4425-8E9F-FB33108DCEF9}" dt="2019-03-24T20:12:40.952" v="227" actId="478"/>
+          <ac:spMkLst>
+            <pc:docMk/>
+            <pc:sldMk cId="3796035197" sldId="264"/>
+            <ac:spMk id="3" creationId="{737790BE-F366-4820-9ED0-1507E0A0AC96}"/>
+          </ac:spMkLst>
+        </pc:spChg>
+        <pc:spChg chg="del">
+          <ac:chgData name="joe standerfer" userId="1b337ce15d3046a8" providerId="LiveId" clId="{A71618FC-F24E-4425-8E9F-FB33108DCEF9}" dt="2019-03-24T20:12:40.952" v="227" actId="478"/>
+          <ac:spMkLst>
+            <pc:docMk/>
+            <pc:sldMk cId="3796035197" sldId="264"/>
+            <ac:spMk id="4" creationId="{8CB12533-1F9C-4564-B6FF-345134C565EA}"/>
+          </ac:spMkLst>
+        </pc:spChg>
+      </pc:sldChg>
+      <pc:sldChg chg="addSp delSp modSp add">
+        <pc:chgData name="joe standerfer" userId="1b337ce15d3046a8" providerId="LiveId" clId="{A71618FC-F24E-4425-8E9F-FB33108DCEF9}" dt="2019-03-24T21:37:54.015" v="369" actId="1076"/>
+        <pc:sldMkLst>
+          <pc:docMk/>
+          <pc:sldMk cId="3841898205" sldId="264"/>
+        </pc:sldMkLst>
+        <pc:spChg chg="mod">
+          <ac:chgData name="joe standerfer" userId="1b337ce15d3046a8" providerId="LiveId" clId="{A71618FC-F24E-4425-8E9F-FB33108DCEF9}" dt="2019-03-24T21:37:40.887" v="364" actId="20577"/>
+          <ac:spMkLst>
+            <pc:docMk/>
+            <pc:sldMk cId="3841898205" sldId="264"/>
+            <ac:spMk id="2" creationId="{00000000-0000-0000-0000-000000000000}"/>
+          </ac:spMkLst>
+        </pc:spChg>
+        <pc:spChg chg="del mod">
+          <ac:chgData name="joe standerfer" userId="1b337ce15d3046a8" providerId="LiveId" clId="{A71618FC-F24E-4425-8E9F-FB33108DCEF9}" dt="2019-03-24T21:37:50.853" v="367" actId="478"/>
+          <ac:spMkLst>
+            <pc:docMk/>
+            <pc:sldMk cId="3841898205" sldId="264"/>
+            <ac:spMk id="3" creationId="{00000000-0000-0000-0000-000000000000}"/>
+          </ac:spMkLst>
+        </pc:spChg>
+        <pc:spChg chg="add del mod">
+          <ac:chgData name="joe standerfer" userId="1b337ce15d3046a8" providerId="LiveId" clId="{A71618FC-F24E-4425-8E9F-FB33108DCEF9}" dt="2019-03-24T21:08:36.964" v="341" actId="478"/>
+          <ac:spMkLst>
+            <pc:docMk/>
+            <pc:sldMk cId="3841898205" sldId="264"/>
+            <ac:spMk id="6" creationId="{F48EFA2B-3240-4B77-A171-8A73EAD5B0F3}"/>
+          </ac:spMkLst>
+        </pc:spChg>
+        <pc:picChg chg="add del mod">
+          <ac:chgData name="joe standerfer" userId="1b337ce15d3046a8" providerId="LiveId" clId="{A71618FC-F24E-4425-8E9F-FB33108DCEF9}" dt="2019-03-24T21:03:52.133" v="312"/>
+          <ac:picMkLst>
+            <pc:docMk/>
+            <pc:sldMk cId="3841898205" sldId="264"/>
+            <ac:picMk id="2050" creationId="{04FADF51-5009-4C7D-AB3A-23BC4D43BC31}"/>
+          </ac:picMkLst>
+        </pc:picChg>
+        <pc:picChg chg="add mod">
+          <ac:chgData name="joe standerfer" userId="1b337ce15d3046a8" providerId="LiveId" clId="{A71618FC-F24E-4425-8E9F-FB33108DCEF9}" dt="2019-03-24T21:37:54.015" v="369" actId="1076"/>
+          <ac:picMkLst>
+            <pc:docMk/>
+            <pc:sldMk cId="3841898205" sldId="264"/>
+            <ac:picMk id="2052" creationId="{BC7275AB-52AA-4C4B-8E12-9632C67338E7}"/>
+          </ac:picMkLst>
+        </pc:picChg>
+        <pc:picChg chg="add mod">
+          <ac:chgData name="joe standerfer" userId="1b337ce15d3046a8" providerId="LiveId" clId="{A71618FC-F24E-4425-8E9F-FB33108DCEF9}" dt="2019-03-24T21:37:52.808" v="368" actId="1076"/>
+          <ac:picMkLst>
+            <pc:docMk/>
+            <pc:sldMk cId="3841898205" sldId="264"/>
+            <ac:picMk id="2054" creationId="{B5DE4381-B8C6-4080-AF6E-FC90194A958F}"/>
+          </ac:picMkLst>
+        </pc:picChg>
+        <pc:picChg chg="del">
+          <ac:chgData name="joe standerfer" userId="1b337ce15d3046a8" providerId="LiveId" clId="{A71618FC-F24E-4425-8E9F-FB33108DCEF9}" dt="2019-03-24T21:08:31.729" v="339" actId="478"/>
+          <ac:picMkLst>
+            <pc:docMk/>
+            <pc:sldMk cId="3841898205" sldId="264"/>
+            <ac:picMk id="18434" creationId="{00000000-0000-0000-0000-000000000000}"/>
+          </ac:picMkLst>
+        </pc:picChg>
+      </pc:sldChg>
+      <pc:sldChg chg="addSp delSp modSp add">
+        <pc:chgData name="joe standerfer" userId="1b337ce15d3046a8" providerId="LiveId" clId="{A71618FC-F24E-4425-8E9F-FB33108DCEF9}" dt="2019-03-24T21:07:39.877" v="338" actId="1076"/>
+        <pc:sldMkLst>
+          <pc:docMk/>
+          <pc:sldMk cId="1637294354" sldId="265"/>
+        </pc:sldMkLst>
+        <pc:spChg chg="mod">
+          <ac:chgData name="joe standerfer" userId="1b337ce15d3046a8" providerId="LiveId" clId="{A71618FC-F24E-4425-8E9F-FB33108DCEF9}" dt="2019-03-24T21:07:14.441" v="330" actId="1076"/>
+          <ac:spMkLst>
+            <pc:docMk/>
+            <pc:sldMk cId="1637294354" sldId="265"/>
+            <ac:spMk id="2" creationId="{5D212641-0D1E-4232-86CF-E74672B3DAB9}"/>
+          </ac:spMkLst>
+        </pc:spChg>
+        <pc:spChg chg="del">
+          <ac:chgData name="joe standerfer" userId="1b337ce15d3046a8" providerId="LiveId" clId="{A71618FC-F24E-4425-8E9F-FB33108DCEF9}" dt="2019-03-24T21:03:58.077" v="313" actId="478"/>
+          <ac:spMkLst>
+            <pc:docMk/>
+            <pc:sldMk cId="1637294354" sldId="265"/>
+            <ac:spMk id="3" creationId="{291DEEC0-F157-4389-8BBD-FDBEF4CEA22F}"/>
+          </ac:spMkLst>
+        </pc:spChg>
+        <pc:spChg chg="del">
+          <ac:chgData name="joe standerfer" userId="1b337ce15d3046a8" providerId="LiveId" clId="{A71618FC-F24E-4425-8E9F-FB33108DCEF9}" dt="2019-03-24T21:03:58.077" v="313" actId="478"/>
+          <ac:spMkLst>
+            <pc:docMk/>
+            <pc:sldMk cId="1637294354" sldId="265"/>
+            <ac:spMk id="4" creationId="{428866C1-0BD0-461A-B585-5422CA30D822}"/>
+          </ac:spMkLst>
+        </pc:spChg>
+        <pc:spChg chg="del">
+          <ac:chgData name="joe standerfer" userId="1b337ce15d3046a8" providerId="LiveId" clId="{A71618FC-F24E-4425-8E9F-FB33108DCEF9}" dt="2019-03-24T21:03:58.077" v="313" actId="478"/>
+          <ac:spMkLst>
+            <pc:docMk/>
+            <pc:sldMk cId="1637294354" sldId="265"/>
+            <ac:spMk id="5" creationId="{41B1FC51-B0AC-4A1E-8D7D-F316738586E2}"/>
+          </ac:spMkLst>
+        </pc:spChg>
+        <pc:spChg chg="del">
+          <ac:chgData name="joe standerfer" userId="1b337ce15d3046a8" providerId="LiveId" clId="{A71618FC-F24E-4425-8E9F-FB33108DCEF9}" dt="2019-03-24T21:03:58.077" v="313" actId="478"/>
+          <ac:spMkLst>
+            <pc:docMk/>
+            <pc:sldMk cId="1637294354" sldId="265"/>
+            <ac:spMk id="6" creationId="{DE97086F-EFA4-4B24-9F68-68FAA19FBF97}"/>
+          </ac:spMkLst>
+        </pc:spChg>
+        <pc:picChg chg="add mod">
+          <ac:chgData name="joe standerfer" userId="1b337ce15d3046a8" providerId="LiveId" clId="{A71618FC-F24E-4425-8E9F-FB33108DCEF9}" dt="2019-03-24T21:07:06.562" v="327" actId="1076"/>
+          <ac:picMkLst>
+            <pc:docMk/>
+            <pc:sldMk cId="1637294354" sldId="265"/>
+            <ac:picMk id="7" creationId="{58D0E903-1630-498B-9D29-932F1DE2C55A}"/>
+          </ac:picMkLst>
+        </pc:picChg>
+        <pc:picChg chg="add mod">
+          <ac:chgData name="joe standerfer" userId="1b337ce15d3046a8" providerId="LiveId" clId="{A71618FC-F24E-4425-8E9F-FB33108DCEF9}" dt="2019-03-24T21:07:15.700" v="331" actId="1076"/>
+          <ac:picMkLst>
+            <pc:docMk/>
+            <pc:sldMk cId="1637294354" sldId="265"/>
+            <ac:picMk id="3074" creationId="{70B5AA9A-4121-4DFE-B3FF-DE3BCD3A87A2}"/>
+          </ac:picMkLst>
+        </pc:picChg>
+        <pc:picChg chg="add mod">
+          <ac:chgData name="joe standerfer" userId="1b337ce15d3046a8" providerId="LiveId" clId="{A71618FC-F24E-4425-8E9F-FB33108DCEF9}" dt="2019-03-24T21:07:39.877" v="338" actId="1076"/>
+          <ac:picMkLst>
+            <pc:docMk/>
+            <pc:sldMk cId="1637294354" sldId="265"/>
+            <ac:picMk id="3076" creationId="{F5B377A9-379A-4110-BC1C-E3E44531241D}"/>
+          </ac:picMkLst>
+        </pc:picChg>
+        <pc:picChg chg="add mod">
+          <ac:chgData name="joe standerfer" userId="1b337ce15d3046a8" providerId="LiveId" clId="{A71618FC-F24E-4425-8E9F-FB33108DCEF9}" dt="2019-03-24T21:07:35.739" v="337" actId="1076"/>
+          <ac:picMkLst>
+            <pc:docMk/>
+            <pc:sldMk cId="1637294354" sldId="265"/>
+            <ac:picMk id="3078" creationId="{D1F40102-2F8A-440D-891C-807D6024F5E8}"/>
+          </ac:picMkLst>
+        </pc:picChg>
+      </pc:sldChg>
+      <pc:sldChg chg="addSp delSp modSp add">
+        <pc:chgData name="joe standerfer" userId="1b337ce15d3046a8" providerId="LiveId" clId="{A71618FC-F24E-4425-8E9F-FB33108DCEF9}" dt="2019-03-24T22:03:34.813" v="1144" actId="20577"/>
+        <pc:sldMkLst>
+          <pc:docMk/>
+          <pc:sldMk cId="2464142368" sldId="266"/>
+        </pc:sldMkLst>
+        <pc:spChg chg="mod">
+          <ac:chgData name="joe standerfer" userId="1b337ce15d3046a8" providerId="LiveId" clId="{A71618FC-F24E-4425-8E9F-FB33108DCEF9}" dt="2019-03-24T21:54:33.937" v="741" actId="1035"/>
+          <ac:spMkLst>
+            <pc:docMk/>
+            <pc:sldMk cId="2464142368" sldId="266"/>
+            <ac:spMk id="6" creationId="{00000000-0000-0000-0000-000000000000}"/>
+          </ac:spMkLst>
+        </pc:spChg>
+        <pc:spChg chg="mod">
+          <ac:chgData name="joe standerfer" userId="1b337ce15d3046a8" providerId="LiveId" clId="{A71618FC-F24E-4425-8E9F-FB33108DCEF9}" dt="2019-03-24T21:54:52.511" v="793" actId="1036"/>
+          <ac:spMkLst>
+            <pc:docMk/>
+            <pc:sldMk cId="2464142368" sldId="266"/>
+            <ac:spMk id="8" creationId="{00000000-0000-0000-0000-000000000000}"/>
+          </ac:spMkLst>
+        </pc:spChg>
+        <pc:spChg chg="del">
+          <ac:chgData name="joe standerfer" userId="1b337ce15d3046a8" providerId="LiveId" clId="{A71618FC-F24E-4425-8E9F-FB33108DCEF9}" dt="2019-03-24T21:39:47.198" v="387" actId="478"/>
+          <ac:spMkLst>
+            <pc:docMk/>
+            <pc:sldMk cId="2464142368" sldId="266"/>
+            <ac:spMk id="26" creationId="{00000000-0000-0000-0000-000000000000}"/>
+          </ac:spMkLst>
+        </pc:spChg>
+        <pc:spChg chg="del">
+          <ac:chgData name="joe standerfer" userId="1b337ce15d3046a8" providerId="LiveId" clId="{A71618FC-F24E-4425-8E9F-FB33108DCEF9}" dt="2019-03-24T21:39:44.570" v="386" actId="478"/>
+          <ac:spMkLst>
+            <pc:docMk/>
+            <pc:sldMk cId="2464142368" sldId="266"/>
+            <ac:spMk id="27" creationId="{00000000-0000-0000-0000-000000000000}"/>
+          </ac:spMkLst>
+        </pc:spChg>
+        <pc:graphicFrameChg chg="mod modGraphic">
+          <ac:chgData name="joe standerfer" userId="1b337ce15d3046a8" providerId="LiveId" clId="{A71618FC-F24E-4425-8E9F-FB33108DCEF9}" dt="2019-03-24T22:03:34.813" v="1144" actId="20577"/>
+          <ac:graphicFrameMkLst>
+            <pc:docMk/>
+            <pc:sldMk cId="2464142368" sldId="266"/>
+            <ac:graphicFrameMk id="25" creationId="{00000000-0000-0000-0000-000000000000}"/>
+          </ac:graphicFrameMkLst>
+        </pc:graphicFrameChg>
+        <pc:picChg chg="del">
+          <ac:chgData name="joe standerfer" userId="1b337ce15d3046a8" providerId="LiveId" clId="{A71618FC-F24E-4425-8E9F-FB33108DCEF9}" dt="2019-03-24T21:38:23.673" v="371" actId="478"/>
+          <ac:picMkLst>
+            <pc:docMk/>
+            <pc:sldMk cId="2464142368" sldId="266"/>
+            <ac:picMk id="3" creationId="{00000000-0000-0000-0000-000000000000}"/>
+          </ac:picMkLst>
+        </pc:picChg>
+        <pc:picChg chg="del">
+          <ac:chgData name="joe standerfer" userId="1b337ce15d3046a8" providerId="LiveId" clId="{A71618FC-F24E-4425-8E9F-FB33108DCEF9}" dt="2019-03-24T21:38:32.601" v="373" actId="478"/>
+          <ac:picMkLst>
+            <pc:docMk/>
+            <pc:sldMk cId="2464142368" sldId="266"/>
+            <ac:picMk id="14" creationId="{00000000-0000-0000-0000-000000000000}"/>
+          </ac:picMkLst>
+        </pc:picChg>
+        <pc:picChg chg="add mod">
+          <ac:chgData name="joe standerfer" userId="1b337ce15d3046a8" providerId="LiveId" clId="{A71618FC-F24E-4425-8E9F-FB33108DCEF9}" dt="2019-03-24T21:39:18.269" v="382" actId="14100"/>
+          <ac:picMkLst>
+            <pc:docMk/>
+            <pc:sldMk cId="2464142368" sldId="266"/>
+            <ac:picMk id="18" creationId="{BF300C88-057F-4BFD-88E5-C26D1D6C9B4E}"/>
+          </ac:picMkLst>
+        </pc:picChg>
+        <pc:picChg chg="add mod">
+          <ac:chgData name="joe standerfer" userId="1b337ce15d3046a8" providerId="LiveId" clId="{A71618FC-F24E-4425-8E9F-FB33108DCEF9}" dt="2019-03-24T21:39:26.007" v="385" actId="1076"/>
+          <ac:picMkLst>
+            <pc:docMk/>
+            <pc:sldMk cId="2464142368" sldId="266"/>
+            <ac:picMk id="19" creationId="{A0AFA779-6199-4F22-B893-84D3243AFCA5}"/>
+          </ac:picMkLst>
+        </pc:picChg>
+        <pc:cxnChg chg="del">
+          <ac:chgData name="joe standerfer" userId="1b337ce15d3046a8" providerId="LiveId" clId="{A71618FC-F24E-4425-8E9F-FB33108DCEF9}" dt="2019-03-24T21:38:28.179" v="372" actId="478"/>
+          <ac:cxnSpMkLst>
+            <pc:docMk/>
+            <pc:sldMk cId="2464142368" sldId="266"/>
+            <ac:cxnSpMk id="15" creationId="{00000000-0000-0000-0000-000000000000}"/>
+          </ac:cxnSpMkLst>
+        </pc:cxnChg>
+        <pc:cxnChg chg="del">
+          <ac:chgData name="joe standerfer" userId="1b337ce15d3046a8" providerId="LiveId" clId="{A71618FC-F24E-4425-8E9F-FB33108DCEF9}" dt="2019-03-24T21:38:28.179" v="372" actId="478"/>
+          <ac:cxnSpMkLst>
+            <pc:docMk/>
+            <pc:sldMk cId="2464142368" sldId="266"/>
+            <ac:cxnSpMk id="16" creationId="{00000000-0000-0000-0000-000000000000}"/>
+          </ac:cxnSpMkLst>
+        </pc:cxnChg>
+        <pc:cxnChg chg="del">
+          <ac:chgData name="joe standerfer" userId="1b337ce15d3046a8" providerId="LiveId" clId="{A71618FC-F24E-4425-8E9F-FB33108DCEF9}" dt="2019-03-24T21:38:28.179" v="372" actId="478"/>
+          <ac:cxnSpMkLst>
+            <pc:docMk/>
+            <pc:sldMk cId="2464142368" sldId="266"/>
+            <ac:cxnSpMk id="17" creationId="{00000000-0000-0000-0000-000000000000}"/>
+          </ac:cxnSpMkLst>
+        </pc:cxnChg>
       </pc:sldChg>
     </pc:docChg>
   </pc:docChgLst>
@@ -4372,6 +4731,118 @@
       </p:grpSpPr>
       <p:sp>
         <p:nvSpPr>
+          <p:cNvPr id="5" name="Rectangle 4">
+            <a:extLst>
+              <a:ext uri="{FF2B5EF4-FFF2-40B4-BE49-F238E27FC236}">
+                <a16:creationId xmlns:a16="http://schemas.microsoft.com/office/drawing/2014/main" id="{C8412BD4-E98D-42D4-B801-9D7646B748F6}"/>
+              </a:ext>
+            </a:extLst>
+          </p:cNvPr>
+          <p:cNvSpPr/>
+          <p:nvPr/>
+        </p:nvSpPr>
+        <p:spPr>
+          <a:xfrm>
+            <a:off x="292231" y="1305342"/>
+            <a:ext cx="7843101" cy="3139321"/>
+          </a:xfrm>
+          <a:prstGeom prst="rect">
+            <a:avLst/>
+          </a:prstGeom>
+        </p:spPr>
+        <p:txBody>
+          <a:bodyPr wrap="square">
+            <a:spAutoFit/>
+          </a:bodyPr>
+          <a:lstStyle/>
+          <a:p>
+            <a:pPr marL="457200" algn="just" fontAlgn="base"/>
+            <a:r>
+              <a:rPr lang="en-US" dirty="0">
+                <a:solidFill>
+                  <a:srgbClr val="000000"/>
+                </a:solidFill>
+                <a:latin typeface="Arial" panose="020B0604020202020204" pitchFamily="34" charset="0"/>
+              </a:rPr>
+              <a:t>1.  Summary of the psychographic data (not all of it, just a plot or two, or summary statistics that you think are quite instructive/insightful/illustrative)</a:t>
+            </a:r>
+          </a:p>
+          <a:p>
+            <a:pPr marL="457200" algn="just" fontAlgn="base"/>
+            <a:endParaRPr lang="en-US" dirty="0">
+              <a:solidFill>
+                <a:srgbClr val="000000"/>
+              </a:solidFill>
+              <a:latin typeface="Arial" panose="020B0604020202020204" pitchFamily="34" charset="0"/>
+            </a:endParaRPr>
+          </a:p>
+          <a:p>
+            <a:pPr marL="457200" algn="just" fontAlgn="base"/>
+            <a:r>
+              <a:rPr lang="en-US" dirty="0">
+                <a:solidFill>
+                  <a:srgbClr val="000000"/>
+                </a:solidFill>
+                <a:latin typeface="Arial" panose="020B0604020202020204" pitchFamily="34" charset="0"/>
+              </a:rPr>
+              <a:t>2. Summary of your k-means. Please do not just show just the centroids but what you learn from the centroids and how they help you understand/summarize the data. Give your centroids names and/or images to help identify them.</a:t>
+            </a:r>
+          </a:p>
+          <a:p>
+            <a:pPr marL="457200" algn="just" fontAlgn="base"/>
+            <a:endParaRPr lang="en-US" dirty="0">
+              <a:solidFill>
+                <a:srgbClr val="000000"/>
+              </a:solidFill>
+              <a:latin typeface="Arial" panose="020B0604020202020204" pitchFamily="34" charset="0"/>
+            </a:endParaRPr>
+          </a:p>
+          <a:p>
+            <a:pPr marL="457200" algn="just" fontAlgn="base"/>
+            <a:r>
+              <a:rPr lang="en-US" dirty="0">
+                <a:solidFill>
+                  <a:srgbClr val="000000"/>
+                </a:solidFill>
+                <a:latin typeface="Arial" panose="020B0604020202020204" pitchFamily="34" charset="0"/>
+              </a:rPr>
+              <a:t>3. How do you know your cluster is a good one?  (specifically what type of validation did you do to show it is good?)</a:t>
+            </a:r>
+          </a:p>
+        </p:txBody>
+      </p:sp>
+    </p:spTree>
+    <p:extLst>
+      <p:ext uri="{BB962C8B-B14F-4D97-AF65-F5344CB8AC3E}">
+        <p14:creationId xmlns:p14="http://schemas.microsoft.com/office/powerpoint/2010/main" val="994096988"/>
+      </p:ext>
+    </p:extLst>
+  </p:cSld>
+  <p:clrMapOvr>
+    <a:masterClrMapping/>
+  </p:clrMapOvr>
+</p:sld>
+</file>
+
+<file path=ppt/slides/slide3.xml><?xml version="1.0" encoding="utf-8"?>
+<p:sld xmlns:a="http://schemas.openxmlformats.org/drawingml/2006/main" xmlns:r="http://schemas.openxmlformats.org/officeDocument/2006/relationships" xmlns:p="http://schemas.openxmlformats.org/presentationml/2006/main">
+  <p:cSld>
+    <p:spTree>
+      <p:nvGrpSpPr>
+        <p:cNvPr id="1" name=""/>
+        <p:cNvGrpSpPr/>
+        <p:nvPr/>
+      </p:nvGrpSpPr>
+      <p:grpSpPr>
+        <a:xfrm>
+          <a:off x="0" y="0"/>
+          <a:ext cx="0" cy="0"/>
+          <a:chOff x="0" y="0"/>
+          <a:chExt cx="0" cy="0"/>
+        </a:xfrm>
+      </p:grpSpPr>
+      <p:sp>
+        <p:nvSpPr>
           <p:cNvPr id="2" name="Title 1"/>
           <p:cNvSpPr>
             <a:spLocks noGrp="1"/>
@@ -4409,7 +4880,7 @@
         </p:nvSpPr>
         <p:spPr>
           <a:xfrm>
-            <a:off x="457200" y="1803958"/>
+            <a:off x="457200" y="1152804"/>
             <a:ext cx="4038600" cy="4552391"/>
           </a:xfrm>
         </p:spPr>
@@ -4508,7 +4979,7 @@
         </p:blipFill>
         <p:spPr bwMode="auto">
           <a:xfrm>
-            <a:off x="4792663" y="2335592"/>
+            <a:off x="4792663" y="1336351"/>
             <a:ext cx="3657600" cy="3694940"/>
           </a:xfrm>
           <a:prstGeom prst="rect">
@@ -4521,14 +4992,14 @@
           <a:effectLst/>
           <a:extLst>
             <a:ext uri="{909E8E84-426E-40dd-AFC4-6F175D3DCCD1}">
-              <a14:hiddenFill xmlns:a14="http://schemas.microsoft.com/office/drawing/2010/main" xmlns="">
+              <a14:hiddenFill xmlns="" xmlns:a14="http://schemas.microsoft.com/office/drawing/2010/main">
                 <a:solidFill>
                   <a:schemeClr val="accent1"/>
                 </a:solidFill>
               </a14:hiddenFill>
             </a:ext>
             <a:ext uri="{91240B29-F687-4f45-9708-019B960494DF}">
-              <a14:hiddenLine xmlns:a14="http://schemas.microsoft.com/office/drawing/2010/main" xmlns="" w="9525">
+              <a14:hiddenLine xmlns="" xmlns:a14="http://schemas.microsoft.com/office/drawing/2010/main" w="9525">
                 <a:solidFill>
                   <a:schemeClr val="tx1"/>
                 </a:solidFill>
@@ -4538,7 +5009,7 @@
               </a14:hiddenLine>
             </a:ext>
             <a:ext uri="{AF507438-7753-43e0-B8FC-AC1667EBCBE1}">
-              <a14:hiddenEffects xmlns:a14="http://schemas.microsoft.com/office/drawing/2010/main" xmlns="">
+              <a14:hiddenEffects xmlns="" xmlns:a14="http://schemas.microsoft.com/office/drawing/2010/main">
                 <a:effectLst>
                   <a:outerShdw dist="35921" dir="2700000" algn="ctr" rotWithShape="0">
                     <a:schemeClr val="bg2"/>
@@ -4566,7 +5037,7 @@
           <a:p>
             <a:fld id="{4FAB73BC-B049-4115-A692-8D63A059BFB8}" type="slidenum">
               <a:rPr lang="en-US" smtClean="0"/>
-              <a:t>2</a:t>
+              <a:t>3</a:t>
             </a:fld>
             <a:endParaRPr lang="en-US" dirty="0"/>
           </a:p>
@@ -4585,7 +5056,181 @@
 </p:sld>
 </file>
 
-<file path=ppt/slides/slide3.xml><?xml version="1.0" encoding="utf-8"?>
+<file path=ppt/slides/slide4.xml><?xml version="1.0" encoding="utf-8"?>
+<p:sld xmlns:a="http://schemas.openxmlformats.org/drawingml/2006/main" xmlns:r="http://schemas.openxmlformats.org/officeDocument/2006/relationships" xmlns:p="http://schemas.openxmlformats.org/presentationml/2006/main">
+  <p:cSld>
+    <p:spTree>
+      <p:nvGrpSpPr>
+        <p:cNvPr id="1" name=""/>
+        <p:cNvGrpSpPr/>
+        <p:nvPr/>
+      </p:nvGrpSpPr>
+      <p:grpSpPr>
+        <a:xfrm>
+          <a:off x="0" y="0"/>
+          <a:ext cx="0" cy="0"/>
+          <a:chOff x="0" y="0"/>
+          <a:chExt cx="0" cy="0"/>
+        </a:xfrm>
+      </p:grpSpPr>
+      <p:sp>
+        <p:nvSpPr>
+          <p:cNvPr id="2" name="Title 1"/>
+          <p:cNvSpPr>
+            <a:spLocks noGrp="1"/>
+          </p:cNvSpPr>
+          <p:nvPr>
+            <p:ph type="title"/>
+          </p:nvPr>
+        </p:nvSpPr>
+        <p:spPr>
+          <a:xfrm>
+            <a:off x="308728" y="22796"/>
+            <a:ext cx="7018256" cy="1051860"/>
+          </a:xfrm>
+        </p:spPr>
+        <p:txBody>
+          <a:bodyPr/>
+          <a:lstStyle/>
+          <a:p>
+            <a:r>
+              <a:rPr lang="en-US" dirty="0"/>
+              <a:t>Demographic Data</a:t>
+            </a:r>
+          </a:p>
+        </p:txBody>
+      </p:sp>
+      <p:sp>
+        <p:nvSpPr>
+          <p:cNvPr id="4" name="Slide Number Placeholder 3"/>
+          <p:cNvSpPr>
+            <a:spLocks noGrp="1"/>
+          </p:cNvSpPr>
+          <p:nvPr>
+            <p:ph type="sldNum" sz="quarter" idx="12"/>
+          </p:nvPr>
+        </p:nvSpPr>
+        <p:spPr/>
+        <p:txBody>
+          <a:bodyPr/>
+          <a:lstStyle/>
+          <a:p>
+            <a:fld id="{4FAB73BC-B049-4115-A692-8D63A059BFB8}" type="slidenum">
+              <a:rPr lang="en-US" smtClean="0"/>
+              <a:t>4</a:t>
+            </a:fld>
+            <a:endParaRPr lang="en-US" dirty="0"/>
+          </a:p>
+        </p:txBody>
+      </p:sp>
+      <p:pic>
+        <p:nvPicPr>
+          <p:cNvPr id="2052" name="Picture 4" descr="https://lh5.googleusercontent.com/n40ZeMNh58tD3rGEH4HHYJE77TJIWRu0-C9ctwdgPRwNBPsQHkN9WGfEgDsO2_BdspstHXIRWD6XVzbUsoE3A_C0ieUyRLpFlMcB-dkEilaSMUvbWigkzgMfvnCcoJwyfgJt0j5a">
+            <a:extLst>
+              <a:ext uri="{FF2B5EF4-FFF2-40B4-BE49-F238E27FC236}">
+                <a16:creationId xmlns:a16="http://schemas.microsoft.com/office/drawing/2014/main" id="{BC7275AB-52AA-4C4B-8E12-9632C67338E7}"/>
+              </a:ext>
+            </a:extLst>
+          </p:cNvPr>
+          <p:cNvPicPr>
+            <a:picLocks noChangeAspect="1" noChangeArrowheads="1"/>
+          </p:cNvPicPr>
+          <p:nvPr/>
+        </p:nvPicPr>
+        <p:blipFill>
+          <a:blip r:embed="rId2">
+            <a:extLst>
+              <a:ext uri="{28A0092B-C50C-407E-A947-70E740481C1C}">
+                <a14:useLocalDpi xmlns:a14="http://schemas.microsoft.com/office/drawing/2010/main" val="0"/>
+              </a:ext>
+            </a:extLst>
+          </a:blip>
+          <a:srcRect/>
+          <a:stretch>
+            <a:fillRect/>
+          </a:stretch>
+        </p:blipFill>
+        <p:spPr bwMode="auto">
+          <a:xfrm>
+            <a:off x="4495800" y="1109169"/>
+            <a:ext cx="3873337" cy="2859827"/>
+          </a:xfrm>
+          <a:prstGeom prst="rect">
+            <a:avLst/>
+          </a:prstGeom>
+          <a:noFill/>
+          <a:extLst>
+            <a:ext uri="{909E8E84-426E-40DD-AFC4-6F175D3DCCD1}">
+              <a14:hiddenFill xmlns:a14="http://schemas.microsoft.com/office/drawing/2010/main">
+                <a:solidFill>
+                  <a:srgbClr val="FFFFFF"/>
+                </a:solidFill>
+              </a14:hiddenFill>
+            </a:ext>
+          </a:extLst>
+        </p:spPr>
+      </p:pic>
+      <p:pic>
+        <p:nvPicPr>
+          <p:cNvPr id="2054" name="Picture 6" descr="https://lh4.googleusercontent.com/_8IPLClSYhHB-6oA_VNG4CHKnszZklbZjMTzPvGzezRpIytodLi7jMTdEZK8ONJ4OtEeRJDJw1eEyznZWim1OnS61tO7Uj_6mejfk6JNDoRNZXk2pZivoISqcPET-jMwKeP-HdVR">
+            <a:extLst>
+              <a:ext uri="{FF2B5EF4-FFF2-40B4-BE49-F238E27FC236}">
+                <a16:creationId xmlns:a16="http://schemas.microsoft.com/office/drawing/2014/main" id="{B5DE4381-B8C6-4080-AF6E-FC90194A958F}"/>
+              </a:ext>
+            </a:extLst>
+          </p:cNvPr>
+          <p:cNvPicPr>
+            <a:picLocks noChangeAspect="1" noChangeArrowheads="1"/>
+          </p:cNvPicPr>
+          <p:nvPr/>
+        </p:nvPicPr>
+        <p:blipFill>
+          <a:blip r:embed="rId3">
+            <a:extLst>
+              <a:ext uri="{28A0092B-C50C-407E-A947-70E740481C1C}">
+                <a14:useLocalDpi xmlns:a14="http://schemas.microsoft.com/office/drawing/2010/main" val="0"/>
+              </a:ext>
+            </a:extLst>
+          </a:blip>
+          <a:srcRect/>
+          <a:stretch>
+            <a:fillRect/>
+          </a:stretch>
+        </p:blipFill>
+        <p:spPr bwMode="auto">
+          <a:xfrm>
+            <a:off x="774863" y="1265777"/>
+            <a:ext cx="3449120" cy="2546612"/>
+          </a:xfrm>
+          <a:prstGeom prst="rect">
+            <a:avLst/>
+          </a:prstGeom>
+          <a:noFill/>
+          <a:extLst>
+            <a:ext uri="{909E8E84-426E-40DD-AFC4-6F175D3DCCD1}">
+              <a14:hiddenFill xmlns:a14="http://schemas.microsoft.com/office/drawing/2010/main">
+                <a:solidFill>
+                  <a:srgbClr val="FFFFFF"/>
+                </a:solidFill>
+              </a14:hiddenFill>
+            </a:ext>
+          </a:extLst>
+        </p:spPr>
+      </p:pic>
+    </p:spTree>
+    <p:extLst>
+      <p:ext uri="{BB962C8B-B14F-4D97-AF65-F5344CB8AC3E}">
+        <p14:creationId xmlns:p14="http://schemas.microsoft.com/office/powerpoint/2010/main" val="3841898205"/>
+      </p:ext>
+    </p:extLst>
+  </p:cSld>
+  <p:clrMapOvr>
+    <a:masterClrMapping/>
+  </p:clrMapOvr>
+</p:sld>
+</file>
+
+<file path=ppt/slides/slide5.xml><?xml version="1.0" encoding="utf-8"?>
 <p:sld xmlns:a="http://schemas.openxmlformats.org/drawingml/2006/main" xmlns:r="http://schemas.openxmlformats.org/officeDocument/2006/relationships" xmlns:p="http://schemas.openxmlformats.org/presentationml/2006/main">
   <p:cSld>
     <p:spTree>
@@ -4922,7 +5567,7 @@
           <a:p>
             <a:fld id="{EA1E5914-59AA-0F4C-8D89-5ECCA83988DE}" type="slidenum">
               <a:rPr lang="en-US" smtClean="0"/>
-              <a:t>3</a:t>
+              <a:t>5</a:t>
             </a:fld>
             <a:endParaRPr lang="en-US"/>
           </a:p>
@@ -4963,14 +5608,14 @@
           </a:ln>
           <a:extLst>
             <a:ext uri="{909E8E84-426E-40dd-AFC4-6F175D3DCCD1}">
-              <a14:hiddenFill xmlns:a14="http://schemas.microsoft.com/office/drawing/2010/main" xmlns="">
+              <a14:hiddenFill xmlns="" xmlns:a14="http://schemas.microsoft.com/office/drawing/2010/main">
                 <a:solidFill>
                   <a:schemeClr val="accent1"/>
                 </a:solidFill>
               </a14:hiddenFill>
             </a:ext>
             <a:ext uri="{91240B29-F687-4f45-9708-019B960494DF}">
-              <a14:hiddenLine xmlns:a14="http://schemas.microsoft.com/office/drawing/2010/main" xmlns="" w="9525">
+              <a14:hiddenLine xmlns="" xmlns:a14="http://schemas.microsoft.com/office/drawing/2010/main" w="9525">
                 <a:solidFill>
                   <a:schemeClr val="tx1"/>
                 </a:solidFill>
@@ -5166,7 +5811,7 @@
 </p:sld>
 </file>
 
-<file path=ppt/slides/slide4.xml><?xml version="1.0" encoding="utf-8"?>
+<file path=ppt/slides/slide6.xml><?xml version="1.0" encoding="utf-8"?>
 <p:sld xmlns:a="http://schemas.openxmlformats.org/drawingml/2006/main" xmlns:r="http://schemas.openxmlformats.org/officeDocument/2006/relationships" xmlns:p="http://schemas.openxmlformats.org/presentationml/2006/main">
   <p:cSld>
     <p:spTree>
@@ -5195,6 +5840,770 @@
         </p:nvSpPr>
         <p:spPr>
           <a:xfrm>
+            <a:off x="230156" y="11440"/>
+            <a:ext cx="7858042" cy="971983"/>
+          </a:xfrm>
+        </p:spPr>
+        <p:txBody>
+          <a:bodyPr>
+            <a:normAutofit/>
+          </a:bodyPr>
+          <a:lstStyle/>
+          <a:p>
+            <a:r>
+              <a:rPr lang="en-US" dirty="0"/>
+              <a:t>Customer Segmentation</a:t>
+            </a:r>
+            <a:endParaRPr lang="en-US" u="sng" dirty="0"/>
+          </a:p>
+        </p:txBody>
+      </p:sp>
+      <p:sp>
+        <p:nvSpPr>
+          <p:cNvPr id="6" name="Text Placeholder 5"/>
+          <p:cNvSpPr>
+            <a:spLocks noGrp="1"/>
+          </p:cNvSpPr>
+          <p:nvPr>
+            <p:ph type="body" idx="1"/>
+          </p:nvPr>
+        </p:nvSpPr>
+        <p:spPr>
+          <a:xfrm>
+            <a:off x="230519" y="778285"/>
+            <a:ext cx="4040188" cy="639762"/>
+          </a:xfrm>
+        </p:spPr>
+        <p:txBody>
+          <a:bodyPr/>
+          <a:lstStyle/>
+          <a:p>
+            <a:r>
+              <a:rPr lang="en-US" dirty="0"/>
+              <a:t>What are your clusters?</a:t>
+            </a:r>
+          </a:p>
+        </p:txBody>
+      </p:sp>
+      <p:graphicFrame>
+        <p:nvGraphicFramePr>
+          <p:cNvPr id="25" name="Content Placeholder 24"/>
+          <p:cNvGraphicFramePr>
+            <a:graphicFrameLocks noGrp="1"/>
+          </p:cNvGraphicFramePr>
+          <p:nvPr>
+            <p:ph sz="half" idx="2"/>
+            <p:extLst>
+              <p:ext uri="{D42A27DB-BD31-4B8C-83A1-F6EECF244321}">
+                <p14:modId xmlns:p14="http://schemas.microsoft.com/office/powerpoint/2010/main" val="4201191736"/>
+              </p:ext>
+            </p:extLst>
+          </p:nvPr>
+        </p:nvGraphicFramePr>
+        <p:xfrm>
+          <a:off x="4300621" y="1555039"/>
+          <a:ext cx="4275966" cy="4443119"/>
+        </p:xfrm>
+        <a:graphic>
+          <a:graphicData uri="http://schemas.openxmlformats.org/drawingml/2006/table">
+            <a:tbl>
+              <a:tblPr firstRow="1" bandRow="1">
+                <a:tableStyleId>{5C22544A-7EE6-4342-B048-85BDC9FD1C3A}</a:tableStyleId>
+              </a:tblPr>
+              <a:tblGrid>
+                <a:gridCol w="664378">
+                  <a:extLst>
+                    <a:ext uri="{9D8B030D-6E8A-4147-A177-3AD203B41FA5}">
+                      <a16:colId xmlns:a16="http://schemas.microsoft.com/office/drawing/2014/main" val="20000"/>
+                    </a:ext>
+                  </a:extLst>
+                </a:gridCol>
+                <a:gridCol w="1386862">
+                  <a:extLst>
+                    <a:ext uri="{9D8B030D-6E8A-4147-A177-3AD203B41FA5}">
+                      <a16:colId xmlns:a16="http://schemas.microsoft.com/office/drawing/2014/main" val="2977349492"/>
+                    </a:ext>
+                  </a:extLst>
+                </a:gridCol>
+                <a:gridCol w="2224726">
+                  <a:extLst>
+                    <a:ext uri="{9D8B030D-6E8A-4147-A177-3AD203B41FA5}">
+                      <a16:colId xmlns:a16="http://schemas.microsoft.com/office/drawing/2014/main" val="20001"/>
+                    </a:ext>
+                  </a:extLst>
+                </a:gridCol>
+              </a:tblGrid>
+              <a:tr h="450239">
+                <a:tc>
+                  <a:txBody>
+                    <a:bodyPr/>
+                    <a:lstStyle/>
+                    <a:p>
+                      <a:r>
+                        <a:rPr lang="en-US" dirty="0"/>
+                        <a:t>#</a:t>
+                      </a:r>
+                    </a:p>
+                  </a:txBody>
+                  <a:tcPr/>
+                </a:tc>
+                <a:tc>
+                  <a:txBody>
+                    <a:bodyPr/>
+                    <a:lstStyle/>
+                    <a:p>
+                      <a:r>
+                        <a:rPr lang="en-US" dirty="0"/>
+                        <a:t>Title</a:t>
+                      </a:r>
+                    </a:p>
+                  </a:txBody>
+                  <a:tcPr/>
+                </a:tc>
+                <a:tc>
+                  <a:txBody>
+                    <a:bodyPr/>
+                    <a:lstStyle/>
+                    <a:p>
+                      <a:r>
+                        <a:rPr lang="en-US" dirty="0"/>
+                        <a:t>Meaning</a:t>
+                      </a:r>
+                    </a:p>
+                  </a:txBody>
+                  <a:tcPr/>
+                </a:tc>
+                <a:extLst>
+                  <a:ext uri="{0D108BD9-81ED-4DB2-BD59-A6C34878D82A}">
+                    <a16:rowId xmlns:a16="http://schemas.microsoft.com/office/drawing/2014/main" val="10000"/>
+                  </a:ext>
+                </a:extLst>
+              </a:tr>
+              <a:tr h="585089">
+                <a:tc>
+                  <a:txBody>
+                    <a:bodyPr/>
+                    <a:lstStyle/>
+                    <a:p>
+                      <a:r>
+                        <a:rPr lang="en-US" sz="1600" dirty="0"/>
+                        <a:t>1</a:t>
+                      </a:r>
+                    </a:p>
+                  </a:txBody>
+                  <a:tcPr/>
+                </a:tc>
+                <a:tc>
+                  <a:txBody>
+                    <a:bodyPr/>
+                    <a:lstStyle/>
+                    <a:p>
+                      <a:r>
+                        <a:rPr lang="en-US" sz="1400" dirty="0"/>
+                        <a:t>Nippy-Zippy</a:t>
+                      </a:r>
+                    </a:p>
+                  </a:txBody>
+                  <a:tcPr/>
+                </a:tc>
+                <a:tc>
+                  <a:txBody>
+                    <a:bodyPr/>
+                    <a:lstStyle/>
+                    <a:p>
+                      <a:r>
+                        <a:rPr lang="en-US" sz="1400" dirty="0"/>
+                        <a:t>Performance driven, looking for a driving experience and the best features</a:t>
+                      </a:r>
+                    </a:p>
+                  </a:txBody>
+                  <a:tcPr/>
+                </a:tc>
+                <a:extLst>
+                  <a:ext uri="{0D108BD9-81ED-4DB2-BD59-A6C34878D82A}">
+                    <a16:rowId xmlns:a16="http://schemas.microsoft.com/office/drawing/2014/main" val="10001"/>
+                  </a:ext>
+                </a:extLst>
+              </a:tr>
+              <a:tr h="629769">
+                <a:tc>
+                  <a:txBody>
+                    <a:bodyPr/>
+                    <a:lstStyle/>
+                    <a:p>
+                      <a:r>
+                        <a:rPr lang="en-US" sz="1600" dirty="0"/>
+                        <a:t>2</a:t>
+                      </a:r>
+                    </a:p>
+                  </a:txBody>
+                  <a:tcPr/>
+                </a:tc>
+                <a:tc>
+                  <a:txBody>
+                    <a:bodyPr/>
+                    <a:lstStyle/>
+                    <a:p>
+                      <a:r>
+                        <a:rPr lang="en-US" sz="1400" dirty="0"/>
+                        <a:t>Fashionista</a:t>
+                      </a:r>
+                    </a:p>
+                  </a:txBody>
+                  <a:tcPr/>
+                </a:tc>
+                <a:tc>
+                  <a:txBody>
+                    <a:bodyPr/>
+                    <a:lstStyle/>
+                    <a:p>
+                      <a:r>
+                        <a:rPr lang="en-US" sz="1400"/>
+                        <a:t>Think of their car as an identity statement, trend conscious, like to stand out, and are mainly city drivers</a:t>
+                      </a:r>
+                    </a:p>
+                  </a:txBody>
+                  <a:tcPr/>
+                </a:tc>
+                <a:extLst>
+                  <a:ext uri="{0D108BD9-81ED-4DB2-BD59-A6C34878D82A}">
+                    <a16:rowId xmlns:a16="http://schemas.microsoft.com/office/drawing/2014/main" val="10002"/>
+                  </a:ext>
+                </a:extLst>
+              </a:tr>
+              <a:tr h="585089">
+                <a:tc>
+                  <a:txBody>
+                    <a:bodyPr/>
+                    <a:lstStyle/>
+                    <a:p>
+                      <a:r>
+                        <a:rPr lang="en-US" sz="1600" dirty="0"/>
+                        <a:t>3</a:t>
+                      </a:r>
+                    </a:p>
+                  </a:txBody>
+                  <a:tcPr/>
+                </a:tc>
+                <a:tc>
+                  <a:txBody>
+                    <a:bodyPr/>
+                    <a:lstStyle/>
+                    <a:p>
+                      <a:r>
+                        <a:rPr lang="en-US" sz="1400" dirty="0"/>
+                        <a:t>Practical</a:t>
+                      </a:r>
+                    </a:p>
+                  </a:txBody>
+                  <a:tcPr/>
+                </a:tc>
+                <a:tc>
+                  <a:txBody>
+                    <a:bodyPr/>
+                    <a:lstStyle/>
+                    <a:p>
+                      <a:r>
+                        <a:rPr lang="en-US" sz="1400" dirty="0"/>
+                        <a:t>Comfort driven, not big on fashion.  More utility driven and looking for dependability</a:t>
+                      </a:r>
+                    </a:p>
+                  </a:txBody>
+                  <a:tcPr/>
+                </a:tc>
+                <a:extLst>
+                  <a:ext uri="{0D108BD9-81ED-4DB2-BD59-A6C34878D82A}">
+                    <a16:rowId xmlns:a16="http://schemas.microsoft.com/office/drawing/2014/main" val="10003"/>
+                  </a:ext>
+                </a:extLst>
+              </a:tr>
+              <a:tr h="585089">
+                <a:tc>
+                  <a:txBody>
+                    <a:bodyPr/>
+                    <a:lstStyle/>
+                    <a:p>
+                      <a:r>
+                        <a:rPr lang="en-US" sz="1600" dirty="0"/>
+                        <a:t>4</a:t>
+                      </a:r>
+                    </a:p>
+                  </a:txBody>
+                  <a:tcPr/>
+                </a:tc>
+                <a:tc>
+                  <a:txBody>
+                    <a:bodyPr/>
+                    <a:lstStyle/>
+                    <a:p>
+                      <a:r>
+                        <a:rPr lang="en-US" sz="1400" dirty="0"/>
+                        <a:t>Road Tripper</a:t>
+                      </a:r>
+                    </a:p>
+                  </a:txBody>
+                  <a:tcPr/>
+                </a:tc>
+                <a:tc>
+                  <a:txBody>
+                    <a:bodyPr/>
+                    <a:lstStyle/>
+                    <a:p>
+                      <a:r>
+                        <a:rPr lang="en-US" sz="1400" dirty="0"/>
+                        <a:t>Expect to get a lot of miles out of their vehicle. Place no value in fashion</a:t>
+                      </a:r>
+                    </a:p>
+                    <a:p>
+                      <a:endParaRPr lang="en-US" sz="1400" dirty="0"/>
+                    </a:p>
+                  </a:txBody>
+                  <a:tcPr/>
+                </a:tc>
+                <a:extLst>
+                  <a:ext uri="{0D108BD9-81ED-4DB2-BD59-A6C34878D82A}">
+                    <a16:rowId xmlns:a16="http://schemas.microsoft.com/office/drawing/2014/main" val="619167056"/>
+                  </a:ext>
+                </a:extLst>
+              </a:tr>
+            </a:tbl>
+          </a:graphicData>
+        </a:graphic>
+      </p:graphicFrame>
+      <p:sp>
+        <p:nvSpPr>
+          <p:cNvPr id="8" name="Text Placeholder 7"/>
+          <p:cNvSpPr>
+            <a:spLocks noGrp="1"/>
+          </p:cNvSpPr>
+          <p:nvPr>
+            <p:ph type="body" sz="quarter" idx="3"/>
+          </p:nvPr>
+        </p:nvSpPr>
+        <p:spPr>
+          <a:xfrm>
+            <a:off x="4497302" y="778285"/>
+            <a:ext cx="4041775" cy="639762"/>
+          </a:xfrm>
+        </p:spPr>
+        <p:txBody>
+          <a:bodyPr/>
+          <a:lstStyle/>
+          <a:p>
+            <a:r>
+              <a:rPr lang="en-US" dirty="0"/>
+              <a:t>What do your clusters mean?</a:t>
+            </a:r>
+          </a:p>
+        </p:txBody>
+      </p:sp>
+      <p:sp>
+        <p:nvSpPr>
+          <p:cNvPr id="5" name="Slide Number Placeholder 4"/>
+          <p:cNvSpPr>
+            <a:spLocks noGrp="1"/>
+          </p:cNvSpPr>
+          <p:nvPr>
+            <p:ph type="sldNum" sz="quarter" idx="12"/>
+          </p:nvPr>
+        </p:nvSpPr>
+        <p:spPr/>
+        <p:txBody>
+          <a:bodyPr/>
+          <a:lstStyle/>
+          <a:p>
+            <a:fld id="{EA1E5914-59AA-0F4C-8D89-5ECCA83988DE}" type="slidenum">
+              <a:rPr lang="en-US" smtClean="0"/>
+              <a:t>6</a:t>
+            </a:fld>
+            <a:endParaRPr lang="en-US"/>
+          </a:p>
+        </p:txBody>
+      </p:sp>
+      <p:pic>
+        <p:nvPicPr>
+          <p:cNvPr id="18" name="Picture 4" descr="https://lh6.googleusercontent.com/-IfvYMe_tcr2NFt5zekZpEQG3vQNcaJavVp_oOV2gP1oPzwm5Ff2FxCe0BzKardDI5SF19qVu2zrVwUcP0xKyR7dreHFJF85HuieCUS9g6qgi-MbENEPWUtOS_atyLsLYuMCyhLU">
+            <a:extLst>
+              <a:ext uri="{FF2B5EF4-FFF2-40B4-BE49-F238E27FC236}">
+                <a16:creationId xmlns:a16="http://schemas.microsoft.com/office/drawing/2014/main" id="{BF300C88-057F-4BFD-88E5-C26D1D6C9B4E}"/>
+              </a:ext>
+            </a:extLst>
+          </p:cNvPr>
+          <p:cNvPicPr>
+            <a:picLocks noChangeAspect="1" noChangeArrowheads="1"/>
+          </p:cNvPicPr>
+          <p:nvPr/>
+        </p:nvPicPr>
+        <p:blipFill>
+          <a:blip r:embed="rId2">
+            <a:extLst>
+              <a:ext uri="{28A0092B-C50C-407E-A947-70E740481C1C}">
+                <a14:useLocalDpi xmlns:a14="http://schemas.microsoft.com/office/drawing/2010/main" val="0"/>
+              </a:ext>
+            </a:extLst>
+          </a:blip>
+          <a:srcRect/>
+          <a:stretch>
+            <a:fillRect/>
+          </a:stretch>
+        </p:blipFill>
+        <p:spPr bwMode="auto">
+          <a:xfrm>
+            <a:off x="230520" y="1651941"/>
+            <a:ext cx="3530776" cy="2687690"/>
+          </a:xfrm>
+          <a:prstGeom prst="rect">
+            <a:avLst/>
+          </a:prstGeom>
+          <a:noFill/>
+          <a:extLst>
+            <a:ext uri="{909E8E84-426E-40DD-AFC4-6F175D3DCCD1}">
+              <a14:hiddenFill xmlns:a14="http://schemas.microsoft.com/office/drawing/2010/main">
+                <a:solidFill>
+                  <a:srgbClr val="FFFFFF"/>
+                </a:solidFill>
+              </a14:hiddenFill>
+            </a:ext>
+          </a:extLst>
+        </p:spPr>
+      </p:pic>
+      <p:pic>
+        <p:nvPicPr>
+          <p:cNvPr id="19" name="Picture 2" descr="https://lh6.googleusercontent.com/VixHdfGrQRmcIuYgWlmmr8RT0ROncXj5wNa3bpEtQfSmTdH9wHRIzn1Yi95ggrC1lnIVNt1K3nC6LE9mbhM-zg72pqzf38ZSlzczdtqiEPJvX_puc_wjLHyfmvRQvIly23GI0zXf">
+            <a:extLst>
+              <a:ext uri="{FF2B5EF4-FFF2-40B4-BE49-F238E27FC236}">
+                <a16:creationId xmlns:a16="http://schemas.microsoft.com/office/drawing/2014/main" id="{A0AFA779-6199-4F22-B893-84D3243AFCA5}"/>
+              </a:ext>
+            </a:extLst>
+          </p:cNvPr>
+          <p:cNvPicPr>
+            <a:picLocks noChangeAspect="1" noChangeArrowheads="1"/>
+          </p:cNvPicPr>
+          <p:nvPr/>
+        </p:nvPicPr>
+        <p:blipFill>
+          <a:blip r:embed="rId3">
+            <a:extLst>
+              <a:ext uri="{28A0092B-C50C-407E-A947-70E740481C1C}">
+                <a14:useLocalDpi xmlns:a14="http://schemas.microsoft.com/office/drawing/2010/main" val="0"/>
+              </a:ext>
+            </a:extLst>
+          </a:blip>
+          <a:srcRect/>
+          <a:stretch>
+            <a:fillRect/>
+          </a:stretch>
+        </p:blipFill>
+        <p:spPr bwMode="auto">
+          <a:xfrm>
+            <a:off x="580154" y="4143676"/>
+            <a:ext cx="3317180" cy="2449196"/>
+          </a:xfrm>
+          <a:prstGeom prst="rect">
+            <a:avLst/>
+          </a:prstGeom>
+          <a:noFill/>
+          <a:extLst>
+            <a:ext uri="{909E8E84-426E-40DD-AFC4-6F175D3DCCD1}">
+              <a14:hiddenFill xmlns:a14="http://schemas.microsoft.com/office/drawing/2010/main">
+                <a:solidFill>
+                  <a:srgbClr val="FFFFFF"/>
+                </a:solidFill>
+              </a14:hiddenFill>
+            </a:ext>
+          </a:extLst>
+        </p:spPr>
+      </p:pic>
+    </p:spTree>
+    <p:extLst>
+      <p:ext uri="{BB962C8B-B14F-4D97-AF65-F5344CB8AC3E}">
+        <p14:creationId xmlns:p14="http://schemas.microsoft.com/office/powerpoint/2010/main" val="2464142368"/>
+      </p:ext>
+    </p:extLst>
+  </p:cSld>
+  <p:clrMapOvr>
+    <a:masterClrMapping/>
+  </p:clrMapOvr>
+</p:sld>
+</file>
+
+<file path=ppt/slides/slide7.xml><?xml version="1.0" encoding="utf-8"?>
+<p:sld xmlns:a="http://schemas.openxmlformats.org/drawingml/2006/main" xmlns:r="http://schemas.openxmlformats.org/officeDocument/2006/relationships" xmlns:p="http://schemas.openxmlformats.org/presentationml/2006/main">
+  <p:cSld>
+    <p:spTree>
+      <p:nvGrpSpPr>
+        <p:cNvPr id="1" name=""/>
+        <p:cNvGrpSpPr/>
+        <p:nvPr/>
+      </p:nvGrpSpPr>
+      <p:grpSpPr>
+        <a:xfrm>
+          <a:off x="0" y="0"/>
+          <a:ext cx="0" cy="0"/>
+          <a:chOff x="0" y="0"/>
+          <a:chExt cx="0" cy="0"/>
+        </a:xfrm>
+      </p:grpSpPr>
+      <p:sp>
+        <p:nvSpPr>
+          <p:cNvPr id="2" name="Title 1">
+            <a:extLst>
+              <a:ext uri="{FF2B5EF4-FFF2-40B4-BE49-F238E27FC236}">
+                <a16:creationId xmlns:a16="http://schemas.microsoft.com/office/drawing/2014/main" id="{5D212641-0D1E-4232-86CF-E74672B3DAB9}"/>
+              </a:ext>
+            </a:extLst>
+          </p:cNvPr>
+          <p:cNvSpPr>
+            <a:spLocks noGrp="1"/>
+          </p:cNvSpPr>
+          <p:nvPr>
+            <p:ph type="title"/>
+          </p:nvPr>
+        </p:nvSpPr>
+        <p:spPr>
+          <a:xfrm>
+            <a:off x="565049" y="201828"/>
+            <a:ext cx="7772400" cy="763414"/>
+          </a:xfrm>
+        </p:spPr>
+        <p:txBody>
+          <a:bodyPr/>
+          <a:lstStyle/>
+          <a:p>
+            <a:endParaRPr lang="en-US" dirty="0"/>
+          </a:p>
+        </p:txBody>
+      </p:sp>
+      <p:pic>
+        <p:nvPicPr>
+          <p:cNvPr id="7" name="Picture 2" descr="https://lh6.googleusercontent.com/VixHdfGrQRmcIuYgWlmmr8RT0ROncXj5wNa3bpEtQfSmTdH9wHRIzn1Yi95ggrC1lnIVNt1K3nC6LE9mbhM-zg72pqzf38ZSlzczdtqiEPJvX_puc_wjLHyfmvRQvIly23GI0zXf">
+            <a:extLst>
+              <a:ext uri="{FF2B5EF4-FFF2-40B4-BE49-F238E27FC236}">
+                <a16:creationId xmlns:a16="http://schemas.microsoft.com/office/drawing/2014/main" id="{58D0E903-1630-498B-9D29-932F1DE2C55A}"/>
+              </a:ext>
+            </a:extLst>
+          </p:cNvPr>
+          <p:cNvPicPr>
+            <a:picLocks noChangeAspect="1" noChangeArrowheads="1"/>
+          </p:cNvPicPr>
+          <p:nvPr/>
+        </p:nvPicPr>
+        <p:blipFill>
+          <a:blip r:embed="rId2">
+            <a:extLst>
+              <a:ext uri="{28A0092B-C50C-407E-A947-70E740481C1C}">
+                <a14:useLocalDpi xmlns:a14="http://schemas.microsoft.com/office/drawing/2010/main" val="0"/>
+              </a:ext>
+            </a:extLst>
+          </a:blip>
+          <a:srcRect/>
+          <a:stretch>
+            <a:fillRect/>
+          </a:stretch>
+        </p:blipFill>
+        <p:spPr bwMode="auto">
+          <a:xfrm>
+            <a:off x="4813502" y="1036260"/>
+            <a:ext cx="3765449" cy="2780169"/>
+          </a:xfrm>
+          <a:prstGeom prst="rect">
+            <a:avLst/>
+          </a:prstGeom>
+          <a:noFill/>
+          <a:extLst>
+            <a:ext uri="{909E8E84-426E-40DD-AFC4-6F175D3DCCD1}">
+              <a14:hiddenFill xmlns:a14="http://schemas.microsoft.com/office/drawing/2010/main">
+                <a:solidFill>
+                  <a:srgbClr val="FFFFFF"/>
+                </a:solidFill>
+              </a14:hiddenFill>
+            </a:ext>
+          </a:extLst>
+        </p:spPr>
+      </p:pic>
+      <p:pic>
+        <p:nvPicPr>
+          <p:cNvPr id="3074" name="Picture 2" descr="https://lh4.googleusercontent.com/3o6qaQsrumGEYZjoyoL_4-EsUguMXqTyqN8McnH6lalCQE8ykHHZQDIIQEcaZeqULEXlZm9Rw6OHuNhkVxBbU0OB8HY1JGDlN5ZazWpaFAVZ8qx1EuDydVIs6lTJu8wmB6fGaN3Z">
+            <a:extLst>
+              <a:ext uri="{FF2B5EF4-FFF2-40B4-BE49-F238E27FC236}">
+                <a16:creationId xmlns:a16="http://schemas.microsoft.com/office/drawing/2014/main" id="{70B5AA9A-4121-4DFE-B3FF-DE3BCD3A87A2}"/>
+              </a:ext>
+            </a:extLst>
+          </p:cNvPr>
+          <p:cNvPicPr>
+            <a:picLocks noChangeAspect="1" noChangeArrowheads="1"/>
+          </p:cNvPicPr>
+          <p:nvPr/>
+        </p:nvPicPr>
+        <p:blipFill>
+          <a:blip r:embed="rId3">
+            <a:extLst>
+              <a:ext uri="{28A0092B-C50C-407E-A947-70E740481C1C}">
+                <a14:useLocalDpi xmlns:a14="http://schemas.microsoft.com/office/drawing/2010/main" val="0"/>
+              </a:ext>
+            </a:extLst>
+          </a:blip>
+          <a:srcRect/>
+          <a:stretch>
+            <a:fillRect/>
+          </a:stretch>
+        </p:blipFill>
+        <p:spPr bwMode="auto">
+          <a:xfrm>
+            <a:off x="565049" y="880400"/>
+            <a:ext cx="3765449" cy="2780169"/>
+          </a:xfrm>
+          <a:prstGeom prst="rect">
+            <a:avLst/>
+          </a:prstGeom>
+          <a:noFill/>
+          <a:extLst>
+            <a:ext uri="{909E8E84-426E-40DD-AFC4-6F175D3DCCD1}">
+              <a14:hiddenFill xmlns:a14="http://schemas.microsoft.com/office/drawing/2010/main">
+                <a:solidFill>
+                  <a:srgbClr val="FFFFFF"/>
+                </a:solidFill>
+              </a14:hiddenFill>
+            </a:ext>
+          </a:extLst>
+        </p:spPr>
+      </p:pic>
+      <p:pic>
+        <p:nvPicPr>
+          <p:cNvPr id="3076" name="Picture 4" descr="https://lh6.googleusercontent.com/-IfvYMe_tcr2NFt5zekZpEQG3vQNcaJavVp_oOV2gP1oPzwm5Ff2FxCe0BzKardDI5SF19qVu2zrVwUcP0xKyR7dreHFJF85HuieCUS9g6qgi-MbENEPWUtOS_atyLsLYuMCyhLU">
+            <a:extLst>
+              <a:ext uri="{FF2B5EF4-FFF2-40B4-BE49-F238E27FC236}">
+                <a16:creationId xmlns:a16="http://schemas.microsoft.com/office/drawing/2014/main" id="{F5B377A9-379A-4110-BC1C-E3E44531241D}"/>
+              </a:ext>
+            </a:extLst>
+          </p:cNvPr>
+          <p:cNvPicPr>
+            <a:picLocks noChangeAspect="1" noChangeArrowheads="1"/>
+          </p:cNvPicPr>
+          <p:nvPr/>
+        </p:nvPicPr>
+        <p:blipFill>
+          <a:blip r:embed="rId4">
+            <a:extLst>
+              <a:ext uri="{28A0092B-C50C-407E-A947-70E740481C1C}">
+                <a14:useLocalDpi xmlns:a14="http://schemas.microsoft.com/office/drawing/2010/main" val="0"/>
+              </a:ext>
+            </a:extLst>
+          </a:blip>
+          <a:srcRect/>
+          <a:stretch>
+            <a:fillRect/>
+          </a:stretch>
+        </p:blipFill>
+        <p:spPr bwMode="auto">
+          <a:xfrm>
+            <a:off x="3623154" y="3660569"/>
+            <a:ext cx="4145170" cy="3155378"/>
+          </a:xfrm>
+          <a:prstGeom prst="rect">
+            <a:avLst/>
+          </a:prstGeom>
+          <a:noFill/>
+          <a:extLst>
+            <a:ext uri="{909E8E84-426E-40DD-AFC4-6F175D3DCCD1}">
+              <a14:hiddenFill xmlns:a14="http://schemas.microsoft.com/office/drawing/2010/main">
+                <a:solidFill>
+                  <a:srgbClr val="FFFFFF"/>
+                </a:solidFill>
+              </a14:hiddenFill>
+            </a:ext>
+          </a:extLst>
+        </p:spPr>
+      </p:pic>
+      <p:pic>
+        <p:nvPicPr>
+          <p:cNvPr id="3078" name="Picture 6" descr="https://lh5.googleusercontent.com/36tlnSOoii3td2uc65q1x9fGQePqfQGNJgsUrl5fkOPAmfxdVRitb22TTB6U8Q6EDIIhk25DPnws_RVTy8TcSgexpgEXHxUq_QsB28XvkoV_7GSk5d76IPXjfCQjdTBYX1uH4n7j">
+            <a:extLst>
+              <a:ext uri="{FF2B5EF4-FFF2-40B4-BE49-F238E27FC236}">
+                <a16:creationId xmlns:a16="http://schemas.microsoft.com/office/drawing/2014/main" id="{D1F40102-2F8A-440D-891C-807D6024F5E8}"/>
+              </a:ext>
+            </a:extLst>
+          </p:cNvPr>
+          <p:cNvPicPr>
+            <a:picLocks noChangeAspect="1" noChangeArrowheads="1"/>
+          </p:cNvPicPr>
+          <p:nvPr/>
+        </p:nvPicPr>
+        <p:blipFill>
+          <a:blip r:embed="rId5">
+            <a:extLst>
+              <a:ext uri="{28A0092B-C50C-407E-A947-70E740481C1C}">
+                <a14:useLocalDpi xmlns:a14="http://schemas.microsoft.com/office/drawing/2010/main" val="0"/>
+              </a:ext>
+            </a:extLst>
+          </a:blip>
+          <a:srcRect/>
+          <a:stretch>
+            <a:fillRect/>
+          </a:stretch>
+        </p:blipFill>
+        <p:spPr bwMode="auto">
+          <a:xfrm>
+            <a:off x="273377" y="3806031"/>
+            <a:ext cx="2941163" cy="2171569"/>
+          </a:xfrm>
+          <a:prstGeom prst="rect">
+            <a:avLst/>
+          </a:prstGeom>
+          <a:noFill/>
+          <a:extLst>
+            <a:ext uri="{909E8E84-426E-40DD-AFC4-6F175D3DCCD1}">
+              <a14:hiddenFill xmlns:a14="http://schemas.microsoft.com/office/drawing/2010/main">
+                <a:solidFill>
+                  <a:srgbClr val="FFFFFF"/>
+                </a:solidFill>
+              </a14:hiddenFill>
+            </a:ext>
+          </a:extLst>
+        </p:spPr>
+      </p:pic>
+    </p:spTree>
+    <p:extLst>
+      <p:ext uri="{BB962C8B-B14F-4D97-AF65-F5344CB8AC3E}">
+        <p14:creationId xmlns:p14="http://schemas.microsoft.com/office/powerpoint/2010/main" val="1637294354"/>
+      </p:ext>
+    </p:extLst>
+  </p:cSld>
+  <p:clrMapOvr>
+    <a:masterClrMapping/>
+  </p:clrMapOvr>
+</p:sld>
+</file>
+
+<file path=ppt/slides/slide8.xml><?xml version="1.0" encoding="utf-8"?>
+<p:sld xmlns:a="http://schemas.openxmlformats.org/drawingml/2006/main" xmlns:r="http://schemas.openxmlformats.org/officeDocument/2006/relationships" xmlns:p="http://schemas.openxmlformats.org/presentationml/2006/main">
+  <p:cSld>
+    <p:spTree>
+      <p:nvGrpSpPr>
+        <p:cNvPr id="1" name=""/>
+        <p:cNvGrpSpPr/>
+        <p:nvPr/>
+      </p:nvGrpSpPr>
+      <p:grpSpPr>
+        <a:xfrm>
+          <a:off x="0" y="0"/>
+          <a:ext cx="0" cy="0"/>
+          <a:chOff x="0" y="0"/>
+          <a:chExt cx="0" cy="0"/>
+        </a:xfrm>
+      </p:grpSpPr>
+      <p:sp>
+        <p:nvSpPr>
+          <p:cNvPr id="2" name="Title 1"/>
+          <p:cNvSpPr>
+            <a:spLocks noGrp="1"/>
+          </p:cNvSpPr>
+          <p:nvPr>
+            <p:ph type="title"/>
+          </p:nvPr>
+        </p:nvSpPr>
+        <p:spPr>
+          <a:xfrm>
             <a:off x="959179" y="65989"/>
             <a:ext cx="7270423" cy="1055802"/>
           </a:xfrm>
@@ -5310,7 +6719,7 @@
             <a:fld id="{EA1E5914-59AA-0F4C-8D89-5ECCA83988DE}" type="slidenum">
               <a:rPr lang="en-US" smtClean="0"/>
               <a:pPr/>
-              <a:t>4</a:t>
+              <a:t>8</a:t>
             </a:fld>
             <a:endParaRPr lang="en-US" dirty="0"/>
           </a:p>

--- a/Assignment1/Ford Ka Presentation.pptx
+++ b/Assignment1/Ford Ka Presentation.pptx
@@ -13,6 +13,7 @@
     <p:sldId id="266" r:id="rId7"/>
     <p:sldId id="265" r:id="rId8"/>
     <p:sldId id="260" r:id="rId9"/>
+    <p:sldId id="267" r:id="rId10"/>
   </p:sldIdLst>
   <p:sldSz cx="9144000" cy="6858000" type="screen4x3"/>
   <p:notesSz cx="6858000" cy="9144000"/>
@@ -133,7 +134,7 @@
 <file path=ppt/revisionInfo.xml><?xml version="1.0" encoding="utf-8"?>
 <p1510:revInfo xmlns:a="http://schemas.openxmlformats.org/drawingml/2006/main" xmlns:r="http://schemas.openxmlformats.org/officeDocument/2006/relationships" xmlns:p1510="http://schemas.microsoft.com/office/powerpoint/2015/10/main">
   <p1510:revLst>
-    <p1510:client id="{A71618FC-F24E-4425-8E9F-FB33108DCEF9}" v="37" dt="2019-03-24T21:49:43.813"/>
+    <p1510:client id="{A71618FC-F24E-4425-8E9F-FB33108DCEF9}" v="44" dt="2019-03-24T22:20:32.007"/>
   </p1510:revLst>
 </p1510:revInfo>
 </file>
@@ -143,7 +144,7 @@
   <pc:docChgLst>
     <pc:chgData name="joe standerfer" userId="1b337ce15d3046a8" providerId="LiveId" clId="{A71618FC-F24E-4425-8E9F-FB33108DCEF9}"/>
     <pc:docChg chg="undo custSel addSld delSld modSld sldOrd">
-      <pc:chgData name="joe standerfer" userId="1b337ce15d3046a8" providerId="LiveId" clId="{A71618FC-F24E-4425-8E9F-FB33108DCEF9}" dt="2019-03-24T22:03:34.813" v="1144" actId="20577"/>
+      <pc:chgData name="joe standerfer" userId="1b337ce15d3046a8" providerId="LiveId" clId="{A71618FC-F24E-4425-8E9F-FB33108DCEF9}" dt="2019-03-24T22:20:42.725" v="1774" actId="1076"/>
       <pc:docMkLst>
         <pc:docMk/>
       </pc:docMkLst>
@@ -186,8 +187,8 @@
           </ac:picMkLst>
         </pc:picChg>
       </pc:sldChg>
-      <pc:sldChg chg="modSp">
-        <pc:chgData name="joe standerfer" userId="1b337ce15d3046a8" providerId="LiveId" clId="{A71618FC-F24E-4425-8E9F-FB33108DCEF9}" dt="2019-03-24T20:02:36.439" v="208" actId="1038"/>
+      <pc:sldChg chg="addSp delSp modSp">
+        <pc:chgData name="joe standerfer" userId="1b337ce15d3046a8" providerId="LiveId" clId="{A71618FC-F24E-4425-8E9F-FB33108DCEF9}" dt="2019-03-24T22:20:35.466" v="1771" actId="478"/>
         <pc:sldMkLst>
           <pc:docMk/>
           <pc:sldMk cId="3548144454" sldId="260"/>
@@ -208,9 +209,25 @@
             <ac:spMk id="3" creationId="{00000000-0000-0000-0000-000000000000}"/>
           </ac:spMkLst>
         </pc:spChg>
+        <pc:picChg chg="add del">
+          <ac:chgData name="joe standerfer" userId="1b337ce15d3046a8" providerId="LiveId" clId="{A71618FC-F24E-4425-8E9F-FB33108DCEF9}" dt="2019-03-24T22:20:28.600" v="1769" actId="478"/>
+          <ac:picMkLst>
+            <pc:docMk/>
+            <pc:sldMk cId="3548144454" sldId="260"/>
+            <ac:picMk id="5" creationId="{00000000-0000-0000-0000-000000000000}"/>
+          </ac:picMkLst>
+        </pc:picChg>
+        <pc:picChg chg="add del mod">
+          <ac:chgData name="joe standerfer" userId="1b337ce15d3046a8" providerId="LiveId" clId="{A71618FC-F24E-4425-8E9F-FB33108DCEF9}" dt="2019-03-24T22:20:35.466" v="1771" actId="478"/>
+          <ac:picMkLst>
+            <pc:docMk/>
+            <pc:sldMk cId="3548144454" sldId="260"/>
+            <ac:picMk id="6" creationId="{2C3B87E2-F327-4E35-93F6-D79EB59A7371}"/>
+          </ac:picMkLst>
+        </pc:picChg>
       </pc:sldChg>
-      <pc:sldChg chg="modSp">
-        <pc:chgData name="joe standerfer" userId="1b337ce15d3046a8" providerId="LiveId" clId="{A71618FC-F24E-4425-8E9F-FB33108DCEF9}" dt="2019-03-24T20:11:52.733" v="219" actId="1076"/>
+      <pc:sldChg chg="addSp delSp modSp">
+        <pc:chgData name="joe standerfer" userId="1b337ce15d3046a8" providerId="LiveId" clId="{A71618FC-F24E-4425-8E9F-FB33108DCEF9}" dt="2019-03-24T22:19:37.694" v="1760" actId="20577"/>
         <pc:sldMkLst>
           <pc:docMk/>
           <pc:sldMk cId="1865572983" sldId="261"/>
@@ -224,15 +241,47 @@
           </ac:spMkLst>
         </pc:spChg>
         <pc:spChg chg="mod">
-          <ac:chgData name="joe standerfer" userId="1b337ce15d3046a8" providerId="LiveId" clId="{A71618FC-F24E-4425-8E9F-FB33108DCEF9}" dt="2019-03-24T20:11:47.808" v="218" actId="1076"/>
+          <ac:chgData name="joe standerfer" userId="1b337ce15d3046a8" providerId="LiveId" clId="{A71618FC-F24E-4425-8E9F-FB33108DCEF9}" dt="2019-03-24T22:19:37.694" v="1760" actId="20577"/>
           <ac:spMkLst>
             <pc:docMk/>
             <pc:sldMk cId="1865572983" sldId="261"/>
             <ac:spMk id="3" creationId="{00000000-0000-0000-0000-000000000000}"/>
           </ac:spMkLst>
         </pc:spChg>
-        <pc:picChg chg="mod">
-          <ac:chgData name="joe standerfer" userId="1b337ce15d3046a8" providerId="LiveId" clId="{A71618FC-F24E-4425-8E9F-FB33108DCEF9}" dt="2019-03-24T20:11:52.733" v="219" actId="1076"/>
+        <pc:spChg chg="add del mod">
+          <ac:chgData name="joe standerfer" userId="1b337ce15d3046a8" providerId="LiveId" clId="{A71618FC-F24E-4425-8E9F-FB33108DCEF9}" dt="2019-03-24T22:07:12.138" v="1153"/>
+          <ac:spMkLst>
+            <pc:docMk/>
+            <pc:sldMk cId="1865572983" sldId="261"/>
+            <ac:spMk id="6" creationId="{126D38F7-31F7-4787-B076-4F879620FBE0}"/>
+          </ac:spMkLst>
+        </pc:spChg>
+        <pc:spChg chg="add mod">
+          <ac:chgData name="joe standerfer" userId="1b337ce15d3046a8" providerId="LiveId" clId="{A71618FC-F24E-4425-8E9F-FB33108DCEF9}" dt="2019-03-24T22:14:44.600" v="1382" actId="1076"/>
+          <ac:spMkLst>
+            <pc:docMk/>
+            <pc:sldMk cId="1865572983" sldId="261"/>
+            <ac:spMk id="7" creationId="{013B0BC0-64B0-4556-B280-5A2D967F7DA7}"/>
+          </ac:spMkLst>
+        </pc:spChg>
+        <pc:spChg chg="add mod">
+          <ac:chgData name="joe standerfer" userId="1b337ce15d3046a8" providerId="LiveId" clId="{A71618FC-F24E-4425-8E9F-FB33108DCEF9}" dt="2019-03-24T22:16:09.255" v="1533" actId="113"/>
+          <ac:spMkLst>
+            <pc:docMk/>
+            <pc:sldMk cId="1865572983" sldId="261"/>
+            <ac:spMk id="9" creationId="{DC9F8E04-EC7F-4E2B-BA0B-9A622E436448}"/>
+          </ac:spMkLst>
+        </pc:spChg>
+        <pc:picChg chg="add mod">
+          <ac:chgData name="joe standerfer" userId="1b337ce15d3046a8" providerId="LiveId" clId="{A71618FC-F24E-4425-8E9F-FB33108DCEF9}" dt="2019-03-24T22:15:59.147" v="1530" actId="1076"/>
+          <ac:picMkLst>
+            <pc:docMk/>
+            <pc:sldMk cId="1865572983" sldId="261"/>
+            <ac:picMk id="8" creationId="{460E7D43-2E9F-4B28-ABC1-1FC79C48FCAD}"/>
+          </ac:picMkLst>
+        </pc:picChg>
+        <pc:picChg chg="del mod">
+          <ac:chgData name="joe standerfer" userId="1b337ce15d3046a8" providerId="LiveId" clId="{A71618FC-F24E-4425-8E9F-FB33108DCEF9}" dt="2019-03-24T22:07:06.378" v="1152" actId="478"/>
           <ac:picMkLst>
             <pc:docMk/>
             <pc:sldMk cId="1865572983" sldId="261"/>
@@ -382,7 +431,7 @@
         </pc:spChg>
       </pc:sldChg>
       <pc:sldChg chg="addSp delSp modSp add">
-        <pc:chgData name="joe standerfer" userId="1b337ce15d3046a8" providerId="LiveId" clId="{A71618FC-F24E-4425-8E9F-FB33108DCEF9}" dt="2019-03-24T21:37:54.015" v="369" actId="1076"/>
+        <pc:chgData name="joe standerfer" userId="1b337ce15d3046a8" providerId="LiveId" clId="{A71618FC-F24E-4425-8E9F-FB33108DCEF9}" dt="2019-03-24T22:06:51.639" v="1151" actId="1076"/>
         <pc:sldMkLst>
           <pc:docMk/>
           <pc:sldMk cId="3841898205" sldId="264"/>
@@ -411,6 +460,22 @@
             <ac:spMk id="6" creationId="{F48EFA2B-3240-4B77-A171-8A73EAD5B0F3}"/>
           </ac:spMkLst>
         </pc:spChg>
+        <pc:picChg chg="add del mod">
+          <ac:chgData name="joe standerfer" userId="1b337ce15d3046a8" providerId="LiveId" clId="{A71618FC-F24E-4425-8E9F-FB33108DCEF9}" dt="2019-03-24T22:05:50.692" v="1148" actId="478"/>
+          <ac:picMkLst>
+            <pc:docMk/>
+            <pc:sldMk cId="3841898205" sldId="264"/>
+            <ac:picMk id="1026" creationId="{C363CC1B-E745-42BD-A295-3FAC3E41C8D0}"/>
+          </ac:picMkLst>
+        </pc:picChg>
+        <pc:picChg chg="add mod">
+          <ac:chgData name="joe standerfer" userId="1b337ce15d3046a8" providerId="LiveId" clId="{A71618FC-F24E-4425-8E9F-FB33108DCEF9}" dt="2019-03-24T22:06:51.639" v="1151" actId="1076"/>
+          <ac:picMkLst>
+            <pc:docMk/>
+            <pc:sldMk cId="3841898205" sldId="264"/>
+            <ac:picMk id="1028" creationId="{874FBAB7-845C-4E8A-AECD-53157EC2DFF2}"/>
+          </ac:picMkLst>
+        </pc:picChg>
         <pc:picChg chg="add del mod">
           <ac:chgData name="joe standerfer" userId="1b337ce15d3046a8" providerId="LiveId" clId="{A71618FC-F24E-4425-8E9F-FB33108DCEF9}" dt="2019-03-24T21:03:52.133" v="312"/>
           <ac:picMkLst>
@@ -524,7 +589,7 @@
         </pc:picChg>
       </pc:sldChg>
       <pc:sldChg chg="addSp delSp modSp add">
-        <pc:chgData name="joe standerfer" userId="1b337ce15d3046a8" providerId="LiveId" clId="{A71618FC-F24E-4425-8E9F-FB33108DCEF9}" dt="2019-03-24T22:03:34.813" v="1144" actId="20577"/>
+        <pc:chgData name="joe standerfer" userId="1b337ce15d3046a8" providerId="LiveId" clId="{A71618FC-F24E-4425-8E9F-FB33108DCEF9}" dt="2019-03-24T22:19:59.901" v="1764" actId="1076"/>
         <pc:sldMkLst>
           <pc:docMk/>
           <pc:sldMk cId="2464142368" sldId="266"/>
@@ -585,8 +650,8 @@
             <ac:picMk id="14" creationId="{00000000-0000-0000-0000-000000000000}"/>
           </ac:picMkLst>
         </pc:picChg>
-        <pc:picChg chg="add mod">
-          <ac:chgData name="joe standerfer" userId="1b337ce15d3046a8" providerId="LiveId" clId="{A71618FC-F24E-4425-8E9F-FB33108DCEF9}" dt="2019-03-24T21:39:18.269" v="382" actId="14100"/>
+        <pc:picChg chg="add mod ord">
+          <ac:chgData name="joe standerfer" userId="1b337ce15d3046a8" providerId="LiveId" clId="{A71618FC-F24E-4425-8E9F-FB33108DCEF9}" dt="2019-03-24T22:19:58.111" v="1763" actId="1076"/>
           <ac:picMkLst>
             <pc:docMk/>
             <pc:sldMk cId="2464142368" sldId="266"/>
@@ -594,7 +659,7 @@
           </ac:picMkLst>
         </pc:picChg>
         <pc:picChg chg="add mod">
-          <ac:chgData name="joe standerfer" userId="1b337ce15d3046a8" providerId="LiveId" clId="{A71618FC-F24E-4425-8E9F-FB33108DCEF9}" dt="2019-03-24T21:39:26.007" v="385" actId="1076"/>
+          <ac:chgData name="joe standerfer" userId="1b337ce15d3046a8" providerId="LiveId" clId="{A71618FC-F24E-4425-8E9F-FB33108DCEF9}" dt="2019-03-24T22:19:59.901" v="1764" actId="1076"/>
           <ac:picMkLst>
             <pc:docMk/>
             <pc:sldMk cId="2464142368" sldId="266"/>
@@ -625,6 +690,29 @@
             <ac:cxnSpMk id="17" creationId="{00000000-0000-0000-0000-000000000000}"/>
           </ac:cxnSpMkLst>
         </pc:cxnChg>
+      </pc:sldChg>
+      <pc:sldChg chg="delSp modSp add">
+        <pc:chgData name="joe standerfer" userId="1b337ce15d3046a8" providerId="LiveId" clId="{A71618FC-F24E-4425-8E9F-FB33108DCEF9}" dt="2019-03-24T22:20:42.725" v="1774" actId="1076"/>
+        <pc:sldMkLst>
+          <pc:docMk/>
+          <pc:sldMk cId="3647614752" sldId="267"/>
+        </pc:sldMkLst>
+        <pc:picChg chg="del">
+          <ac:chgData name="joe standerfer" userId="1b337ce15d3046a8" providerId="LiveId" clId="{A71618FC-F24E-4425-8E9F-FB33108DCEF9}" dt="2019-03-24T22:20:38.299" v="1772" actId="478"/>
+          <ac:picMkLst>
+            <pc:docMk/>
+            <pc:sldMk cId="3647614752" sldId="267"/>
+            <ac:picMk id="5" creationId="{00000000-0000-0000-0000-000000000000}"/>
+          </ac:picMkLst>
+        </pc:picChg>
+        <pc:picChg chg="mod">
+          <ac:chgData name="joe standerfer" userId="1b337ce15d3046a8" providerId="LiveId" clId="{A71618FC-F24E-4425-8E9F-FB33108DCEF9}" dt="2019-03-24T22:20:42.725" v="1774" actId="1076"/>
+          <ac:picMkLst>
+            <pc:docMk/>
+            <pc:sldMk cId="3647614752" sldId="267"/>
+            <ac:picMk id="6" creationId="{2C3B87E2-F327-4E35-93F6-D79EB59A7371}"/>
+          </ac:picMkLst>
+        </pc:picChg>
       </pc:sldChg>
     </pc:docChg>
   </pc:docChgLst>
@@ -4880,8 +4968,8 @@
         </p:nvSpPr>
         <p:spPr>
           <a:xfrm>
-            <a:off x="457200" y="1152804"/>
-            <a:ext cx="4038600" cy="4552391"/>
+            <a:off x="457199" y="1152804"/>
+            <a:ext cx="4017625" cy="4552391"/>
           </a:xfrm>
         </p:spPr>
         <p:txBody>
@@ -4894,7 +4982,7 @@
               <a:buNone/>
             </a:pPr>
             <a:r>
-              <a:rPr lang="en-US" sz="2400" dirty="0"/>
+              <a:rPr lang="en-US" sz="1800" dirty="0"/>
               <a:t>We find some interesting patterns in the data:</a:t>
             </a:r>
           </a:p>
@@ -4904,12 +4992,8 @@
               <a:buChar char="-"/>
             </a:pPr>
             <a:r>
-              <a:rPr lang="en-US" sz="2400" dirty="0" err="1"/>
-              <a:t>Viriginica’s</a:t>
-            </a:r>
-            <a:r>
-              <a:rPr lang="en-US" sz="2400" dirty="0"/>
-              <a:t> have longer and wider Petals</a:t>
+              <a:rPr lang="en-US" sz="1800" dirty="0"/>
+              <a:t>Survey participants that ranked the Ford Ka among their top 3 options were looking for  performance and were not as concerned with fashion or car-size</a:t>
             </a:r>
           </a:p>
           <a:p>
@@ -4918,12 +5002,8 @@
               <a:buChar char="-"/>
             </a:pPr>
             <a:r>
-              <a:rPr lang="en-US" sz="2400" dirty="0" err="1"/>
-              <a:t>Setosa’s</a:t>
-            </a:r>
-            <a:r>
-              <a:rPr lang="en-US" sz="2400" dirty="0"/>
-              <a:t> have short and narrow Petals, but their Sepals are wide (but shorter) </a:t>
+              <a:rPr lang="en-US" sz="1800" dirty="0"/>
+              <a:t>Those who </a:t>
             </a:r>
           </a:p>
           <a:p>
@@ -4932,32 +5012,61 @@
               <a:buChar char="-"/>
             </a:pPr>
             <a:r>
-              <a:rPr lang="en-US" sz="2400" dirty="0" err="1"/>
+              <a:rPr lang="en-US" sz="1800" dirty="0" err="1"/>
               <a:t>Versicolor’s</a:t>
             </a:r>
             <a:r>
-              <a:rPr lang="en-US" sz="2400" dirty="0"/>
+              <a:rPr lang="en-US" sz="1800" dirty="0"/>
               <a:t> are in between, but are more like </a:t>
             </a:r>
             <a:r>
-              <a:rPr lang="en-US" sz="2400" dirty="0" err="1"/>
+              <a:rPr lang="en-US" sz="1800" dirty="0" err="1"/>
               <a:t>Virginica’s</a:t>
             </a:r>
             <a:r>
-              <a:rPr lang="en-US" sz="2400" dirty="0"/>
+              <a:rPr lang="en-US" sz="1800" dirty="0"/>
               <a:t> than </a:t>
             </a:r>
             <a:r>
-              <a:rPr lang="en-US" sz="2400" dirty="0" err="1"/>
+              <a:rPr lang="en-US" sz="1800" dirty="0" err="1"/>
               <a:t>Setosa’s</a:t>
             </a:r>
-            <a:endParaRPr lang="en-US" sz="2400" dirty="0"/>
+            <a:endParaRPr lang="en-US" sz="1800" dirty="0"/>
+          </a:p>
+        </p:txBody>
+      </p:sp>
+      <p:sp>
+        <p:nvSpPr>
+          <p:cNvPr id="4" name="Slide Number Placeholder 3"/>
+          <p:cNvSpPr>
+            <a:spLocks noGrp="1"/>
+          </p:cNvSpPr>
+          <p:nvPr>
+            <p:ph type="sldNum" sz="quarter" idx="12"/>
+          </p:nvPr>
+        </p:nvSpPr>
+        <p:spPr/>
+        <p:txBody>
+          <a:bodyPr/>
+          <a:lstStyle/>
+          <a:p>
+            <a:fld id="{4FAB73BC-B049-4115-A692-8D63A059BFB8}" type="slidenum">
+              <a:rPr lang="en-US" smtClean="0"/>
+              <a:t>3</a:t>
+            </a:fld>
+            <a:endParaRPr lang="en-US" dirty="0"/>
           </a:p>
         </p:txBody>
       </p:sp>
       <p:pic>
         <p:nvPicPr>
-          <p:cNvPr id="18434" name="Picture 2"/>
+          <p:cNvPr id="8" name="Picture 4" descr="https://lh3.googleusercontent.com/zJYZ8oybTWTxsIE3T3E0BHGa8t8e4ZxV6XRZKMbs6NOp7zRYImOqMMDqTXxP4MJeoQNTmHi8AObBoNjZxHfFw8kwL7dlHTY5rfSYgTYQ6dpBcnYBW-vgRVMoqVjguO1i1BB0DqoU">
+            <a:extLst>
+              <a:ext uri="{FF2B5EF4-FFF2-40B4-BE49-F238E27FC236}">
+                <a16:creationId xmlns:a16="http://schemas.microsoft.com/office/drawing/2014/main" id="{460E7D43-2E9F-4B28-ABC1-1FC79C48FCAD}"/>
+              </a:ext>
+            </a:extLst>
+          </p:cNvPr>
           <p:cNvPicPr>
             <a:picLocks noGrp="1" noChangeAspect="1" noChangeArrowheads="1"/>
           </p:cNvPicPr>
@@ -4973,73 +5082,154 @@
               </a:ext>
             </a:extLst>
           </a:blip>
+          <a:srcRect/>
           <a:stretch>
             <a:fillRect/>
           </a:stretch>
         </p:blipFill>
         <p:spPr bwMode="auto">
           <a:xfrm>
-            <a:off x="4792663" y="1336351"/>
-            <a:ext cx="3657600" cy="3694940"/>
+            <a:off x="4312972" y="1576178"/>
+            <a:ext cx="4306710" cy="3165956"/>
           </a:xfrm>
           <a:prstGeom prst="rect">
             <a:avLst/>
           </a:prstGeom>
           <a:noFill/>
-          <a:ln>
-            <a:noFill/>
-          </a:ln>
-          <a:effectLst/>
           <a:extLst>
-            <a:ext uri="{909E8E84-426E-40dd-AFC4-6F175D3DCCD1}">
-              <a14:hiddenFill xmlns="" xmlns:a14="http://schemas.microsoft.com/office/drawing/2010/main">
+            <a:ext uri="{909E8E84-426E-40DD-AFC4-6F175D3DCCD1}">
+              <a14:hiddenFill xmlns:a14="http://schemas.microsoft.com/office/drawing/2010/main">
                 <a:solidFill>
-                  <a:schemeClr val="accent1"/>
+                  <a:srgbClr val="FFFFFF"/>
                 </a:solidFill>
               </a14:hiddenFill>
-            </a:ext>
-            <a:ext uri="{91240B29-F687-4f45-9708-019B960494DF}">
-              <a14:hiddenLine xmlns="" xmlns:a14="http://schemas.microsoft.com/office/drawing/2010/main" w="9525">
-                <a:solidFill>
-                  <a:schemeClr val="tx1"/>
-                </a:solidFill>
-                <a:miter lim="800000"/>
-                <a:headEnd/>
-                <a:tailEnd/>
-              </a14:hiddenLine>
-            </a:ext>
-            <a:ext uri="{AF507438-7753-43e0-B8FC-AC1667EBCBE1}">
-              <a14:hiddenEffects xmlns="" xmlns:a14="http://schemas.microsoft.com/office/drawing/2010/main">
-                <a:effectLst>
-                  <a:outerShdw dist="35921" dir="2700000" algn="ctr" rotWithShape="0">
-                    <a:schemeClr val="bg2"/>
-                  </a:outerShdw>
-                </a:effectLst>
-              </a14:hiddenEffects>
             </a:ext>
           </a:extLst>
         </p:spPr>
       </p:pic>
       <p:sp>
         <p:nvSpPr>
-          <p:cNvPr id="4" name="Slide Number Placeholder 3"/>
-          <p:cNvSpPr>
-            <a:spLocks noGrp="1"/>
-          </p:cNvSpPr>
-          <p:nvPr>
-            <p:ph type="sldNum" sz="quarter" idx="12"/>
-          </p:nvPr>
-        </p:nvSpPr>
-        <p:spPr/>
-        <p:txBody>
-          <a:bodyPr/>
+          <p:cNvPr id="7" name="TextBox 6">
+            <a:extLst>
+              <a:ext uri="{FF2B5EF4-FFF2-40B4-BE49-F238E27FC236}">
+                <a16:creationId xmlns:a16="http://schemas.microsoft.com/office/drawing/2014/main" id="{013B0BC0-64B0-4556-B280-5A2D967F7DA7}"/>
+              </a:ext>
+            </a:extLst>
+          </p:cNvPr>
+          <p:cNvSpPr txBox="1"/>
+          <p:nvPr/>
+        </p:nvSpPr>
+        <p:spPr>
+          <a:xfrm>
+            <a:off x="5145533" y="323459"/>
+            <a:ext cx="2928109" cy="1200329"/>
+          </a:xfrm>
+          <a:prstGeom prst="rect">
+            <a:avLst/>
+          </a:prstGeom>
+          <a:noFill/>
+        </p:spPr>
+        <p:txBody>
+          <a:bodyPr wrap="none" rtlCol="0">
+            <a:spAutoFit/>
+          </a:bodyPr>
           <a:lstStyle/>
           <a:p>
-            <a:fld id="{4FAB73BC-B049-4115-A692-8D63A059BFB8}" type="slidenum">
-              <a:rPr lang="en-US" smtClean="0"/>
-              <a:t>3</a:t>
-            </a:fld>
-            <a:endParaRPr lang="en-US" dirty="0"/>
+            <a:r>
+              <a:rPr lang="en-US" dirty="0"/>
+              <a:t>Survey Groups:</a:t>
+            </a:r>
+          </a:p>
+          <a:p>
+            <a:pPr marL="342900" indent="-342900">
+              <a:buAutoNum type="arabicParenR"/>
+            </a:pPr>
+            <a:r>
+              <a:rPr lang="en-US" dirty="0"/>
+              <a:t>Top 3 (Buyers)</a:t>
+            </a:r>
+          </a:p>
+          <a:p>
+            <a:pPr marL="342900" indent="-342900">
+              <a:buAutoNum type="arabicParenR"/>
+            </a:pPr>
+            <a:r>
+              <a:rPr lang="en-US" dirty="0"/>
+              <a:t>Bottom 3 (Non-buyers)</a:t>
+            </a:r>
+          </a:p>
+          <a:p>
+            <a:pPr marL="342900" indent="-342900">
+              <a:buAutoNum type="arabicParenR"/>
+            </a:pPr>
+            <a:r>
+              <a:rPr lang="en-US" dirty="0"/>
+              <a:t>Middle 4 (Fence)</a:t>
+            </a:r>
+          </a:p>
+        </p:txBody>
+      </p:sp>
+      <p:sp>
+        <p:nvSpPr>
+          <p:cNvPr id="9" name="Rectangle 8">
+            <a:extLst>
+              <a:ext uri="{FF2B5EF4-FFF2-40B4-BE49-F238E27FC236}">
+                <a16:creationId xmlns:a16="http://schemas.microsoft.com/office/drawing/2014/main" id="{DC9F8E04-EC7F-4E2B-BA0B-9A622E436448}"/>
+              </a:ext>
+            </a:extLst>
+          </p:cNvPr>
+          <p:cNvSpPr/>
+          <p:nvPr/>
+        </p:nvSpPr>
+        <p:spPr>
+          <a:xfrm>
+            <a:off x="4572000" y="4606689"/>
+            <a:ext cx="4718390" cy="1815882"/>
+          </a:xfrm>
+          <a:prstGeom prst="rect">
+            <a:avLst/>
+          </a:prstGeom>
+        </p:spPr>
+        <p:txBody>
+          <a:bodyPr wrap="square">
+            <a:spAutoFit/>
+          </a:bodyPr>
+          <a:lstStyle/>
+          <a:p>
+            <a:r>
+              <a:rPr lang="en-US" sz="1400" dirty="0"/>
+              <a:t>Q2. I am fashion conscious.</a:t>
+            </a:r>
+          </a:p>
+          <a:p>
+            <a:r>
+              <a:rPr lang="en-US" sz="1400" dirty="0"/>
+              <a:t>Q14. The car I buy must be able to handle long motorway journeys.</a:t>
+            </a:r>
+          </a:p>
+          <a:p>
+            <a:r>
+              <a:rPr lang="en-US" sz="1400" dirty="0"/>
+              <a:t>Q17. I want a car that is nippy and zippy.</a:t>
+            </a:r>
+          </a:p>
+          <a:p>
+            <a:r>
+              <a:rPr lang="en-US" sz="1400" dirty="0"/>
+              <a:t>Q31. I want a comfortable car.</a:t>
+            </a:r>
+          </a:p>
+          <a:p>
+            <a:r>
+              <a:rPr lang="en-US" sz="1400" dirty="0"/>
+              <a:t>Q41. In today's world it is anti-social to drive big cars.</a:t>
+            </a:r>
+          </a:p>
+          <a:p>
+            <a:r>
+              <a:rPr lang="en-US" sz="1400" dirty="0"/>
+              <a:t>Q44. I want to buy a car that makes a statement about me.</a:t>
+            </a:r>
           </a:p>
         </p:txBody>
       </p:sp>
@@ -5201,6 +5391,53 @@
           <a:xfrm>
             <a:off x="774863" y="1265777"/>
             <a:ext cx="3449120" cy="2546612"/>
+          </a:xfrm>
+          <a:prstGeom prst="rect">
+            <a:avLst/>
+          </a:prstGeom>
+          <a:noFill/>
+          <a:extLst>
+            <a:ext uri="{909E8E84-426E-40DD-AFC4-6F175D3DCCD1}">
+              <a14:hiddenFill xmlns:a14="http://schemas.microsoft.com/office/drawing/2010/main">
+                <a:solidFill>
+                  <a:srgbClr val="FFFFFF"/>
+                </a:solidFill>
+              </a14:hiddenFill>
+            </a:ext>
+          </a:extLst>
+        </p:spPr>
+      </p:pic>
+      <p:pic>
+        <p:nvPicPr>
+          <p:cNvPr id="1028" name="Picture 4" descr="https://lh3.googleusercontent.com/zJYZ8oybTWTxsIE3T3E0BHGa8t8e4ZxV6XRZKMbs6NOp7zRYImOqMMDqTXxP4MJeoQNTmHi8AObBoNjZxHfFw8kwL7dlHTY5rfSYgTYQ6dpBcnYBW-vgRVMoqVjguO1i1BB0DqoU">
+            <a:extLst>
+              <a:ext uri="{FF2B5EF4-FFF2-40B4-BE49-F238E27FC236}">
+                <a16:creationId xmlns:a16="http://schemas.microsoft.com/office/drawing/2014/main" id="{874FBAB7-845C-4E8A-AECD-53157EC2DFF2}"/>
+              </a:ext>
+            </a:extLst>
+          </p:cNvPr>
+          <p:cNvPicPr>
+            <a:picLocks noChangeAspect="1" noChangeArrowheads="1"/>
+          </p:cNvPicPr>
+          <p:nvPr/>
+        </p:nvPicPr>
+        <p:blipFill>
+          <a:blip r:embed="rId4">
+            <a:extLst>
+              <a:ext uri="{28A0092B-C50C-407E-A947-70E740481C1C}">
+                <a14:useLocalDpi xmlns:a14="http://schemas.microsoft.com/office/drawing/2010/main" val="0"/>
+              </a:ext>
+            </a:extLst>
+          </a:blip>
+          <a:srcRect/>
+          <a:stretch>
+            <a:fillRect/>
+          </a:stretch>
+        </p:blipFill>
+        <p:spPr bwMode="auto">
+          <a:xfrm>
+            <a:off x="1055802" y="3565176"/>
+            <a:ext cx="4008748" cy="3154319"/>
           </a:xfrm>
           <a:prstGeom prst="rect">
             <a:avLst/>
@@ -5608,14 +5845,14 @@
           </a:ln>
           <a:extLst>
             <a:ext uri="{909E8E84-426E-40dd-AFC4-6F175D3DCCD1}">
-              <a14:hiddenFill xmlns="" xmlns:a14="http://schemas.microsoft.com/office/drawing/2010/main">
+              <a14:hiddenFill xmlns:a14="http://schemas.microsoft.com/office/drawing/2010/main" xmlns="">
                 <a:solidFill>
                   <a:schemeClr val="accent1"/>
                 </a:solidFill>
               </a14:hiddenFill>
             </a:ext>
             <a:ext uri="{91240B29-F687-4f45-9708-019B960494DF}">
-              <a14:hiddenLine xmlns="" xmlns:a14="http://schemas.microsoft.com/office/drawing/2010/main" w="9525">
+              <a14:hiddenLine xmlns:a14="http://schemas.microsoft.com/office/drawing/2010/main" xmlns="" w="9525">
                 <a:solidFill>
                   <a:schemeClr val="tx1"/>
                 </a:solidFill>
@@ -6222,10 +6459,10 @@
       </p:sp>
       <p:pic>
         <p:nvPicPr>
-          <p:cNvPr id="18" name="Picture 4" descr="https://lh6.googleusercontent.com/-IfvYMe_tcr2NFt5zekZpEQG3vQNcaJavVp_oOV2gP1oPzwm5Ff2FxCe0BzKardDI5SF19qVu2zrVwUcP0xKyR7dreHFJF85HuieCUS9g6qgi-MbENEPWUtOS_atyLsLYuMCyhLU">
+          <p:cNvPr id="19" name="Picture 2" descr="https://lh6.googleusercontent.com/VixHdfGrQRmcIuYgWlmmr8RT0ROncXj5wNa3bpEtQfSmTdH9wHRIzn1Yi95ggrC1lnIVNt1K3nC6LE9mbhM-zg72pqzf38ZSlzczdtqiEPJvX_puc_wjLHyfmvRQvIly23GI0zXf">
             <a:extLst>
               <a:ext uri="{FF2B5EF4-FFF2-40B4-BE49-F238E27FC236}">
-                <a16:creationId xmlns:a16="http://schemas.microsoft.com/office/drawing/2014/main" id="{BF300C88-057F-4BFD-88E5-C26D1D6C9B4E}"/>
+                <a16:creationId xmlns:a16="http://schemas.microsoft.com/office/drawing/2014/main" id="{A0AFA779-6199-4F22-B893-84D3243AFCA5}"/>
               </a:ext>
             </a:extLst>
           </p:cNvPr>
@@ -6249,8 +6486,8 @@
         </p:blipFill>
         <p:spPr bwMode="auto">
           <a:xfrm>
-            <a:off x="230520" y="1651941"/>
-            <a:ext cx="3530776" cy="2687690"/>
+            <a:off x="219977" y="3767657"/>
+            <a:ext cx="3640195" cy="2687690"/>
           </a:xfrm>
           <a:prstGeom prst="rect">
             <a:avLst/>
@@ -6269,10 +6506,10 @@
       </p:pic>
       <p:pic>
         <p:nvPicPr>
-          <p:cNvPr id="19" name="Picture 2" descr="https://lh6.googleusercontent.com/VixHdfGrQRmcIuYgWlmmr8RT0ROncXj5wNa3bpEtQfSmTdH9wHRIzn1Yi95ggrC1lnIVNt1K3nC6LE9mbhM-zg72pqzf38ZSlzczdtqiEPJvX_puc_wjLHyfmvRQvIly23GI0zXf">
+          <p:cNvPr id="18" name="Picture 4" descr="https://lh6.googleusercontent.com/-IfvYMe_tcr2NFt5zekZpEQG3vQNcaJavVp_oOV2gP1oPzwm5Ff2FxCe0BzKardDI5SF19qVu2zrVwUcP0xKyR7dreHFJF85HuieCUS9g6qgi-MbENEPWUtOS_atyLsLYuMCyhLU">
             <a:extLst>
               <a:ext uri="{FF2B5EF4-FFF2-40B4-BE49-F238E27FC236}">
-                <a16:creationId xmlns:a16="http://schemas.microsoft.com/office/drawing/2014/main" id="{A0AFA779-6199-4F22-B893-84D3243AFCA5}"/>
+                <a16:creationId xmlns:a16="http://schemas.microsoft.com/office/drawing/2014/main" id="{BF300C88-057F-4BFD-88E5-C26D1D6C9B4E}"/>
               </a:ext>
             </a:extLst>
           </p:cNvPr>
@@ -6296,8 +6533,8 @@
         </p:blipFill>
         <p:spPr bwMode="auto">
           <a:xfrm>
-            <a:off x="580154" y="4143676"/>
-            <a:ext cx="3317180" cy="2449196"/>
+            <a:off x="230520" y="1322332"/>
+            <a:ext cx="3530776" cy="2687690"/>
           </a:xfrm>
           <a:prstGeom prst="rect">
             <a:avLst/>
@@ -6753,6 +6990,216 @@
     <p:extLst>
       <p:ext uri="{BB962C8B-B14F-4D97-AF65-F5344CB8AC3E}">
         <p14:creationId xmlns:p14="http://schemas.microsoft.com/office/powerpoint/2010/main" val="3548144454"/>
+      </p:ext>
+    </p:extLst>
+  </p:cSld>
+  <p:clrMapOvr>
+    <a:masterClrMapping/>
+  </p:clrMapOvr>
+</p:sld>
+</file>
+
+<file path=ppt/slides/slide9.xml><?xml version="1.0" encoding="utf-8"?>
+<p:sld xmlns:a="http://schemas.openxmlformats.org/drawingml/2006/main" xmlns:r="http://schemas.openxmlformats.org/officeDocument/2006/relationships" xmlns:p="http://schemas.openxmlformats.org/presentationml/2006/main">
+  <p:cSld>
+    <p:spTree>
+      <p:nvGrpSpPr>
+        <p:cNvPr id="1" name=""/>
+        <p:cNvGrpSpPr/>
+        <p:nvPr/>
+      </p:nvGrpSpPr>
+      <p:grpSpPr>
+        <a:xfrm>
+          <a:off x="0" y="0"/>
+          <a:ext cx="0" cy="0"/>
+          <a:chOff x="0" y="0"/>
+          <a:chExt cx="0" cy="0"/>
+        </a:xfrm>
+      </p:grpSpPr>
+      <p:sp>
+        <p:nvSpPr>
+          <p:cNvPr id="2" name="Title 1"/>
+          <p:cNvSpPr>
+            <a:spLocks noGrp="1"/>
+          </p:cNvSpPr>
+          <p:nvPr>
+            <p:ph type="title"/>
+          </p:nvPr>
+        </p:nvSpPr>
+        <p:spPr>
+          <a:xfrm>
+            <a:off x="959179" y="65989"/>
+            <a:ext cx="7270423" cy="1055802"/>
+          </a:xfrm>
+        </p:spPr>
+        <p:txBody>
+          <a:bodyPr>
+            <a:normAutofit/>
+          </a:bodyPr>
+          <a:lstStyle/>
+          <a:p>
+            <a:r>
+              <a:rPr lang="en-US" sz="3600" dirty="0"/>
+              <a:t>Recommendation of Clustering Solution</a:t>
+            </a:r>
+          </a:p>
+        </p:txBody>
+      </p:sp>
+      <p:sp>
+        <p:nvSpPr>
+          <p:cNvPr id="3" name="Content Placeholder 2"/>
+          <p:cNvSpPr>
+            <a:spLocks noGrp="1"/>
+          </p:cNvSpPr>
+          <p:nvPr>
+            <p:ph idx="1"/>
+          </p:nvPr>
+        </p:nvSpPr>
+        <p:spPr/>
+        <p:txBody>
+          <a:bodyPr>
+            <a:normAutofit fontScale="92500" lnSpcReduction="20000"/>
+          </a:bodyPr>
+          <a:lstStyle/>
+          <a:p>
+            <a:r>
+              <a:rPr lang="en-US" dirty="0"/>
+              <a:t>There is a strong association between the cluster solution and the species of Iris.</a:t>
+            </a:r>
+          </a:p>
+          <a:p>
+            <a:pPr lvl="1"/>
+            <a:r>
+              <a:rPr lang="en-US" dirty="0"/>
+              <a:t>Our confusion matrix shows a strong relationship between “1” and </a:t>
+            </a:r>
+            <a:r>
+              <a:rPr lang="en-US" dirty="0" err="1"/>
+              <a:t>versicolor</a:t>
+            </a:r>
+            <a:r>
+              <a:rPr lang="en-US" dirty="0"/>
+              <a:t>, “2” and </a:t>
+            </a:r>
+            <a:r>
+              <a:rPr lang="en-US" dirty="0" err="1"/>
+              <a:t>setosa</a:t>
+            </a:r>
+            <a:r>
+              <a:rPr lang="en-US" dirty="0"/>
+              <a:t>, and “3” and </a:t>
+            </a:r>
+            <a:r>
+              <a:rPr lang="en-US" dirty="0" err="1"/>
+              <a:t>virginica</a:t>
+            </a:r>
+            <a:endParaRPr lang="en-US" dirty="0"/>
+          </a:p>
+          <a:p>
+            <a:pPr lvl="1"/>
+            <a:endParaRPr lang="en-US" dirty="0"/>
+          </a:p>
+          <a:p>
+            <a:endParaRPr lang="en-US" dirty="0"/>
+          </a:p>
+          <a:p>
+            <a:endParaRPr lang="en-US" dirty="0"/>
+          </a:p>
+          <a:p>
+            <a:endParaRPr lang="en-US" dirty="0"/>
+          </a:p>
+          <a:p>
+            <a:endParaRPr lang="en-US" dirty="0"/>
+          </a:p>
+          <a:p>
+            <a:endParaRPr lang="en-US" dirty="0"/>
+          </a:p>
+          <a:p>
+            <a:endParaRPr lang="en-US" dirty="0"/>
+          </a:p>
+          <a:p>
+            <a:r>
+              <a:rPr lang="en-US" dirty="0"/>
+              <a:t>The validity of our clustering solution is demonstrated by our ability predict the taxonomy developed by expert botanists.</a:t>
+            </a:r>
+          </a:p>
+        </p:txBody>
+      </p:sp>
+      <p:sp>
+        <p:nvSpPr>
+          <p:cNvPr id="4" name="Slide Number Placeholder 3"/>
+          <p:cNvSpPr>
+            <a:spLocks noGrp="1"/>
+          </p:cNvSpPr>
+          <p:nvPr>
+            <p:ph type="sldNum" sz="quarter" idx="12"/>
+          </p:nvPr>
+        </p:nvSpPr>
+        <p:spPr/>
+        <p:txBody>
+          <a:bodyPr/>
+          <a:lstStyle/>
+          <a:p>
+            <a:fld id="{EA1E5914-59AA-0F4C-8D89-5ECCA83988DE}" type="slidenum">
+              <a:rPr lang="en-US" smtClean="0"/>
+              <a:pPr/>
+              <a:t>9</a:t>
+            </a:fld>
+            <a:endParaRPr lang="en-US" dirty="0"/>
+          </a:p>
+        </p:txBody>
+      </p:sp>
+      <p:pic>
+        <p:nvPicPr>
+          <p:cNvPr id="6" name="Picture 6" descr="https://lh5.googleusercontent.com/36tlnSOoii3td2uc65q1x9fGQePqfQGNJgsUrl5fkOPAmfxdVRitb22TTB6U8Q6EDIIhk25DPnws_RVTy8TcSgexpgEXHxUq_QsB28XvkoV_7GSk5d76IPXjfCQjdTBYX1uH4n7j">
+            <a:extLst>
+              <a:ext uri="{FF2B5EF4-FFF2-40B4-BE49-F238E27FC236}">
+                <a16:creationId xmlns:a16="http://schemas.microsoft.com/office/drawing/2014/main" id="{2C3B87E2-F327-4E35-93F6-D79EB59A7371}"/>
+              </a:ext>
+            </a:extLst>
+          </p:cNvPr>
+          <p:cNvPicPr>
+            <a:picLocks noChangeAspect="1" noChangeArrowheads="1"/>
+          </p:cNvPicPr>
+          <p:nvPr/>
+        </p:nvPicPr>
+        <p:blipFill>
+          <a:blip r:embed="rId2">
+            <a:extLst>
+              <a:ext uri="{28A0092B-C50C-407E-A947-70E740481C1C}">
+                <a14:useLocalDpi xmlns:a14="http://schemas.microsoft.com/office/drawing/2010/main" val="0"/>
+              </a:ext>
+            </a:extLst>
+          </a:blip>
+          <a:srcRect/>
+          <a:stretch>
+            <a:fillRect/>
+          </a:stretch>
+        </p:blipFill>
+        <p:spPr bwMode="auto">
+          <a:xfrm>
+            <a:off x="2762054" y="3230996"/>
+            <a:ext cx="2724346" cy="2011485"/>
+          </a:xfrm>
+          <a:prstGeom prst="rect">
+            <a:avLst/>
+          </a:prstGeom>
+          <a:noFill/>
+          <a:extLst>
+            <a:ext uri="{909E8E84-426E-40DD-AFC4-6F175D3DCCD1}">
+              <a14:hiddenFill xmlns:a14="http://schemas.microsoft.com/office/drawing/2010/main">
+                <a:solidFill>
+                  <a:srgbClr val="FFFFFF"/>
+                </a:solidFill>
+              </a14:hiddenFill>
+            </a:ext>
+          </a:extLst>
+        </p:spPr>
+      </p:pic>
+    </p:spTree>
+    <p:extLst>
+      <p:ext uri="{BB962C8B-B14F-4D97-AF65-F5344CB8AC3E}">
+        <p14:creationId xmlns:p14="http://schemas.microsoft.com/office/powerpoint/2010/main" val="3647614752"/>
       </p:ext>
     </p:extLst>
   </p:cSld>

--- a/Assignment1/Ford Ka Presentation.pptx
+++ b/Assignment1/Ford Ka Presentation.pptx
@@ -6,14 +6,11 @@
   </p:sldMasterIdLst>
   <p:sldIdLst>
     <p:sldId id="257" r:id="rId2"/>
-    <p:sldId id="263" r:id="rId3"/>
-    <p:sldId id="261" r:id="rId4"/>
-    <p:sldId id="264" r:id="rId5"/>
-    <p:sldId id="262" r:id="rId6"/>
-    <p:sldId id="266" r:id="rId7"/>
-    <p:sldId id="265" r:id="rId8"/>
-    <p:sldId id="260" r:id="rId9"/>
-    <p:sldId id="267" r:id="rId10"/>
+    <p:sldId id="261" r:id="rId3"/>
+    <p:sldId id="266" r:id="rId4"/>
+    <p:sldId id="272" r:id="rId5"/>
+    <p:sldId id="270" r:id="rId6"/>
+    <p:sldId id="268" r:id="rId7"/>
   </p:sldIdLst>
   <p:sldSz cx="9144000" cy="6858000" type="screen4x3"/>
   <p:notesSz cx="6858000" cy="9144000"/>
@@ -134,7 +131,7 @@
 <file path=ppt/revisionInfo.xml><?xml version="1.0" encoding="utf-8"?>
 <p1510:revInfo xmlns:a="http://schemas.openxmlformats.org/drawingml/2006/main" xmlns:r="http://schemas.openxmlformats.org/officeDocument/2006/relationships" xmlns:p1510="http://schemas.microsoft.com/office/powerpoint/2015/10/main">
   <p1510:revLst>
-    <p1510:client id="{A71618FC-F24E-4425-8E9F-FB33108DCEF9}" v="44" dt="2019-03-24T22:20:32.007"/>
+    <p1510:client id="{A71618FC-F24E-4425-8E9F-FB33108DCEF9}" v="436" dt="2019-03-24T23:07:46.105"/>
   </p1510:revLst>
 </p1510:revInfo>
 </file>
@@ -143,19 +140,19 @@
 <pc:chgInfo xmlns:a="http://schemas.openxmlformats.org/drawingml/2006/main" xmlns:r="http://schemas.openxmlformats.org/officeDocument/2006/relationships" xmlns:ac="http://schemas.microsoft.com/office/drawing/2013/main/command" xmlns:pc="http://schemas.microsoft.com/office/powerpoint/2013/main/command">
   <pc:docChgLst>
     <pc:chgData name="joe standerfer" userId="1b337ce15d3046a8" providerId="LiveId" clId="{A71618FC-F24E-4425-8E9F-FB33108DCEF9}"/>
-    <pc:docChg chg="undo custSel addSld delSld modSld sldOrd">
-      <pc:chgData name="joe standerfer" userId="1b337ce15d3046a8" providerId="LiveId" clId="{A71618FC-F24E-4425-8E9F-FB33108DCEF9}" dt="2019-03-24T22:20:42.725" v="1774" actId="1076"/>
+    <pc:docChg chg="undo redo custSel addSld delSld modSld sldOrd">
+      <pc:chgData name="joe standerfer" userId="1b337ce15d3046a8" providerId="LiveId" clId="{A71618FC-F24E-4425-8E9F-FB33108DCEF9}" dt="2019-03-24T23:09:06.449" v="3896" actId="1076"/>
       <pc:docMkLst>
         <pc:docMk/>
       </pc:docMkLst>
       <pc:sldChg chg="addSp delSp modSp">
-        <pc:chgData name="joe standerfer" userId="1b337ce15d3046a8" providerId="LiveId" clId="{A71618FC-F24E-4425-8E9F-FB33108DCEF9}" dt="2019-03-24T20:04:03.380" v="217" actId="478"/>
+        <pc:chgData name="joe standerfer" userId="1b337ce15d3046a8" providerId="LiveId" clId="{A71618FC-F24E-4425-8E9F-FB33108DCEF9}" dt="2019-03-24T23:09:06.449" v="3896" actId="1076"/>
         <pc:sldMkLst>
           <pc:docMk/>
           <pc:sldMk cId="317593061" sldId="257"/>
         </pc:sldMkLst>
         <pc:spChg chg="mod">
-          <ac:chgData name="joe standerfer" userId="1b337ce15d3046a8" providerId="LiveId" clId="{A71618FC-F24E-4425-8E9F-FB33108DCEF9}" dt="2019-03-24T19:59:32.208" v="148" actId="20577"/>
+          <ac:chgData name="joe standerfer" userId="1b337ce15d3046a8" providerId="LiveId" clId="{A71618FC-F24E-4425-8E9F-FB33108DCEF9}" dt="2019-03-24T22:46:00.115" v="3280" actId="20577"/>
           <ac:spMkLst>
             <pc:docMk/>
             <pc:sldMk cId="317593061" sldId="257"/>
@@ -163,6 +160,14 @@
           </ac:spMkLst>
         </pc:spChg>
         <pc:spChg chg="del">
+          <ac:chgData name="joe standerfer" userId="1b337ce15d3046a8" providerId="LiveId" clId="{A71618FC-F24E-4425-8E9F-FB33108DCEF9}" dt="2019-03-24T22:43:28.845" v="3206" actId="478"/>
+          <ac:spMkLst>
+            <pc:docMk/>
+            <pc:sldMk cId="317593061" sldId="257"/>
+            <ac:spMk id="3" creationId="{00000000-0000-0000-0000-000000000000}"/>
+          </ac:spMkLst>
+        </pc:spChg>
+        <pc:spChg chg="del">
           <ac:chgData name="joe standerfer" userId="1b337ce15d3046a8" providerId="LiveId" clId="{A71618FC-F24E-4425-8E9F-FB33108DCEF9}" dt="2019-03-24T19:57:09.264" v="3" actId="478"/>
           <ac:spMkLst>
             <pc:docMk/>
@@ -171,11 +176,27 @@
           </ac:spMkLst>
         </pc:spChg>
         <pc:spChg chg="add del mod">
+          <ac:chgData name="joe standerfer" userId="1b337ce15d3046a8" providerId="LiveId" clId="{A71618FC-F24E-4425-8E9F-FB33108DCEF9}" dt="2019-03-24T22:43:30.602" v="3207" actId="478"/>
+          <ac:spMkLst>
+            <pc:docMk/>
+            <pc:sldMk cId="317593061" sldId="257"/>
+            <ac:spMk id="5" creationId="{43DEA641-2188-42C9-8F31-271677EFEEA0}"/>
+          </ac:spMkLst>
+        </pc:spChg>
+        <pc:spChg chg="add del mod">
           <ac:chgData name="joe standerfer" userId="1b337ce15d3046a8" providerId="LiveId" clId="{A71618FC-F24E-4425-8E9F-FB33108DCEF9}" dt="2019-03-24T20:04:03.380" v="217" actId="478"/>
           <ac:spMkLst>
             <pc:docMk/>
             <pc:sldMk cId="317593061" sldId="257"/>
             <ac:spMk id="7" creationId="{8A7409A2-3311-4165-9365-2AC08E62A761}"/>
+          </ac:spMkLst>
+        </pc:spChg>
+        <pc:spChg chg="add mod">
+          <ac:chgData name="joe standerfer" userId="1b337ce15d3046a8" providerId="LiveId" clId="{A71618FC-F24E-4425-8E9F-FB33108DCEF9}" dt="2019-03-24T23:09:06.449" v="3896" actId="1076"/>
+          <ac:spMkLst>
+            <pc:docMk/>
+            <pc:sldMk cId="317593061" sldId="257"/>
+            <ac:spMk id="7" creationId="{98606F25-E6AE-463A-97C0-BB4720315C8D}"/>
           </ac:spMkLst>
         </pc:spChg>
         <pc:picChg chg="add mod">
@@ -187,8 +208,8 @@
           </ac:picMkLst>
         </pc:picChg>
       </pc:sldChg>
-      <pc:sldChg chg="addSp delSp modSp">
-        <pc:chgData name="joe standerfer" userId="1b337ce15d3046a8" providerId="LiveId" clId="{A71618FC-F24E-4425-8E9F-FB33108DCEF9}" dt="2019-03-24T22:20:35.466" v="1771" actId="478"/>
+      <pc:sldChg chg="addSp delSp modSp del">
+        <pc:chgData name="joe standerfer" userId="1b337ce15d3046a8" providerId="LiveId" clId="{A71618FC-F24E-4425-8E9F-FB33108DCEF9}" dt="2019-03-24T22:42:02.127" v="3190" actId="2696"/>
         <pc:sldMkLst>
           <pc:docMk/>
           <pc:sldMk cId="3548144454" sldId="260"/>
@@ -226,14 +247,14 @@
           </ac:picMkLst>
         </pc:picChg>
       </pc:sldChg>
-      <pc:sldChg chg="addSp delSp modSp">
-        <pc:chgData name="joe standerfer" userId="1b337ce15d3046a8" providerId="LiveId" clId="{A71618FC-F24E-4425-8E9F-FB33108DCEF9}" dt="2019-03-24T22:19:37.694" v="1760" actId="20577"/>
+      <pc:sldChg chg="addSp delSp modSp setBg">
+        <pc:chgData name="joe standerfer" userId="1b337ce15d3046a8" providerId="LiveId" clId="{A71618FC-F24E-4425-8E9F-FB33108DCEF9}" dt="2019-03-24T22:58:31.394" v="3584" actId="1076"/>
         <pc:sldMkLst>
           <pc:docMk/>
           <pc:sldMk cId="1865572983" sldId="261"/>
         </pc:sldMkLst>
         <pc:spChg chg="mod">
-          <ac:chgData name="joe standerfer" userId="1b337ce15d3046a8" providerId="LiveId" clId="{A71618FC-F24E-4425-8E9F-FB33108DCEF9}" dt="2019-03-24T20:01:30.833" v="167" actId="1076"/>
+          <ac:chgData name="joe standerfer" userId="1b337ce15d3046a8" providerId="LiveId" clId="{A71618FC-F24E-4425-8E9F-FB33108DCEF9}" dt="2019-03-24T22:46:42.902" v="3282" actId="14100"/>
           <ac:spMkLst>
             <pc:docMk/>
             <pc:sldMk cId="1865572983" sldId="261"/>
@@ -241,7 +262,7 @@
           </ac:spMkLst>
         </pc:spChg>
         <pc:spChg chg="mod">
-          <ac:chgData name="joe standerfer" userId="1b337ce15d3046a8" providerId="LiveId" clId="{A71618FC-F24E-4425-8E9F-FB33108DCEF9}" dt="2019-03-24T22:19:37.694" v="1760" actId="20577"/>
+          <ac:chgData name="joe standerfer" userId="1b337ce15d3046a8" providerId="LiveId" clId="{A71618FC-F24E-4425-8E9F-FB33108DCEF9}" dt="2019-03-24T22:58:06.646" v="3580" actId="14100"/>
           <ac:spMkLst>
             <pc:docMk/>
             <pc:sldMk cId="1865572983" sldId="261"/>
@@ -257,7 +278,7 @@
           </ac:spMkLst>
         </pc:spChg>
         <pc:spChg chg="add mod">
-          <ac:chgData name="joe standerfer" userId="1b337ce15d3046a8" providerId="LiveId" clId="{A71618FC-F24E-4425-8E9F-FB33108DCEF9}" dt="2019-03-24T22:14:44.600" v="1382" actId="1076"/>
+          <ac:chgData name="joe standerfer" userId="1b337ce15d3046a8" providerId="LiveId" clId="{A71618FC-F24E-4425-8E9F-FB33108DCEF9}" dt="2019-03-24T22:58:31.394" v="3584" actId="1076"/>
           <ac:spMkLst>
             <pc:docMk/>
             <pc:sldMk cId="1865572983" sldId="261"/>
@@ -265,7 +286,7 @@
           </ac:spMkLst>
         </pc:spChg>
         <pc:spChg chg="add mod">
-          <ac:chgData name="joe standerfer" userId="1b337ce15d3046a8" providerId="LiveId" clId="{A71618FC-F24E-4425-8E9F-FB33108DCEF9}" dt="2019-03-24T22:16:09.255" v="1533" actId="113"/>
+          <ac:chgData name="joe standerfer" userId="1b337ce15d3046a8" providerId="LiveId" clId="{A71618FC-F24E-4425-8E9F-FB33108DCEF9}" dt="2019-03-24T22:58:20.895" v="3583" actId="1076"/>
           <ac:spMkLst>
             <pc:docMk/>
             <pc:sldMk cId="1865572983" sldId="261"/>
@@ -273,7 +294,7 @@
           </ac:spMkLst>
         </pc:spChg>
         <pc:picChg chg="add mod">
-          <ac:chgData name="joe standerfer" userId="1b337ce15d3046a8" providerId="LiveId" clId="{A71618FC-F24E-4425-8E9F-FB33108DCEF9}" dt="2019-03-24T22:15:59.147" v="1530" actId="1076"/>
+          <ac:chgData name="joe standerfer" userId="1b337ce15d3046a8" providerId="LiveId" clId="{A71618FC-F24E-4425-8E9F-FB33108DCEF9}" dt="2019-03-24T22:58:16.810" v="3582" actId="1076"/>
           <ac:picMkLst>
             <pc:docMk/>
             <pc:sldMk cId="1865572983" sldId="261"/>
@@ -289,8 +310,8 @@
           </ac:picMkLst>
         </pc:picChg>
       </pc:sldChg>
-      <pc:sldChg chg="modSp">
-        <pc:chgData name="joe standerfer" userId="1b337ce15d3046a8" providerId="LiveId" clId="{A71618FC-F24E-4425-8E9F-FB33108DCEF9}" dt="2019-03-24T20:02:10.347" v="173" actId="14100"/>
+      <pc:sldChg chg="modSp del">
+        <pc:chgData name="joe standerfer" userId="1b337ce15d3046a8" providerId="LiveId" clId="{A71618FC-F24E-4425-8E9F-FB33108DCEF9}" dt="2019-03-24T22:42:13.105" v="3192" actId="2696"/>
         <pc:sldMkLst>
           <pc:docMk/>
           <pc:sldMk cId="1706926393" sldId="262"/>
@@ -336,8 +357,8 @@
           </ac:graphicFrameMkLst>
         </pc:graphicFrameChg>
       </pc:sldChg>
-      <pc:sldChg chg="addSp delSp modSp add ord">
-        <pc:chgData name="joe standerfer" userId="1b337ce15d3046a8" providerId="LiveId" clId="{A71618FC-F24E-4425-8E9F-FB33108DCEF9}" dt="2019-03-24T20:59:58.647" v="307" actId="20577"/>
+      <pc:sldChg chg="addSp delSp modSp add del ord">
+        <pc:chgData name="joe standerfer" userId="1b337ce15d3046a8" providerId="LiveId" clId="{A71618FC-F24E-4425-8E9F-FB33108DCEF9}" dt="2019-03-24T22:42:23.569" v="3194" actId="2696"/>
         <pc:sldMkLst>
           <pc:docMk/>
           <pc:sldMk cId="994096988" sldId="263"/>
@@ -430,8 +451,8 @@
           </ac:spMkLst>
         </pc:spChg>
       </pc:sldChg>
-      <pc:sldChg chg="addSp delSp modSp add">
-        <pc:chgData name="joe standerfer" userId="1b337ce15d3046a8" providerId="LiveId" clId="{A71618FC-F24E-4425-8E9F-FB33108DCEF9}" dt="2019-03-24T22:06:51.639" v="1151" actId="1076"/>
+      <pc:sldChg chg="addSp delSp modSp add del">
+        <pc:chgData name="joe standerfer" userId="1b337ce15d3046a8" providerId="LiveId" clId="{A71618FC-F24E-4425-8E9F-FB33108DCEF9}" dt="2019-03-24T22:42:17.507" v="3193" actId="2696"/>
         <pc:sldMkLst>
           <pc:docMk/>
           <pc:sldMk cId="3841898205" sldId="264"/>
@@ -509,8 +530,8 @@
           </ac:picMkLst>
         </pc:picChg>
       </pc:sldChg>
-      <pc:sldChg chg="addSp delSp modSp add">
-        <pc:chgData name="joe standerfer" userId="1b337ce15d3046a8" providerId="LiveId" clId="{A71618FC-F24E-4425-8E9F-FB33108DCEF9}" dt="2019-03-24T21:07:39.877" v="338" actId="1076"/>
+      <pc:sldChg chg="addSp delSp modSp add del">
+        <pc:chgData name="joe standerfer" userId="1b337ce15d3046a8" providerId="LiveId" clId="{A71618FC-F24E-4425-8E9F-FB33108DCEF9}" dt="2019-03-24T22:42:09.064" v="3191" actId="2696"/>
         <pc:sldMkLst>
           <pc:docMk/>
           <pc:sldMk cId="1637294354" sldId="265"/>
@@ -588,14 +609,14 @@
           </ac:picMkLst>
         </pc:picChg>
       </pc:sldChg>
-      <pc:sldChg chg="addSp delSp modSp add">
-        <pc:chgData name="joe standerfer" userId="1b337ce15d3046a8" providerId="LiveId" clId="{A71618FC-F24E-4425-8E9F-FB33108DCEF9}" dt="2019-03-24T22:19:59.901" v="1764" actId="1076"/>
+      <pc:sldChg chg="addSp delSp modSp add setBg">
+        <pc:chgData name="joe standerfer" userId="1b337ce15d3046a8" providerId="LiveId" clId="{A71618FC-F24E-4425-8E9F-FB33108DCEF9}" dt="2019-03-24T22:55:01.151" v="3497" actId="1076"/>
         <pc:sldMkLst>
           <pc:docMk/>
           <pc:sldMk cId="2464142368" sldId="266"/>
         </pc:sldMkLst>
         <pc:spChg chg="mod">
-          <ac:chgData name="joe standerfer" userId="1b337ce15d3046a8" providerId="LiveId" clId="{A71618FC-F24E-4425-8E9F-FB33108DCEF9}" dt="2019-03-24T21:54:33.937" v="741" actId="1035"/>
+          <ac:chgData name="joe standerfer" userId="1b337ce15d3046a8" providerId="LiveId" clId="{A71618FC-F24E-4425-8E9F-FB33108DCEF9}" dt="2019-03-24T22:54:45.004" v="3495" actId="1076"/>
           <ac:spMkLst>
             <pc:docMk/>
             <pc:sldMk cId="2464142368" sldId="266"/>
@@ -603,7 +624,7 @@
           </ac:spMkLst>
         </pc:spChg>
         <pc:spChg chg="mod">
-          <ac:chgData name="joe standerfer" userId="1b337ce15d3046a8" providerId="LiveId" clId="{A71618FC-F24E-4425-8E9F-FB33108DCEF9}" dt="2019-03-24T21:54:52.511" v="793" actId="1036"/>
+          <ac:chgData name="joe standerfer" userId="1b337ce15d3046a8" providerId="LiveId" clId="{A71618FC-F24E-4425-8E9F-FB33108DCEF9}" dt="2019-03-24T22:54:52.363" v="3496" actId="1076"/>
           <ac:spMkLst>
             <pc:docMk/>
             <pc:sldMk cId="2464142368" sldId="266"/>
@@ -627,7 +648,7 @@
           </ac:spMkLst>
         </pc:spChg>
         <pc:graphicFrameChg chg="mod modGraphic">
-          <ac:chgData name="joe standerfer" userId="1b337ce15d3046a8" providerId="LiveId" clId="{A71618FC-F24E-4425-8E9F-FB33108DCEF9}" dt="2019-03-24T22:03:34.813" v="1144" actId="20577"/>
+          <ac:chgData name="joe standerfer" userId="1b337ce15d3046a8" providerId="LiveId" clId="{A71618FC-F24E-4425-8E9F-FB33108DCEF9}" dt="2019-03-24T22:55:01.151" v="3497" actId="1076"/>
           <ac:graphicFrameMkLst>
             <pc:docMk/>
             <pc:sldMk cId="2464142368" sldId="266"/>
@@ -651,7 +672,7 @@
           </ac:picMkLst>
         </pc:picChg>
         <pc:picChg chg="add mod ord">
-          <ac:chgData name="joe standerfer" userId="1b337ce15d3046a8" providerId="LiveId" clId="{A71618FC-F24E-4425-8E9F-FB33108DCEF9}" dt="2019-03-24T22:19:58.111" v="1763" actId="1076"/>
+          <ac:chgData name="joe standerfer" userId="1b337ce15d3046a8" providerId="LiveId" clId="{A71618FC-F24E-4425-8E9F-FB33108DCEF9}" dt="2019-03-24T22:54:36.534" v="3494" actId="1582"/>
           <ac:picMkLst>
             <pc:docMk/>
             <pc:sldMk cId="2464142368" sldId="266"/>
@@ -659,7 +680,7 @@
           </ac:picMkLst>
         </pc:picChg>
         <pc:picChg chg="add mod">
-          <ac:chgData name="joe standerfer" userId="1b337ce15d3046a8" providerId="LiveId" clId="{A71618FC-F24E-4425-8E9F-FB33108DCEF9}" dt="2019-03-24T22:19:59.901" v="1764" actId="1076"/>
+          <ac:chgData name="joe standerfer" userId="1b337ce15d3046a8" providerId="LiveId" clId="{A71618FC-F24E-4425-8E9F-FB33108DCEF9}" dt="2019-03-24T22:54:36.534" v="3494" actId="1582"/>
           <ac:picMkLst>
             <pc:docMk/>
             <pc:sldMk cId="2464142368" sldId="266"/>
@@ -691,8 +712,8 @@
           </ac:cxnSpMkLst>
         </pc:cxnChg>
       </pc:sldChg>
-      <pc:sldChg chg="delSp modSp add">
-        <pc:chgData name="joe standerfer" userId="1b337ce15d3046a8" providerId="LiveId" clId="{A71618FC-F24E-4425-8E9F-FB33108DCEF9}" dt="2019-03-24T22:20:42.725" v="1774" actId="1076"/>
+      <pc:sldChg chg="delSp modSp add del">
+        <pc:chgData name="joe standerfer" userId="1b337ce15d3046a8" providerId="LiveId" clId="{A71618FC-F24E-4425-8E9F-FB33108DCEF9}" dt="2019-03-24T22:41:58.366" v="3189" actId="2696"/>
         <pc:sldMkLst>
           <pc:docMk/>
           <pc:sldMk cId="3647614752" sldId="267"/>
@@ -711,6 +732,177 @@
             <pc:docMk/>
             <pc:sldMk cId="3647614752" sldId="267"/>
             <ac:picMk id="6" creationId="{2C3B87E2-F327-4E35-93F6-D79EB59A7371}"/>
+          </ac:picMkLst>
+        </pc:picChg>
+      </pc:sldChg>
+      <pc:sldChg chg="modSp add setBg">
+        <pc:chgData name="joe standerfer" userId="1b337ce15d3046a8" providerId="LiveId" clId="{A71618FC-F24E-4425-8E9F-FB33108DCEF9}" dt="2019-03-24T22:57:02.896" v="3577" actId="692"/>
+        <pc:sldMkLst>
+          <pc:docMk/>
+          <pc:sldMk cId="1286458005" sldId="268"/>
+        </pc:sldMkLst>
+        <pc:spChg chg="mod">
+          <ac:chgData name="joe standerfer" userId="1b337ce15d3046a8" providerId="LiveId" clId="{A71618FC-F24E-4425-8E9F-FB33108DCEF9}" dt="2019-03-24T22:49:17.508" v="3297"/>
+          <ac:spMkLst>
+            <pc:docMk/>
+            <pc:sldMk cId="1286458005" sldId="268"/>
+            <ac:spMk id="3" creationId="{00000000-0000-0000-0000-000000000000}"/>
+          </ac:spMkLst>
+        </pc:spChg>
+        <pc:picChg chg="mod">
+          <ac:chgData name="joe standerfer" userId="1b337ce15d3046a8" providerId="LiveId" clId="{A71618FC-F24E-4425-8E9F-FB33108DCEF9}" dt="2019-03-24T22:57:02.896" v="3577" actId="692"/>
+          <ac:picMkLst>
+            <pc:docMk/>
+            <pc:sldMk cId="1286458005" sldId="268"/>
+            <ac:picMk id="6" creationId="{2C3B87E2-F327-4E35-93F6-D79EB59A7371}"/>
+          </ac:picMkLst>
+        </pc:picChg>
+      </pc:sldChg>
+      <pc:sldChg chg="add del">
+        <pc:chgData name="joe standerfer" userId="1b337ce15d3046a8" providerId="LiveId" clId="{A71618FC-F24E-4425-8E9F-FB33108DCEF9}" dt="2019-03-24T23:03:18.751" v="3606" actId="2696"/>
+        <pc:sldMkLst>
+          <pc:docMk/>
+          <pc:sldMk cId="1350619982" sldId="269"/>
+        </pc:sldMkLst>
+      </pc:sldChg>
+      <pc:sldChg chg="addSp delSp modSp add setBg">
+        <pc:chgData name="joe standerfer" userId="1b337ce15d3046a8" providerId="LiveId" clId="{A71618FC-F24E-4425-8E9F-FB33108DCEF9}" dt="2019-03-24T23:07:46.105" v="3842"/>
+        <pc:sldMkLst>
+          <pc:docMk/>
+          <pc:sldMk cId="3152235314" sldId="270"/>
+        </pc:sldMkLst>
+        <pc:spChg chg="del">
+          <ac:chgData name="joe standerfer" userId="1b337ce15d3046a8" providerId="LiveId" clId="{A71618FC-F24E-4425-8E9F-FB33108DCEF9}" dt="2019-03-24T23:01:56.454" v="3588" actId="478"/>
+          <ac:spMkLst>
+            <pc:docMk/>
+            <pc:sldMk cId="3152235314" sldId="270"/>
+            <ac:spMk id="4" creationId="{3DD9E89C-ED23-4AC3-A295-9DEDC8CBCA21}"/>
+          </ac:spMkLst>
+        </pc:spChg>
+        <pc:spChg chg="add">
+          <ac:chgData name="joe standerfer" userId="1b337ce15d3046a8" providerId="LiveId" clId="{A71618FC-F24E-4425-8E9F-FB33108DCEF9}" dt="2019-03-24T23:04:29.857" v="3619"/>
+          <ac:spMkLst>
+            <pc:docMk/>
+            <pc:sldMk cId="3152235314" sldId="270"/>
+            <ac:spMk id="10" creationId="{E5027DF6-2FDD-4035-9CF4-EFFE4D05E040}"/>
+          </ac:spMkLst>
+        </pc:spChg>
+        <pc:spChg chg="add mod">
+          <ac:chgData name="joe standerfer" userId="1b337ce15d3046a8" providerId="LiveId" clId="{A71618FC-F24E-4425-8E9F-FB33108DCEF9}" dt="2019-03-24T23:04:40.506" v="3646" actId="1038"/>
+          <ac:spMkLst>
+            <pc:docMk/>
+            <pc:sldMk cId="3152235314" sldId="270"/>
+            <ac:spMk id="11" creationId="{54061676-15DF-44D5-AD52-347A88245147}"/>
+          </ac:spMkLst>
+        </pc:spChg>
+        <pc:picChg chg="del mod">
+          <ac:chgData name="joe standerfer" userId="1b337ce15d3046a8" providerId="LiveId" clId="{A71618FC-F24E-4425-8E9F-FB33108DCEF9}" dt="2019-03-24T23:06:53.350" v="3797" actId="478"/>
+          <ac:picMkLst>
+            <pc:docMk/>
+            <pc:sldMk cId="3152235314" sldId="270"/>
+            <ac:picMk id="7" creationId="{BE4658F6-195A-44CA-A3EE-AD3AFFA6098D}"/>
+          </ac:picMkLst>
+        </pc:picChg>
+        <pc:picChg chg="del mod">
+          <ac:chgData name="joe standerfer" userId="1b337ce15d3046a8" providerId="LiveId" clId="{A71618FC-F24E-4425-8E9F-FB33108DCEF9}" dt="2019-03-24T23:02:35.334" v="3596" actId="478"/>
+          <ac:picMkLst>
+            <pc:docMk/>
+            <pc:sldMk cId="3152235314" sldId="270"/>
+            <ac:picMk id="8" creationId="{3F464E5F-6B5B-4C58-BA17-B0AFD7B34364}"/>
+          </ac:picMkLst>
+        </pc:picChg>
+        <pc:picChg chg="add mod">
+          <ac:chgData name="joe standerfer" userId="1b337ce15d3046a8" providerId="LiveId" clId="{A71618FC-F24E-4425-8E9F-FB33108DCEF9}" dt="2019-03-24T23:03:01.113" v="3604" actId="14100"/>
+          <ac:picMkLst>
+            <pc:docMk/>
+            <pc:sldMk cId="3152235314" sldId="270"/>
+            <ac:picMk id="9" creationId="{797D4E93-47A9-4C48-8E9E-925742EDA059}"/>
+          </ac:picMkLst>
+        </pc:picChg>
+        <pc:picChg chg="add mod">
+          <ac:chgData name="joe standerfer" userId="1b337ce15d3046a8" providerId="LiveId" clId="{A71618FC-F24E-4425-8E9F-FB33108DCEF9}" dt="2019-03-24T23:07:16.678" v="3802" actId="1582"/>
+          <ac:picMkLst>
+            <pc:docMk/>
+            <pc:sldMk cId="3152235314" sldId="270"/>
+            <ac:picMk id="12" creationId="{1FC7D4CE-311D-447D-BF14-59870650E344}"/>
+          </ac:picMkLst>
+        </pc:picChg>
+      </pc:sldChg>
+      <pc:sldChg chg="add del setBg">
+        <pc:chgData name="joe standerfer" userId="1b337ce15d3046a8" providerId="LiveId" clId="{A71618FC-F24E-4425-8E9F-FB33108DCEF9}" dt="2019-03-24T23:04:26.538" v="3618" actId="2696"/>
+        <pc:sldMkLst>
+          <pc:docMk/>
+          <pc:sldMk cId="1071131201" sldId="271"/>
+        </pc:sldMkLst>
+      </pc:sldChg>
+      <pc:sldChg chg="addSp delSp modSp add setBg">
+        <pc:chgData name="joe standerfer" userId="1b337ce15d3046a8" providerId="LiveId" clId="{A71618FC-F24E-4425-8E9F-FB33108DCEF9}" dt="2019-03-24T23:07:26.600" v="3804" actId="1582"/>
+        <pc:sldMkLst>
+          <pc:docMk/>
+          <pc:sldMk cId="2546418469" sldId="272"/>
+        </pc:sldMkLst>
+        <pc:spChg chg="add">
+          <ac:chgData name="joe standerfer" userId="1b337ce15d3046a8" providerId="LiveId" clId="{A71618FC-F24E-4425-8E9F-FB33108DCEF9}" dt="2019-03-24T23:04:22.449" v="3617"/>
+          <ac:spMkLst>
+            <pc:docMk/>
+            <pc:sldMk cId="2546418469" sldId="272"/>
+            <ac:spMk id="8" creationId="{0F8E84C6-CF58-4740-B859-219CA09AF636}"/>
+          </ac:spMkLst>
+        </pc:spChg>
+        <pc:spChg chg="add mod">
+          <ac:chgData name="joe standerfer" userId="1b337ce15d3046a8" providerId="LiveId" clId="{A71618FC-F24E-4425-8E9F-FB33108DCEF9}" dt="2019-03-24T23:04:48.042" v="3668" actId="1038"/>
+          <ac:spMkLst>
+            <pc:docMk/>
+            <pc:sldMk cId="2546418469" sldId="272"/>
+            <ac:spMk id="10" creationId="{A24945EA-4CA9-41B5-977A-CF05D2CC03F9}"/>
+          </ac:spMkLst>
+        </pc:spChg>
+        <pc:graphicFrameChg chg="add del mod modGraphic">
+          <ac:chgData name="joe standerfer" userId="1b337ce15d3046a8" providerId="LiveId" clId="{A71618FC-F24E-4425-8E9F-FB33108DCEF9}" dt="2019-03-24T23:06:35.449" v="3792" actId="478"/>
+          <ac:graphicFrameMkLst>
+            <pc:docMk/>
+            <pc:sldMk cId="2546418469" sldId="272"/>
+            <ac:graphicFrameMk id="11" creationId="{81FB5ED4-4B60-400D-93F0-80C8C3EC1E04}"/>
+          </ac:graphicFrameMkLst>
+        </pc:graphicFrameChg>
+        <pc:graphicFrameChg chg="add del">
+          <ac:chgData name="joe standerfer" userId="1b337ce15d3046a8" providerId="LiveId" clId="{A71618FC-F24E-4425-8E9F-FB33108DCEF9}" dt="2019-03-24T23:06:07.304" v="3768"/>
+          <ac:graphicFrameMkLst>
+            <pc:docMk/>
+            <pc:sldMk cId="2546418469" sldId="272"/>
+            <ac:graphicFrameMk id="12" creationId="{07839C74-B2EE-4150-9BE5-6CC396AC5861}"/>
+          </ac:graphicFrameMkLst>
+        </pc:graphicFrameChg>
+        <pc:picChg chg="add del mod">
+          <ac:chgData name="joe standerfer" userId="1b337ce15d3046a8" providerId="LiveId" clId="{A71618FC-F24E-4425-8E9F-FB33108DCEF9}" dt="2019-03-24T23:07:26.600" v="3804" actId="1582"/>
+          <ac:picMkLst>
+            <pc:docMk/>
+            <pc:sldMk cId="2546418469" sldId="272"/>
+            <ac:picMk id="3" creationId="{BE073E3F-8FD5-4F38-8F49-E1CE71D31B6B}"/>
+          </ac:picMkLst>
+        </pc:picChg>
+        <pc:picChg chg="add mod">
+          <ac:chgData name="joe standerfer" userId="1b337ce15d3046a8" providerId="LiveId" clId="{A71618FC-F24E-4425-8E9F-FB33108DCEF9}" dt="2019-03-24T23:03:51.396" v="3616" actId="14100"/>
+          <ac:picMkLst>
+            <pc:docMk/>
+            <pc:sldMk cId="2546418469" sldId="272"/>
+            <ac:picMk id="6" creationId="{EDCE9905-9597-4AB9-B332-C22DF8026B91}"/>
+          </ac:picMkLst>
+        </pc:picChg>
+        <pc:picChg chg="add del">
+          <ac:chgData name="joe standerfer" userId="1b337ce15d3046a8" providerId="LiveId" clId="{A71618FC-F24E-4425-8E9F-FB33108DCEF9}" dt="2019-03-24T23:06:32.934" v="3785" actId="478"/>
+          <ac:picMkLst>
+            <pc:docMk/>
+            <pc:sldMk cId="2546418469" sldId="272"/>
+            <ac:picMk id="7" creationId="{BE4658F6-195A-44CA-A3EE-AD3AFFA6098D}"/>
+          </ac:picMkLst>
+        </pc:picChg>
+        <pc:picChg chg="del">
+          <ac:chgData name="joe standerfer" userId="1b337ce15d3046a8" providerId="LiveId" clId="{A71618FC-F24E-4425-8E9F-FB33108DCEF9}" dt="2019-03-24T23:03:21.697" v="3607" actId="478"/>
+          <ac:picMkLst>
+            <pc:docMk/>
+            <pc:sldMk cId="2546418469" sldId="272"/>
+            <ac:picMk id="9" creationId="{797D4E93-47A9-4C48-8E9E-925742EDA059}"/>
           </ac:picMkLst>
         </pc:picChg>
       </pc:sldChg>
@@ -4723,34 +4915,6 @@
           </a:p>
         </p:txBody>
       </p:sp>
-      <p:sp>
-        <p:nvSpPr>
-          <p:cNvPr id="3" name="Text Placeholder 2"/>
-          <p:cNvSpPr>
-            <a:spLocks noGrp="1"/>
-          </p:cNvSpPr>
-          <p:nvPr>
-            <p:ph type="body" idx="1"/>
-          </p:nvPr>
-        </p:nvSpPr>
-        <p:spPr/>
-        <p:txBody>
-          <a:bodyPr/>
-          <a:lstStyle/>
-          <a:p>
-            <a:r>
-              <a:rPr lang="en-US" dirty="0"/>
-              <a:t>Compare Clustering Solutions</a:t>
-            </a:r>
-          </a:p>
-          <a:p>
-            <a:r>
-              <a:rPr lang="en-US" dirty="0"/>
-              <a:t>Demographics versus Psychographics</a:t>
-            </a:r>
-          </a:p>
-        </p:txBody>
-      </p:sp>
       <p:pic>
         <p:nvPicPr>
           <p:cNvPr id="6" name="Graphic 5" descr="Car">
@@ -4787,6 +4951,55 @@
           </a:prstGeom>
         </p:spPr>
       </p:pic>
+      <p:sp>
+        <p:nvSpPr>
+          <p:cNvPr id="7" name="TextBox 6">
+            <a:extLst>
+              <a:ext uri="{FF2B5EF4-FFF2-40B4-BE49-F238E27FC236}">
+                <a16:creationId xmlns:a16="http://schemas.microsoft.com/office/drawing/2014/main" id="{98606F25-E6AE-463A-97C0-BB4720315C8D}"/>
+              </a:ext>
+            </a:extLst>
+          </p:cNvPr>
+          <p:cNvSpPr txBox="1"/>
+          <p:nvPr/>
+        </p:nvSpPr>
+        <p:spPr>
+          <a:xfrm>
+            <a:off x="433633" y="4223208"/>
+            <a:ext cx="7692812" cy="646331"/>
+          </a:xfrm>
+          <a:prstGeom prst="rect">
+            <a:avLst/>
+          </a:prstGeom>
+          <a:noFill/>
+        </p:spPr>
+        <p:txBody>
+          <a:bodyPr wrap="none" rtlCol="0">
+            <a:spAutoFit/>
+          </a:bodyPr>
+          <a:lstStyle/>
+          <a:p>
+            <a:r>
+              <a:rPr lang="en-US" dirty="0"/>
+              <a:t>Marketing Analytics 95-832,  Homework 1</a:t>
+            </a:r>
+          </a:p>
+          <a:p>
+            <a:r>
+              <a:rPr lang="en-US" dirty="0"/>
+              <a:t>Group 2:  </a:t>
+            </a:r>
+            <a:r>
+              <a:rPr lang="en-US" dirty="0" err="1"/>
+              <a:t>Spriha</a:t>
+            </a:r>
+            <a:r>
+              <a:rPr lang="en-US" dirty="0"/>
+              <a:t> Gupta; Jasmine Kaur; Daniel Lesser; Joseph Standerfer </a:t>
+            </a:r>
+          </a:p>
+        </p:txBody>
+      </p:sp>
     </p:spTree>
     <p:extLst>
       <p:ext uri="{BB962C8B-B14F-4D97-AF65-F5344CB8AC3E}">
@@ -4803,6 +5016,18 @@
 <file path=ppt/slides/slide2.xml><?xml version="1.0" encoding="utf-8"?>
 <p:sld xmlns:a="http://schemas.openxmlformats.org/drawingml/2006/main" xmlns:r="http://schemas.openxmlformats.org/officeDocument/2006/relationships" xmlns:p="http://schemas.openxmlformats.org/presentationml/2006/main">
   <p:cSld>
+    <p:bg>
+      <p:bgPr>
+        <a:solidFill>
+          <a:schemeClr val="tx1">
+            <a:lumMod val="65000"/>
+            <a:lumOff val="35000"/>
+            <a:alpha val="11000"/>
+          </a:schemeClr>
+        </a:solidFill>
+        <a:effectLst/>
+      </p:bgPr>
+    </p:bg>
     <p:spTree>
       <p:nvGrpSpPr>
         <p:cNvPr id="1" name=""/>
@@ -4819,118 +5044,6 @@
       </p:grpSpPr>
       <p:sp>
         <p:nvSpPr>
-          <p:cNvPr id="5" name="Rectangle 4">
-            <a:extLst>
-              <a:ext uri="{FF2B5EF4-FFF2-40B4-BE49-F238E27FC236}">
-                <a16:creationId xmlns:a16="http://schemas.microsoft.com/office/drawing/2014/main" id="{C8412BD4-E98D-42D4-B801-9D7646B748F6}"/>
-              </a:ext>
-            </a:extLst>
-          </p:cNvPr>
-          <p:cNvSpPr/>
-          <p:nvPr/>
-        </p:nvSpPr>
-        <p:spPr>
-          <a:xfrm>
-            <a:off x="292231" y="1305342"/>
-            <a:ext cx="7843101" cy="3139321"/>
-          </a:xfrm>
-          <a:prstGeom prst="rect">
-            <a:avLst/>
-          </a:prstGeom>
-        </p:spPr>
-        <p:txBody>
-          <a:bodyPr wrap="square">
-            <a:spAutoFit/>
-          </a:bodyPr>
-          <a:lstStyle/>
-          <a:p>
-            <a:pPr marL="457200" algn="just" fontAlgn="base"/>
-            <a:r>
-              <a:rPr lang="en-US" dirty="0">
-                <a:solidFill>
-                  <a:srgbClr val="000000"/>
-                </a:solidFill>
-                <a:latin typeface="Arial" panose="020B0604020202020204" pitchFamily="34" charset="0"/>
-              </a:rPr>
-              <a:t>1.  Summary of the psychographic data (not all of it, just a plot or two, or summary statistics that you think are quite instructive/insightful/illustrative)</a:t>
-            </a:r>
-          </a:p>
-          <a:p>
-            <a:pPr marL="457200" algn="just" fontAlgn="base"/>
-            <a:endParaRPr lang="en-US" dirty="0">
-              <a:solidFill>
-                <a:srgbClr val="000000"/>
-              </a:solidFill>
-              <a:latin typeface="Arial" panose="020B0604020202020204" pitchFamily="34" charset="0"/>
-            </a:endParaRPr>
-          </a:p>
-          <a:p>
-            <a:pPr marL="457200" algn="just" fontAlgn="base"/>
-            <a:r>
-              <a:rPr lang="en-US" dirty="0">
-                <a:solidFill>
-                  <a:srgbClr val="000000"/>
-                </a:solidFill>
-                <a:latin typeface="Arial" panose="020B0604020202020204" pitchFamily="34" charset="0"/>
-              </a:rPr>
-              <a:t>2. Summary of your k-means. Please do not just show just the centroids but what you learn from the centroids and how they help you understand/summarize the data. Give your centroids names and/or images to help identify them.</a:t>
-            </a:r>
-          </a:p>
-          <a:p>
-            <a:pPr marL="457200" algn="just" fontAlgn="base"/>
-            <a:endParaRPr lang="en-US" dirty="0">
-              <a:solidFill>
-                <a:srgbClr val="000000"/>
-              </a:solidFill>
-              <a:latin typeface="Arial" panose="020B0604020202020204" pitchFamily="34" charset="0"/>
-            </a:endParaRPr>
-          </a:p>
-          <a:p>
-            <a:pPr marL="457200" algn="just" fontAlgn="base"/>
-            <a:r>
-              <a:rPr lang="en-US" dirty="0">
-                <a:solidFill>
-                  <a:srgbClr val="000000"/>
-                </a:solidFill>
-                <a:latin typeface="Arial" panose="020B0604020202020204" pitchFamily="34" charset="0"/>
-              </a:rPr>
-              <a:t>3. How do you know your cluster is a good one?  (specifically what type of validation did you do to show it is good?)</a:t>
-            </a:r>
-          </a:p>
-        </p:txBody>
-      </p:sp>
-    </p:spTree>
-    <p:extLst>
-      <p:ext uri="{BB962C8B-B14F-4D97-AF65-F5344CB8AC3E}">
-        <p14:creationId xmlns:p14="http://schemas.microsoft.com/office/powerpoint/2010/main" val="994096988"/>
-      </p:ext>
-    </p:extLst>
-  </p:cSld>
-  <p:clrMapOvr>
-    <a:masterClrMapping/>
-  </p:clrMapOvr>
-</p:sld>
-</file>
-
-<file path=ppt/slides/slide3.xml><?xml version="1.0" encoding="utf-8"?>
-<p:sld xmlns:a="http://schemas.openxmlformats.org/drawingml/2006/main" xmlns:r="http://schemas.openxmlformats.org/officeDocument/2006/relationships" xmlns:p="http://schemas.openxmlformats.org/presentationml/2006/main">
-  <p:cSld>
-    <p:spTree>
-      <p:nvGrpSpPr>
-        <p:cNvPr id="1" name=""/>
-        <p:cNvGrpSpPr/>
-        <p:nvPr/>
-      </p:nvGrpSpPr>
-      <p:grpSpPr>
-        <a:xfrm>
-          <a:off x="0" y="0"/>
-          <a:ext cx="0" cy="0"/>
-          <a:chOff x="0" y="0"/>
-          <a:chExt cx="0" cy="0"/>
-        </a:xfrm>
-      </p:grpSpPr>
-      <p:sp>
-        <p:nvSpPr>
           <p:cNvPr id="2" name="Title 1"/>
           <p:cNvSpPr>
             <a:spLocks noGrp="1"/>
@@ -4942,7 +5055,7 @@
         <p:spPr>
           <a:xfrm>
             <a:off x="308728" y="22796"/>
-            <a:ext cx="7018256" cy="1051860"/>
+            <a:ext cx="8378073" cy="1051860"/>
           </a:xfrm>
         </p:spPr>
         <p:txBody>
@@ -4968,9 +5081,14 @@
         </p:nvSpPr>
         <p:spPr>
           <a:xfrm>
-            <a:off x="457199" y="1152804"/>
-            <a:ext cx="4017625" cy="4552391"/>
+            <a:off x="274066" y="1058537"/>
+            <a:ext cx="4017625" cy="4644680"/>
           </a:xfrm>
+          <a:ln w="28575">
+            <a:solidFill>
+              <a:schemeClr val="accent1"/>
+            </a:solidFill>
+          </a:ln>
         </p:spPr>
         <p:txBody>
           <a:bodyPr>
@@ -4983,7 +5101,7 @@
             </a:pPr>
             <a:r>
               <a:rPr lang="en-US" sz="1800" dirty="0"/>
-              <a:t>We find some interesting patterns in the data:</a:t>
+              <a:t>Patterns:</a:t>
             </a:r>
           </a:p>
           <a:p>
@@ -4993,7 +5111,7 @@
             </a:pPr>
             <a:r>
               <a:rPr lang="en-US" sz="1800" dirty="0"/>
-              <a:t>Survey participants that ranked the Ford Ka among their top 3 options were looking for  performance and were not as concerned with fashion or car-size</a:t>
+              <a:t>The Buyers are looking for car performance and only somewhat consider the cars fashion and car-size into their buying decision</a:t>
             </a:r>
           </a:p>
           <a:p>
@@ -5003,7 +5121,7 @@
             </a:pPr>
             <a:r>
               <a:rPr lang="en-US" sz="1800" dirty="0"/>
-              <a:t>Those who </a:t>
+              <a:t>The Non-buyers (middle 4) are mainly concerned with performance and comfort. They pace little to no value in fashion or making a statement.</a:t>
             </a:r>
           </a:p>
           <a:p>
@@ -5012,26 +5130,9 @@
               <a:buChar char="-"/>
             </a:pPr>
             <a:r>
-              <a:rPr lang="en-US" sz="1800" dirty="0" err="1"/>
-              <a:t>Versicolor’s</a:t>
-            </a:r>
-            <a:r>
               <a:rPr lang="en-US" sz="1800" dirty="0"/>
-              <a:t> are in between, but are more like </a:t>
-            </a:r>
-            <a:r>
-              <a:rPr lang="en-US" sz="1800" dirty="0" err="1"/>
-              <a:t>Virginica’s</a:t>
-            </a:r>
-            <a:r>
-              <a:rPr lang="en-US" sz="1800" dirty="0"/>
-              <a:t> than </a:t>
-            </a:r>
-            <a:r>
-              <a:rPr lang="en-US" sz="1800" dirty="0" err="1"/>
-              <a:t>Setosa’s</a:t>
-            </a:r>
-            <a:endParaRPr lang="en-US" sz="1800" dirty="0"/>
+              <a:t>Those who fell in the middle placed a much higher value on fashion and would like their vehicle to make statement. Also, they were not looking for comfort or the ability to take road trips.</a:t>
+            </a:r>
           </a:p>
         </p:txBody>
       </p:sp>
@@ -5052,7 +5153,7 @@
           <a:p>
             <a:fld id="{4FAB73BC-B049-4115-A692-8D63A059BFB8}" type="slidenum">
               <a:rPr lang="en-US" smtClean="0"/>
-              <a:t>3</a:t>
+              <a:t>2</a:t>
             </a:fld>
             <a:endParaRPr lang="en-US" dirty="0"/>
           </a:p>
@@ -5089,13 +5190,18 @@
         </p:blipFill>
         <p:spPr bwMode="auto">
           <a:xfrm>
-            <a:off x="4312972" y="1576178"/>
+            <a:off x="4528562" y="1074036"/>
             <a:ext cx="4306710" cy="3165956"/>
           </a:xfrm>
           <a:prstGeom prst="rect">
             <a:avLst/>
           </a:prstGeom>
           <a:noFill/>
+          <a:ln w="28575">
+            <a:solidFill>
+              <a:schemeClr val="accent1"/>
+            </a:solidFill>
+          </a:ln>
           <a:extLst>
             <a:ext uri="{909E8E84-426E-40DD-AFC4-6F175D3DCCD1}">
               <a14:hiddenFill xmlns:a14="http://schemas.microsoft.com/office/drawing/2010/main">
@@ -5121,8 +5227,8 @@
         </p:nvSpPr>
         <p:spPr>
           <a:xfrm>
-            <a:off x="5145533" y="323459"/>
-            <a:ext cx="2928109" cy="1200329"/>
+            <a:off x="5117447" y="104430"/>
+            <a:ext cx="3557954" cy="954107"/>
           </a:xfrm>
           <a:prstGeom prst="rect">
             <a:avLst/>
@@ -5130,40 +5236,40 @@
           <a:noFill/>
         </p:spPr>
         <p:txBody>
-          <a:bodyPr wrap="none" rtlCol="0">
+          <a:bodyPr wrap="square" rtlCol="0">
             <a:spAutoFit/>
           </a:bodyPr>
           <a:lstStyle/>
           <a:p>
             <a:r>
-              <a:rPr lang="en-US" dirty="0"/>
-              <a:t>Survey Groups:</a:t>
-            </a:r>
-          </a:p>
-          <a:p>
-            <a:pPr marL="342900" indent="-342900">
+              <a:rPr lang="en-US" sz="1400" dirty="0"/>
+              <a:t>Car preference ranking groups:</a:t>
+            </a:r>
+          </a:p>
+          <a:p>
+            <a:pPr marL="800100" lvl="1" indent="-342900">
               <a:buAutoNum type="arabicParenR"/>
             </a:pPr>
             <a:r>
-              <a:rPr lang="en-US" dirty="0"/>
+              <a:rPr lang="en-US" sz="1400" dirty="0"/>
               <a:t>Top 3 (Buyers)</a:t>
             </a:r>
           </a:p>
           <a:p>
-            <a:pPr marL="342900" indent="-342900">
+            <a:pPr marL="800100" lvl="1" indent="-342900">
               <a:buAutoNum type="arabicParenR"/>
             </a:pPr>
             <a:r>
-              <a:rPr lang="en-US" dirty="0"/>
+              <a:rPr lang="en-US" sz="1400" dirty="0"/>
               <a:t>Bottom 3 (Non-buyers)</a:t>
             </a:r>
           </a:p>
           <a:p>
-            <a:pPr marL="342900" indent="-342900">
+            <a:pPr marL="800100" lvl="1" indent="-342900">
               <a:buAutoNum type="arabicParenR"/>
             </a:pPr>
             <a:r>
-              <a:rPr lang="en-US" dirty="0"/>
+              <a:rPr lang="en-US" sz="1400" dirty="0"/>
               <a:t>Middle 4 (Fence)</a:t>
             </a:r>
           </a:p>
@@ -5183,7 +5289,7 @@
         </p:nvSpPr>
         <p:spPr>
           <a:xfrm>
-            <a:off x="4572000" y="4606689"/>
+            <a:off x="4425610" y="4383291"/>
             <a:ext cx="4718390" cy="1815882"/>
           </a:xfrm>
           <a:prstGeom prst="rect">
@@ -5246,9 +5352,21 @@
 </p:sld>
 </file>
 
-<file path=ppt/slides/slide4.xml><?xml version="1.0" encoding="utf-8"?>
+<file path=ppt/slides/slide3.xml><?xml version="1.0" encoding="utf-8"?>
 <p:sld xmlns:a="http://schemas.openxmlformats.org/drawingml/2006/main" xmlns:r="http://schemas.openxmlformats.org/officeDocument/2006/relationships" xmlns:p="http://schemas.openxmlformats.org/presentationml/2006/main">
   <p:cSld>
+    <p:bg>
+      <p:bgPr>
+        <a:solidFill>
+          <a:schemeClr val="tx1">
+            <a:lumMod val="65000"/>
+            <a:lumOff val="35000"/>
+            <a:alpha val="11000"/>
+          </a:schemeClr>
+        </a:solidFill>
+        <a:effectLst/>
+      </p:bgPr>
+    </p:bg>
     <p:spTree>
       <p:nvGrpSpPr>
         <p:cNvPr id="1" name=""/>
@@ -5275,251 +5393,6 @@
         </p:nvSpPr>
         <p:spPr>
           <a:xfrm>
-            <a:off x="308728" y="22796"/>
-            <a:ext cx="7018256" cy="1051860"/>
-          </a:xfrm>
-        </p:spPr>
-        <p:txBody>
-          <a:bodyPr/>
-          <a:lstStyle/>
-          <a:p>
-            <a:r>
-              <a:rPr lang="en-US" dirty="0"/>
-              <a:t>Demographic Data</a:t>
-            </a:r>
-          </a:p>
-        </p:txBody>
-      </p:sp>
-      <p:sp>
-        <p:nvSpPr>
-          <p:cNvPr id="4" name="Slide Number Placeholder 3"/>
-          <p:cNvSpPr>
-            <a:spLocks noGrp="1"/>
-          </p:cNvSpPr>
-          <p:nvPr>
-            <p:ph type="sldNum" sz="quarter" idx="12"/>
-          </p:nvPr>
-        </p:nvSpPr>
-        <p:spPr/>
-        <p:txBody>
-          <a:bodyPr/>
-          <a:lstStyle/>
-          <a:p>
-            <a:fld id="{4FAB73BC-B049-4115-A692-8D63A059BFB8}" type="slidenum">
-              <a:rPr lang="en-US" smtClean="0"/>
-              <a:t>4</a:t>
-            </a:fld>
-            <a:endParaRPr lang="en-US" dirty="0"/>
-          </a:p>
-        </p:txBody>
-      </p:sp>
-      <p:pic>
-        <p:nvPicPr>
-          <p:cNvPr id="2052" name="Picture 4" descr="https://lh5.googleusercontent.com/n40ZeMNh58tD3rGEH4HHYJE77TJIWRu0-C9ctwdgPRwNBPsQHkN9WGfEgDsO2_BdspstHXIRWD6XVzbUsoE3A_C0ieUyRLpFlMcB-dkEilaSMUvbWigkzgMfvnCcoJwyfgJt0j5a">
-            <a:extLst>
-              <a:ext uri="{FF2B5EF4-FFF2-40B4-BE49-F238E27FC236}">
-                <a16:creationId xmlns:a16="http://schemas.microsoft.com/office/drawing/2014/main" id="{BC7275AB-52AA-4C4B-8E12-9632C67338E7}"/>
-              </a:ext>
-            </a:extLst>
-          </p:cNvPr>
-          <p:cNvPicPr>
-            <a:picLocks noChangeAspect="1" noChangeArrowheads="1"/>
-          </p:cNvPicPr>
-          <p:nvPr/>
-        </p:nvPicPr>
-        <p:blipFill>
-          <a:blip r:embed="rId2">
-            <a:extLst>
-              <a:ext uri="{28A0092B-C50C-407E-A947-70E740481C1C}">
-                <a14:useLocalDpi xmlns:a14="http://schemas.microsoft.com/office/drawing/2010/main" val="0"/>
-              </a:ext>
-            </a:extLst>
-          </a:blip>
-          <a:srcRect/>
-          <a:stretch>
-            <a:fillRect/>
-          </a:stretch>
-        </p:blipFill>
-        <p:spPr bwMode="auto">
-          <a:xfrm>
-            <a:off x="4495800" y="1109169"/>
-            <a:ext cx="3873337" cy="2859827"/>
-          </a:xfrm>
-          <a:prstGeom prst="rect">
-            <a:avLst/>
-          </a:prstGeom>
-          <a:noFill/>
-          <a:extLst>
-            <a:ext uri="{909E8E84-426E-40DD-AFC4-6F175D3DCCD1}">
-              <a14:hiddenFill xmlns:a14="http://schemas.microsoft.com/office/drawing/2010/main">
-                <a:solidFill>
-                  <a:srgbClr val="FFFFFF"/>
-                </a:solidFill>
-              </a14:hiddenFill>
-            </a:ext>
-          </a:extLst>
-        </p:spPr>
-      </p:pic>
-      <p:pic>
-        <p:nvPicPr>
-          <p:cNvPr id="2054" name="Picture 6" descr="https://lh4.googleusercontent.com/_8IPLClSYhHB-6oA_VNG4CHKnszZklbZjMTzPvGzezRpIytodLi7jMTdEZK8ONJ4OtEeRJDJw1eEyznZWim1OnS61tO7Uj_6mejfk6JNDoRNZXk2pZivoISqcPET-jMwKeP-HdVR">
-            <a:extLst>
-              <a:ext uri="{FF2B5EF4-FFF2-40B4-BE49-F238E27FC236}">
-                <a16:creationId xmlns:a16="http://schemas.microsoft.com/office/drawing/2014/main" id="{B5DE4381-B8C6-4080-AF6E-FC90194A958F}"/>
-              </a:ext>
-            </a:extLst>
-          </p:cNvPr>
-          <p:cNvPicPr>
-            <a:picLocks noChangeAspect="1" noChangeArrowheads="1"/>
-          </p:cNvPicPr>
-          <p:nvPr/>
-        </p:nvPicPr>
-        <p:blipFill>
-          <a:blip r:embed="rId3">
-            <a:extLst>
-              <a:ext uri="{28A0092B-C50C-407E-A947-70E740481C1C}">
-                <a14:useLocalDpi xmlns:a14="http://schemas.microsoft.com/office/drawing/2010/main" val="0"/>
-              </a:ext>
-            </a:extLst>
-          </a:blip>
-          <a:srcRect/>
-          <a:stretch>
-            <a:fillRect/>
-          </a:stretch>
-        </p:blipFill>
-        <p:spPr bwMode="auto">
-          <a:xfrm>
-            <a:off x="774863" y="1265777"/>
-            <a:ext cx="3449120" cy="2546612"/>
-          </a:xfrm>
-          <a:prstGeom prst="rect">
-            <a:avLst/>
-          </a:prstGeom>
-          <a:noFill/>
-          <a:extLst>
-            <a:ext uri="{909E8E84-426E-40DD-AFC4-6F175D3DCCD1}">
-              <a14:hiddenFill xmlns:a14="http://schemas.microsoft.com/office/drawing/2010/main">
-                <a:solidFill>
-                  <a:srgbClr val="FFFFFF"/>
-                </a:solidFill>
-              </a14:hiddenFill>
-            </a:ext>
-          </a:extLst>
-        </p:spPr>
-      </p:pic>
-      <p:pic>
-        <p:nvPicPr>
-          <p:cNvPr id="1028" name="Picture 4" descr="https://lh3.googleusercontent.com/zJYZ8oybTWTxsIE3T3E0BHGa8t8e4ZxV6XRZKMbs6NOp7zRYImOqMMDqTXxP4MJeoQNTmHi8AObBoNjZxHfFw8kwL7dlHTY5rfSYgTYQ6dpBcnYBW-vgRVMoqVjguO1i1BB0DqoU">
-            <a:extLst>
-              <a:ext uri="{FF2B5EF4-FFF2-40B4-BE49-F238E27FC236}">
-                <a16:creationId xmlns:a16="http://schemas.microsoft.com/office/drawing/2014/main" id="{874FBAB7-845C-4E8A-AECD-53157EC2DFF2}"/>
-              </a:ext>
-            </a:extLst>
-          </p:cNvPr>
-          <p:cNvPicPr>
-            <a:picLocks noChangeAspect="1" noChangeArrowheads="1"/>
-          </p:cNvPicPr>
-          <p:nvPr/>
-        </p:nvPicPr>
-        <p:blipFill>
-          <a:blip r:embed="rId4">
-            <a:extLst>
-              <a:ext uri="{28A0092B-C50C-407E-A947-70E740481C1C}">
-                <a14:useLocalDpi xmlns:a14="http://schemas.microsoft.com/office/drawing/2010/main" val="0"/>
-              </a:ext>
-            </a:extLst>
-          </a:blip>
-          <a:srcRect/>
-          <a:stretch>
-            <a:fillRect/>
-          </a:stretch>
-        </p:blipFill>
-        <p:spPr bwMode="auto">
-          <a:xfrm>
-            <a:off x="1055802" y="3565176"/>
-            <a:ext cx="4008748" cy="3154319"/>
-          </a:xfrm>
-          <a:prstGeom prst="rect">
-            <a:avLst/>
-          </a:prstGeom>
-          <a:noFill/>
-          <a:extLst>
-            <a:ext uri="{909E8E84-426E-40DD-AFC4-6F175D3DCCD1}">
-              <a14:hiddenFill xmlns:a14="http://schemas.microsoft.com/office/drawing/2010/main">
-                <a:solidFill>
-                  <a:srgbClr val="FFFFFF"/>
-                </a:solidFill>
-              </a14:hiddenFill>
-            </a:ext>
-          </a:extLst>
-        </p:spPr>
-      </p:pic>
-    </p:spTree>
-    <p:extLst>
-      <p:ext uri="{BB962C8B-B14F-4D97-AF65-F5344CB8AC3E}">
-        <p14:creationId xmlns:p14="http://schemas.microsoft.com/office/powerpoint/2010/main" val="3841898205"/>
-      </p:ext>
-    </p:extLst>
-  </p:cSld>
-  <p:clrMapOvr>
-    <a:masterClrMapping/>
-  </p:clrMapOvr>
-</p:sld>
-</file>
-
-<file path=ppt/slides/slide5.xml><?xml version="1.0" encoding="utf-8"?>
-<p:sld xmlns:a="http://schemas.openxmlformats.org/drawingml/2006/main" xmlns:r="http://schemas.openxmlformats.org/officeDocument/2006/relationships" xmlns:p="http://schemas.openxmlformats.org/presentationml/2006/main">
-  <p:cSld>
-    <p:spTree>
-      <p:nvGrpSpPr>
-        <p:cNvPr id="1" name=""/>
-        <p:cNvGrpSpPr/>
-        <p:nvPr/>
-      </p:nvGrpSpPr>
-      <p:grpSpPr>
-        <a:xfrm>
-          <a:off x="0" y="0"/>
-          <a:ext cx="0" cy="0"/>
-          <a:chOff x="0" y="0"/>
-          <a:chExt cx="0" cy="0"/>
-        </a:xfrm>
-      </p:grpSpPr>
-      <p:pic>
-        <p:nvPicPr>
-          <p:cNvPr id="3" name="Picture 2"/>
-          <p:cNvPicPr>
-            <a:picLocks noChangeAspect="1"/>
-          </p:cNvPicPr>
-          <p:nvPr/>
-        </p:nvPicPr>
-        <p:blipFill>
-          <a:blip r:embed="rId2"/>
-          <a:stretch>
-            <a:fillRect/>
-          </a:stretch>
-        </p:blipFill>
-        <p:spPr>
-          <a:xfrm>
-            <a:off x="510389" y="2544519"/>
-            <a:ext cx="3725872" cy="4123578"/>
-          </a:xfrm>
-          <a:prstGeom prst="rect">
-            <a:avLst/>
-          </a:prstGeom>
-        </p:spPr>
-      </p:pic>
-      <p:sp>
-        <p:nvSpPr>
-          <p:cNvPr id="2" name="Title 1"/>
-          <p:cNvSpPr>
-            <a:spLocks noGrp="1"/>
-          </p:cNvSpPr>
-          <p:nvPr>
-            <p:ph type="title"/>
-          </p:nvPr>
-        </p:nvSpPr>
-        <p:spPr>
-          <a:xfrm>
             <a:off x="230156" y="11440"/>
             <a:ext cx="7858042" cy="971983"/>
           </a:xfrm>
@@ -5550,7 +5423,7 @@
         </p:nvSpPr>
         <p:spPr>
           <a:xfrm>
-            <a:off x="230519" y="998018"/>
+            <a:off x="343635" y="712356"/>
             <a:ext cx="4040188" cy="639762"/>
           </a:xfrm>
         </p:spPr>
@@ -5575,570 +5448,13 @@
             <p:ph sz="half" idx="2"/>
             <p:extLst>
               <p:ext uri="{D42A27DB-BD31-4B8C-83A1-F6EECF244321}">
-                <p14:modId xmlns:p14="http://schemas.microsoft.com/office/powerpoint/2010/main" val="1617326631"/>
+                <p14:modId xmlns:p14="http://schemas.microsoft.com/office/powerpoint/2010/main" val="588581187"/>
               </p:ext>
             </p:extLst>
           </p:nvPr>
         </p:nvGraphicFramePr>
         <p:xfrm>
-          <a:off x="4915532" y="1595377"/>
-          <a:ext cx="3403602" cy="2779649"/>
-        </p:xfrm>
-        <a:graphic>
-          <a:graphicData uri="http://schemas.openxmlformats.org/drawingml/2006/table">
-            <a:tbl>
-              <a:tblPr firstRow="1" bandRow="1">
-                <a:tableStyleId>{5C22544A-7EE6-4342-B048-85BDC9FD1C3A}</a:tableStyleId>
-              </a:tblPr>
-              <a:tblGrid>
-                <a:gridCol w="1137921">
-                  <a:extLst>
-                    <a:ext uri="{9D8B030D-6E8A-4147-A177-3AD203B41FA5}">
-                      <a16:colId xmlns:a16="http://schemas.microsoft.com/office/drawing/2014/main" val="20000"/>
-                    </a:ext>
-                  </a:extLst>
-                </a:gridCol>
-                <a:gridCol w="2265681">
-                  <a:extLst>
-                    <a:ext uri="{9D8B030D-6E8A-4147-A177-3AD203B41FA5}">
-                      <a16:colId xmlns:a16="http://schemas.microsoft.com/office/drawing/2014/main" val="20001"/>
-                    </a:ext>
-                  </a:extLst>
-                </a:gridCol>
-              </a:tblGrid>
-              <a:tr h="585089">
-                <a:tc>
-                  <a:txBody>
-                    <a:bodyPr/>
-                    <a:lstStyle/>
-                    <a:p>
-                      <a:r>
-                        <a:rPr lang="en-US" dirty="0"/>
-                        <a:t>Cluster</a:t>
-                      </a:r>
-                    </a:p>
-                  </a:txBody>
-                  <a:tcPr/>
-                </a:tc>
-                <a:tc>
-                  <a:txBody>
-                    <a:bodyPr/>
-                    <a:lstStyle/>
-                    <a:p>
-                      <a:r>
-                        <a:rPr lang="en-US" dirty="0"/>
-                        <a:t>Meaning</a:t>
-                      </a:r>
-                    </a:p>
-                  </a:txBody>
-                  <a:tcPr/>
-                </a:tc>
-                <a:extLst>
-                  <a:ext uri="{0D108BD9-81ED-4DB2-BD59-A6C34878D82A}">
-                    <a16:rowId xmlns:a16="http://schemas.microsoft.com/office/drawing/2014/main" val="10000"/>
-                  </a:ext>
-                </a:extLst>
-              </a:tr>
-              <a:tr h="585089">
-                <a:tc>
-                  <a:txBody>
-                    <a:bodyPr/>
-                    <a:lstStyle/>
-                    <a:p>
-                      <a:r>
-                        <a:rPr lang="en-US" dirty="0"/>
-                        <a:t>1</a:t>
-                      </a:r>
-                    </a:p>
-                  </a:txBody>
-                  <a:tcPr/>
-                </a:tc>
-                <a:tc>
-                  <a:txBody>
-                    <a:bodyPr/>
-                    <a:lstStyle/>
-                    <a:p>
-                      <a:r>
-                        <a:rPr lang="en-US" dirty="0"/>
-                        <a:t>Long </a:t>
-                      </a:r>
-                      <a:r>
-                        <a:rPr lang="en-US" dirty="0" err="1"/>
-                        <a:t>petaled</a:t>
-                      </a:r>
-                      <a:r>
-                        <a:rPr lang="en-US" dirty="0"/>
-                        <a:t> flowers best</a:t>
-                      </a:r>
-                      <a:r>
-                        <a:rPr lang="en-US" baseline="0" dirty="0"/>
-                        <a:t> for hillsides</a:t>
-                      </a:r>
-                      <a:endParaRPr lang="en-US" dirty="0"/>
-                    </a:p>
-                  </a:txBody>
-                  <a:tcPr/>
-                </a:tc>
-                <a:extLst>
-                  <a:ext uri="{0D108BD9-81ED-4DB2-BD59-A6C34878D82A}">
-                    <a16:rowId xmlns:a16="http://schemas.microsoft.com/office/drawing/2014/main" val="10001"/>
-                  </a:ext>
-                </a:extLst>
-              </a:tr>
-              <a:tr h="585089">
-                <a:tc>
-                  <a:txBody>
-                    <a:bodyPr/>
-                    <a:lstStyle/>
-                    <a:p>
-                      <a:r>
-                        <a:rPr lang="en-US" dirty="0"/>
-                        <a:t>2</a:t>
-                      </a:r>
-                    </a:p>
-                  </a:txBody>
-                  <a:tcPr/>
-                </a:tc>
-                <a:tc>
-                  <a:txBody>
-                    <a:bodyPr/>
-                    <a:lstStyle/>
-                    <a:p>
-                      <a:r>
-                        <a:rPr lang="en-US" dirty="0"/>
-                        <a:t>Medium flowers useful for massing</a:t>
-                      </a:r>
-                    </a:p>
-                  </a:txBody>
-                  <a:tcPr/>
-                </a:tc>
-                <a:extLst>
-                  <a:ext uri="{0D108BD9-81ED-4DB2-BD59-A6C34878D82A}">
-                    <a16:rowId xmlns:a16="http://schemas.microsoft.com/office/drawing/2014/main" val="10002"/>
-                  </a:ext>
-                </a:extLst>
-              </a:tr>
-              <a:tr h="585089">
-                <a:tc>
-                  <a:txBody>
-                    <a:bodyPr/>
-                    <a:lstStyle/>
-                    <a:p>
-                      <a:r>
-                        <a:rPr lang="en-US" dirty="0"/>
-                        <a:t>3</a:t>
-                      </a:r>
-                    </a:p>
-                  </a:txBody>
-                  <a:tcPr/>
-                </a:tc>
-                <a:tc>
-                  <a:txBody>
-                    <a:bodyPr/>
-                    <a:lstStyle/>
-                    <a:p>
-                      <a:r>
-                        <a:rPr lang="en-US" dirty="0"/>
-                        <a:t>Small</a:t>
-                      </a:r>
-                      <a:r>
-                        <a:rPr lang="en-US" baseline="0" dirty="0"/>
-                        <a:t> flowers great near homes</a:t>
-                      </a:r>
-                      <a:endParaRPr lang="en-US" dirty="0"/>
-                    </a:p>
-                  </a:txBody>
-                  <a:tcPr/>
-                </a:tc>
-                <a:extLst>
-                  <a:ext uri="{0D108BD9-81ED-4DB2-BD59-A6C34878D82A}">
-                    <a16:rowId xmlns:a16="http://schemas.microsoft.com/office/drawing/2014/main" val="10003"/>
-                  </a:ext>
-                </a:extLst>
-              </a:tr>
-            </a:tbl>
-          </a:graphicData>
-        </a:graphic>
-      </p:graphicFrame>
-      <p:sp>
-        <p:nvSpPr>
-          <p:cNvPr id="8" name="Text Placeholder 7"/>
-          <p:cNvSpPr>
-            <a:spLocks noGrp="1"/>
-          </p:cNvSpPr>
-          <p:nvPr>
-            <p:ph type="body" sz="quarter" idx="3"/>
-          </p:nvPr>
-        </p:nvSpPr>
-        <p:spPr>
-          <a:xfrm>
-            <a:off x="4779494" y="1012178"/>
-            <a:ext cx="4041775" cy="639762"/>
-          </a:xfrm>
-        </p:spPr>
-        <p:txBody>
-          <a:bodyPr/>
-          <a:lstStyle/>
-          <a:p>
-            <a:r>
-              <a:rPr lang="en-US" dirty="0"/>
-              <a:t>What do your clusters mean?</a:t>
-            </a:r>
-          </a:p>
-        </p:txBody>
-      </p:sp>
-      <p:sp>
-        <p:nvSpPr>
-          <p:cNvPr id="5" name="Slide Number Placeholder 4"/>
-          <p:cNvSpPr>
-            <a:spLocks noGrp="1"/>
-          </p:cNvSpPr>
-          <p:nvPr>
-            <p:ph type="sldNum" sz="quarter" idx="12"/>
-          </p:nvPr>
-        </p:nvSpPr>
-        <p:spPr/>
-        <p:txBody>
-          <a:bodyPr/>
-          <a:lstStyle/>
-          <a:p>
-            <a:fld id="{EA1E5914-59AA-0F4C-8D89-5ECCA83988DE}" type="slidenum">
-              <a:rPr lang="en-US" smtClean="0"/>
-              <a:t>5</a:t>
-            </a:fld>
-            <a:endParaRPr lang="en-US"/>
-          </a:p>
-        </p:txBody>
-      </p:sp>
-      <p:pic>
-        <p:nvPicPr>
-          <p:cNvPr id="14" name="Picture 3"/>
-          <p:cNvPicPr>
-            <a:picLocks noChangeAspect="1" noChangeArrowheads="1"/>
-          </p:cNvPicPr>
-          <p:nvPr/>
-        </p:nvPicPr>
-        <p:blipFill>
-          <a:blip r:embed="rId3">
-            <a:extLst>
-              <a:ext uri="{28A0092B-C50C-407E-A947-70E740481C1C}">
-                <a14:useLocalDpi xmlns:a14="http://schemas.microsoft.com/office/drawing/2010/main" val="0"/>
-              </a:ext>
-            </a:extLst>
-          </a:blip>
-          <a:srcRect/>
-          <a:stretch>
-            <a:fillRect/>
-          </a:stretch>
-        </p:blipFill>
-        <p:spPr bwMode="auto">
-          <a:xfrm>
-            <a:off x="337669" y="1678203"/>
-            <a:ext cx="4376283" cy="784128"/>
-          </a:xfrm>
-          <a:prstGeom prst="rect">
-            <a:avLst/>
-          </a:prstGeom>
-          <a:noFill/>
-          <a:ln>
-            <a:noFill/>
-          </a:ln>
-          <a:extLst>
-            <a:ext uri="{909E8E84-426E-40dd-AFC4-6F175D3DCCD1}">
-              <a14:hiddenFill xmlns:a14="http://schemas.microsoft.com/office/drawing/2010/main" xmlns="">
-                <a:solidFill>
-                  <a:schemeClr val="accent1"/>
-                </a:solidFill>
-              </a14:hiddenFill>
-            </a:ext>
-            <a:ext uri="{91240B29-F687-4f45-9708-019B960494DF}">
-              <a14:hiddenLine xmlns:a14="http://schemas.microsoft.com/office/drawing/2010/main" xmlns="" w="9525">
-                <a:solidFill>
-                  <a:schemeClr val="tx1"/>
-                </a:solidFill>
-                <a:miter lim="800000"/>
-                <a:headEnd/>
-                <a:tailEnd/>
-              </a14:hiddenLine>
-            </a:ext>
-          </a:extLst>
-        </p:spPr>
-      </p:pic>
-      <p:cxnSp>
-        <p:nvCxnSpPr>
-          <p:cNvPr id="15" name="Straight Arrow Connector 14"/>
-          <p:cNvCxnSpPr/>
-          <p:nvPr/>
-        </p:nvCxnSpPr>
-        <p:spPr>
-          <a:xfrm>
-            <a:off x="510389" y="2179626"/>
-            <a:ext cx="914400" cy="1198879"/>
-          </a:xfrm>
-          <a:prstGeom prst="straightConnector1">
-            <a:avLst/>
-          </a:prstGeom>
-          <a:ln>
-            <a:solidFill>
-              <a:srgbClr val="CD099A"/>
-            </a:solidFill>
-            <a:tailEnd type="arrow"/>
-          </a:ln>
-        </p:spPr>
-        <p:style>
-          <a:lnRef idx="1">
-            <a:schemeClr val="accent1"/>
-          </a:lnRef>
-          <a:fillRef idx="0">
-            <a:schemeClr val="accent1"/>
-          </a:fillRef>
-          <a:effectRef idx="0">
-            <a:schemeClr val="accent1"/>
-          </a:effectRef>
-          <a:fontRef idx="minor">
-            <a:schemeClr val="tx1"/>
-          </a:fontRef>
-        </p:style>
-      </p:cxnSp>
-      <p:cxnSp>
-        <p:nvCxnSpPr>
-          <p:cNvPr id="16" name="Straight Arrow Connector 15"/>
-          <p:cNvCxnSpPr/>
-          <p:nvPr/>
-        </p:nvCxnSpPr>
-        <p:spPr>
-          <a:xfrm>
-            <a:off x="510389" y="2402285"/>
-            <a:ext cx="3312160" cy="1288186"/>
-          </a:xfrm>
-          <a:prstGeom prst="straightConnector1">
-            <a:avLst/>
-          </a:prstGeom>
-          <a:ln>
-            <a:solidFill>
-              <a:srgbClr val="008000"/>
-            </a:solidFill>
-            <a:tailEnd type="arrow"/>
-          </a:ln>
-        </p:spPr>
-        <p:style>
-          <a:lnRef idx="1">
-            <a:schemeClr val="accent1"/>
-          </a:lnRef>
-          <a:fillRef idx="0">
-            <a:schemeClr val="accent1"/>
-          </a:fillRef>
-          <a:effectRef idx="0">
-            <a:schemeClr val="accent1"/>
-          </a:effectRef>
-          <a:fontRef idx="minor">
-            <a:schemeClr val="tx1"/>
-          </a:fontRef>
-        </p:style>
-      </p:cxnSp>
-      <p:cxnSp>
-        <p:nvCxnSpPr>
-          <p:cNvPr id="17" name="Straight Arrow Connector 16"/>
-          <p:cNvCxnSpPr/>
-          <p:nvPr/>
-        </p:nvCxnSpPr>
-        <p:spPr>
-          <a:xfrm>
-            <a:off x="510389" y="2067865"/>
-            <a:ext cx="2458720" cy="1144488"/>
-          </a:xfrm>
-          <a:prstGeom prst="straightConnector1">
-            <a:avLst/>
-          </a:prstGeom>
-          <a:ln>
-            <a:tailEnd type="arrow"/>
-          </a:ln>
-        </p:spPr>
-        <p:style>
-          <a:lnRef idx="1">
-            <a:schemeClr val="accent1"/>
-          </a:lnRef>
-          <a:fillRef idx="0">
-            <a:schemeClr val="accent1"/>
-          </a:fillRef>
-          <a:effectRef idx="0">
-            <a:schemeClr val="accent1"/>
-          </a:effectRef>
-          <a:fontRef idx="minor">
-            <a:schemeClr val="tx1"/>
-          </a:fontRef>
-        </p:style>
-      </p:cxnSp>
-      <p:sp>
-        <p:nvSpPr>
-          <p:cNvPr id="26" name="TextBox 25"/>
-          <p:cNvSpPr txBox="1"/>
-          <p:nvPr/>
-        </p:nvSpPr>
-        <p:spPr>
-          <a:xfrm>
-            <a:off x="4839563" y="4389621"/>
-            <a:ext cx="4123843" cy="1200329"/>
-          </a:xfrm>
-          <a:prstGeom prst="rect">
-            <a:avLst/>
-          </a:prstGeom>
-          <a:noFill/>
-        </p:spPr>
-        <p:txBody>
-          <a:bodyPr wrap="square" rtlCol="0">
-            <a:spAutoFit/>
-          </a:bodyPr>
-          <a:lstStyle/>
-          <a:p>
-            <a:r>
-              <a:rPr lang="en-US" i="1" dirty="0">
-                <a:solidFill>
-                  <a:schemeClr val="accent6"/>
-                </a:solidFill>
-              </a:rPr>
-              <a:t>State this in plain words that non-technical users can understand.  Try using pictures or labels to summarize each cluster.</a:t>
-            </a:r>
-          </a:p>
-        </p:txBody>
-      </p:sp>
-      <p:sp>
-        <p:nvSpPr>
-          <p:cNvPr id="27" name="TextBox 26"/>
-          <p:cNvSpPr txBox="1"/>
-          <p:nvPr/>
-        </p:nvSpPr>
-        <p:spPr>
-          <a:xfrm>
-            <a:off x="4852789" y="5589950"/>
-            <a:ext cx="3014028" cy="923330"/>
-          </a:xfrm>
-          <a:prstGeom prst="rect">
-            <a:avLst/>
-          </a:prstGeom>
-          <a:noFill/>
-        </p:spPr>
-        <p:txBody>
-          <a:bodyPr wrap="square" rtlCol="0">
-            <a:spAutoFit/>
-          </a:bodyPr>
-          <a:lstStyle/>
-          <a:p>
-            <a:r>
-              <a:rPr lang="en-US" i="1" dirty="0">
-                <a:solidFill>
-                  <a:srgbClr val="F79646"/>
-                </a:solidFill>
-              </a:rPr>
-              <a:t>Experiment with tables and graphs to illustrate and contrast the clusters</a:t>
-            </a:r>
-          </a:p>
-        </p:txBody>
-      </p:sp>
-    </p:spTree>
-    <p:extLst>
-      <p:ext uri="{BB962C8B-B14F-4D97-AF65-F5344CB8AC3E}">
-        <p14:creationId xmlns:p14="http://schemas.microsoft.com/office/powerpoint/2010/main" val="1706926393"/>
-      </p:ext>
-    </p:extLst>
-  </p:cSld>
-  <p:clrMapOvr>
-    <a:masterClrMapping/>
-  </p:clrMapOvr>
-</p:sld>
-</file>
-
-<file path=ppt/slides/slide6.xml><?xml version="1.0" encoding="utf-8"?>
-<p:sld xmlns:a="http://schemas.openxmlformats.org/drawingml/2006/main" xmlns:r="http://schemas.openxmlformats.org/officeDocument/2006/relationships" xmlns:p="http://schemas.openxmlformats.org/presentationml/2006/main">
-  <p:cSld>
-    <p:spTree>
-      <p:nvGrpSpPr>
-        <p:cNvPr id="1" name=""/>
-        <p:cNvGrpSpPr/>
-        <p:nvPr/>
-      </p:nvGrpSpPr>
-      <p:grpSpPr>
-        <a:xfrm>
-          <a:off x="0" y="0"/>
-          <a:ext cx="0" cy="0"/>
-          <a:chOff x="0" y="0"/>
-          <a:chExt cx="0" cy="0"/>
-        </a:xfrm>
-      </p:grpSpPr>
-      <p:sp>
-        <p:nvSpPr>
-          <p:cNvPr id="2" name="Title 1"/>
-          <p:cNvSpPr>
-            <a:spLocks noGrp="1"/>
-          </p:cNvSpPr>
-          <p:nvPr>
-            <p:ph type="title"/>
-          </p:nvPr>
-        </p:nvSpPr>
-        <p:spPr>
-          <a:xfrm>
-            <a:off x="230156" y="11440"/>
-            <a:ext cx="7858042" cy="971983"/>
-          </a:xfrm>
-        </p:spPr>
-        <p:txBody>
-          <a:bodyPr>
-            <a:normAutofit/>
-          </a:bodyPr>
-          <a:lstStyle/>
-          <a:p>
-            <a:r>
-              <a:rPr lang="en-US" dirty="0"/>
-              <a:t>Customer Segmentation</a:t>
-            </a:r>
-            <a:endParaRPr lang="en-US" u="sng" dirty="0"/>
-          </a:p>
-        </p:txBody>
-      </p:sp>
-      <p:sp>
-        <p:nvSpPr>
-          <p:cNvPr id="6" name="Text Placeholder 5"/>
-          <p:cNvSpPr>
-            <a:spLocks noGrp="1"/>
-          </p:cNvSpPr>
-          <p:nvPr>
-            <p:ph type="body" idx="1"/>
-          </p:nvPr>
-        </p:nvSpPr>
-        <p:spPr>
-          <a:xfrm>
-            <a:off x="230519" y="778285"/>
-            <a:ext cx="4040188" cy="639762"/>
-          </a:xfrm>
-        </p:spPr>
-        <p:txBody>
-          <a:bodyPr/>
-          <a:lstStyle/>
-          <a:p>
-            <a:r>
-              <a:rPr lang="en-US" dirty="0"/>
-              <a:t>What are your clusters?</a:t>
-            </a:r>
-          </a:p>
-        </p:txBody>
-      </p:sp>
-      <p:graphicFrame>
-        <p:nvGraphicFramePr>
-          <p:cNvPr id="25" name="Content Placeholder 24"/>
-          <p:cNvGraphicFramePr>
-            <a:graphicFrameLocks noGrp="1"/>
-          </p:cNvGraphicFramePr>
-          <p:nvPr>
-            <p:ph sz="half" idx="2"/>
-            <p:extLst>
-              <p:ext uri="{D42A27DB-BD31-4B8C-83A1-F6EECF244321}">
-                <p14:modId xmlns:p14="http://schemas.microsoft.com/office/powerpoint/2010/main" val="4201191736"/>
-              </p:ext>
-            </p:extLst>
-          </p:nvPr>
-        </p:nvGraphicFramePr>
-        <p:xfrm>
-          <a:off x="4300621" y="1555039"/>
+          <a:off x="4380206" y="1322332"/>
           <a:ext cx="4275966" cy="4443119"/>
         </p:xfrm>
         <a:graphic>
@@ -6419,7 +5735,7 @@
         </p:nvSpPr>
         <p:spPr>
           <a:xfrm>
-            <a:off x="4497302" y="778285"/>
+            <a:off x="4497302" y="717643"/>
             <a:ext cx="4041775" cy="639762"/>
           </a:xfrm>
         </p:spPr>
@@ -6451,7 +5767,7 @@
           <a:p>
             <a:fld id="{EA1E5914-59AA-0F4C-8D89-5ECCA83988DE}" type="slidenum">
               <a:rPr lang="en-US" smtClean="0"/>
-              <a:t>6</a:t>
+              <a:t>3</a:t>
             </a:fld>
             <a:endParaRPr lang="en-US"/>
           </a:p>
@@ -6486,13 +5802,18 @@
         </p:blipFill>
         <p:spPr bwMode="auto">
           <a:xfrm>
-            <a:off x="219977" y="3767657"/>
-            <a:ext cx="3640195" cy="2687690"/>
+            <a:off x="443059" y="3932366"/>
+            <a:ext cx="3417113" cy="2522981"/>
           </a:xfrm>
           <a:prstGeom prst="rect">
             <a:avLst/>
           </a:prstGeom>
           <a:noFill/>
+          <a:ln w="28575">
+            <a:solidFill>
+              <a:schemeClr val="accent1"/>
+            </a:solidFill>
+          </a:ln>
           <a:extLst>
             <a:ext uri="{909E8E84-426E-40DD-AFC4-6F175D3DCCD1}">
               <a14:hiddenFill xmlns:a14="http://schemas.microsoft.com/office/drawing/2010/main">
@@ -6533,13 +5854,18 @@
         </p:blipFill>
         <p:spPr bwMode="auto">
           <a:xfrm>
-            <a:off x="230520" y="1322332"/>
-            <a:ext cx="3530776" cy="2687690"/>
+            <a:off x="443059" y="1322332"/>
+            <a:ext cx="3417113" cy="2522981"/>
           </a:xfrm>
           <a:prstGeom prst="rect">
             <a:avLst/>
           </a:prstGeom>
           <a:noFill/>
+          <a:ln w="28575">
+            <a:solidFill>
+              <a:schemeClr val="accent1"/>
+            </a:solidFill>
+          </a:ln>
           <a:extLst>
             <a:ext uri="{909E8E84-426E-40DD-AFC4-6F175D3DCCD1}">
               <a14:hiddenFill xmlns:a14="http://schemas.microsoft.com/office/drawing/2010/main">
@@ -6564,9 +5890,21 @@
 </p:sld>
 </file>
 
-<file path=ppt/slides/slide7.xml><?xml version="1.0" encoding="utf-8"?>
+<file path=ppt/slides/slide4.xml><?xml version="1.0" encoding="utf-8"?>
 <p:sld xmlns:a="http://schemas.openxmlformats.org/drawingml/2006/main" xmlns:r="http://schemas.openxmlformats.org/officeDocument/2006/relationships" xmlns:p="http://schemas.openxmlformats.org/presentationml/2006/main">
   <p:cSld>
+    <p:bg>
+      <p:bgPr>
+        <a:solidFill>
+          <a:schemeClr val="tx1">
+            <a:lumMod val="65000"/>
+            <a:lumOff val="35000"/>
+            <a:alpha val="11000"/>
+          </a:schemeClr>
+        </a:solidFill>
+        <a:effectLst/>
+      </p:bgPr>
+    </p:bg>
     <p:spTree>
       <p:nvGrpSpPr>
         <p:cNvPr id="1" name=""/>
@@ -6583,40 +5921,311 @@
       </p:grpSpPr>
       <p:sp>
         <p:nvSpPr>
-          <p:cNvPr id="2" name="Title 1">
+          <p:cNvPr id="2" name="Title 1"/>
+          <p:cNvSpPr>
+            <a:spLocks noGrp="1"/>
+          </p:cNvSpPr>
+          <p:nvPr>
+            <p:ph type="title"/>
+          </p:nvPr>
+        </p:nvSpPr>
+        <p:spPr>
+          <a:xfrm>
+            <a:off x="1376038" y="11440"/>
+            <a:ext cx="7448365" cy="971983"/>
+          </a:xfrm>
+        </p:spPr>
+        <p:txBody>
+          <a:bodyPr>
+            <a:normAutofit/>
+          </a:bodyPr>
+          <a:lstStyle/>
+          <a:p>
+            <a:r>
+              <a:rPr lang="en-US" u="sng" dirty="0"/>
+              <a:t>What do the clusters mean?</a:t>
+            </a:r>
+          </a:p>
+        </p:txBody>
+      </p:sp>
+      <p:sp>
+        <p:nvSpPr>
+          <p:cNvPr id="5" name="Slide Number Placeholder 4"/>
+          <p:cNvSpPr>
+            <a:spLocks noGrp="1"/>
+          </p:cNvSpPr>
+          <p:nvPr>
+            <p:ph type="sldNum" sz="quarter" idx="12"/>
+          </p:nvPr>
+        </p:nvSpPr>
+        <p:spPr/>
+        <p:txBody>
+          <a:bodyPr/>
+          <a:lstStyle/>
+          <a:p>
+            <a:fld id="{EA1E5914-59AA-0F4C-8D89-5ECCA83988DE}" type="slidenum">
+              <a:rPr lang="en-US" smtClean="0"/>
+              <a:t>4</a:t>
+            </a:fld>
+            <a:endParaRPr lang="en-US"/>
+          </a:p>
+        </p:txBody>
+      </p:sp>
+      <p:pic>
+        <p:nvPicPr>
+          <p:cNvPr id="6" name="Picture 2" descr="https://lh6.googleusercontent.com/VixHdfGrQRmcIuYgWlmmr8RT0ROncXj5wNa3bpEtQfSmTdH9wHRIzn1Yi95ggrC1lnIVNt1K3nC6LE9mbhM-zg72pqzf38ZSlzczdtqiEPJvX_puc_wjLHyfmvRQvIly23GI0zXf">
             <a:extLst>
               <a:ext uri="{FF2B5EF4-FFF2-40B4-BE49-F238E27FC236}">
-                <a16:creationId xmlns:a16="http://schemas.microsoft.com/office/drawing/2014/main" id="{5D212641-0D1E-4232-86CF-E74672B3DAB9}"/>
+                <a16:creationId xmlns:a16="http://schemas.microsoft.com/office/drawing/2014/main" id="{EDCE9905-9597-4AB9-B332-C22DF8026B91}"/>
               </a:ext>
             </a:extLst>
           </p:cNvPr>
-          <p:cNvSpPr>
-            <a:spLocks noGrp="1"/>
-          </p:cNvSpPr>
-          <p:nvPr>
-            <p:ph type="title"/>
+          <p:cNvPicPr>
+            <a:picLocks noGrp="1" noChangeAspect="1" noChangeArrowheads="1"/>
+          </p:cNvPicPr>
+          <p:nvPr>
+            <p:ph sz="half" idx="2"/>
+          </p:nvPr>
+        </p:nvPicPr>
+        <p:blipFill>
+          <a:blip r:embed="rId2">
+            <a:extLst>
+              <a:ext uri="{28A0092B-C50C-407E-A947-70E740481C1C}">
+                <a14:useLocalDpi xmlns:a14="http://schemas.microsoft.com/office/drawing/2010/main" val="0"/>
+              </a:ext>
+            </a:extLst>
+          </a:blip>
+          <a:srcRect/>
+          <a:stretch>
+            <a:fillRect/>
+          </a:stretch>
+        </p:blipFill>
+        <p:spPr bwMode="auto">
+          <a:xfrm>
+            <a:off x="294522" y="1342361"/>
+            <a:ext cx="4503721" cy="4540254"/>
+          </a:xfrm>
+          <a:prstGeom prst="rect">
+            <a:avLst/>
+          </a:prstGeom>
+          <a:noFill/>
+          <a:ln w="28575">
+            <a:solidFill>
+              <a:schemeClr val="accent1"/>
+            </a:solidFill>
+          </a:ln>
+          <a:extLst>
+            <a:ext uri="{909E8E84-426E-40DD-AFC4-6F175D3DCCD1}">
+              <a14:hiddenFill xmlns:a14="http://schemas.microsoft.com/office/drawing/2010/main">
+                <a:solidFill>
+                  <a:srgbClr val="FFFFFF"/>
+                </a:solidFill>
+              </a14:hiddenFill>
+            </a:ext>
+          </a:extLst>
+        </p:spPr>
+      </p:pic>
+      <p:sp>
+        <p:nvSpPr>
+          <p:cNvPr id="8" name="Text Placeholder 5">
+            <a:extLst>
+              <a:ext uri="{FF2B5EF4-FFF2-40B4-BE49-F238E27FC236}">
+                <a16:creationId xmlns:a16="http://schemas.microsoft.com/office/drawing/2014/main" id="{0F8E84C6-CF58-4740-B859-219CA09AF636}"/>
+              </a:ext>
+            </a:extLst>
+          </p:cNvPr>
+          <p:cNvSpPr>
+            <a:spLocks noGrp="1"/>
+          </p:cNvSpPr>
+          <p:nvPr>
+            <p:ph type="body" idx="1"/>
           </p:nvPr>
         </p:nvSpPr>
         <p:spPr>
           <a:xfrm>
-            <a:off x="565049" y="201828"/>
-            <a:ext cx="7772400" cy="763414"/>
+            <a:off x="343635" y="712356"/>
+            <a:ext cx="4040188" cy="639762"/>
           </a:xfrm>
         </p:spPr>
         <p:txBody>
           <a:bodyPr/>
           <a:lstStyle/>
           <a:p>
-            <a:endParaRPr lang="en-US" dirty="0"/>
+            <a:r>
+              <a:rPr lang="en-US" dirty="0"/>
+              <a:t>What are your clusters?</a:t>
+            </a:r>
+          </a:p>
+        </p:txBody>
+      </p:sp>
+      <p:sp>
+        <p:nvSpPr>
+          <p:cNvPr id="10" name="Text Placeholder 7">
+            <a:extLst>
+              <a:ext uri="{FF2B5EF4-FFF2-40B4-BE49-F238E27FC236}">
+                <a16:creationId xmlns:a16="http://schemas.microsoft.com/office/drawing/2014/main" id="{A24945EA-4CA9-41B5-977A-CF05D2CC03F9}"/>
+              </a:ext>
+            </a:extLst>
+          </p:cNvPr>
+          <p:cNvSpPr>
+            <a:spLocks noGrp="1"/>
+          </p:cNvSpPr>
+          <p:nvPr>
+            <p:ph type="body" sz="quarter" idx="3"/>
+          </p:nvPr>
+        </p:nvSpPr>
+        <p:spPr>
+          <a:xfrm>
+            <a:off x="4987497" y="717643"/>
+            <a:ext cx="4041775" cy="639762"/>
+          </a:xfrm>
+        </p:spPr>
+        <p:txBody>
+          <a:bodyPr/>
+          <a:lstStyle/>
+          <a:p>
+            <a:r>
+              <a:rPr lang="en-US" dirty="0"/>
+              <a:t>What do your clusters mean?</a:t>
+            </a:r>
           </a:p>
         </p:txBody>
       </p:sp>
       <p:pic>
         <p:nvPicPr>
-          <p:cNvPr id="7" name="Picture 2" descr="https://lh6.googleusercontent.com/VixHdfGrQRmcIuYgWlmmr8RT0ROncXj5wNa3bpEtQfSmTdH9wHRIzn1Yi95ggrC1lnIVNt1K3nC6LE9mbhM-zg72pqzf38ZSlzczdtqiEPJvX_puc_wjLHyfmvRQvIly23GI0zXf">
+          <p:cNvPr id="3" name="Picture 2">
             <a:extLst>
               <a:ext uri="{FF2B5EF4-FFF2-40B4-BE49-F238E27FC236}">
-                <a16:creationId xmlns:a16="http://schemas.microsoft.com/office/drawing/2014/main" id="{58D0E903-1630-498B-9D29-932F1DE2C55A}"/>
+                <a16:creationId xmlns:a16="http://schemas.microsoft.com/office/drawing/2014/main" id="{BE073E3F-8FD5-4F38-8F49-E1CE71D31B6B}"/>
+              </a:ext>
+            </a:extLst>
+          </p:cNvPr>
+          <p:cNvPicPr>
+            <a:picLocks noChangeAspect="1"/>
+          </p:cNvPicPr>
+          <p:nvPr/>
+        </p:nvPicPr>
+        <p:blipFill>
+          <a:blip r:embed="rId3"/>
+          <a:stretch>
+            <a:fillRect/>
+          </a:stretch>
+        </p:blipFill>
+        <p:spPr>
+          <a:xfrm>
+            <a:off x="4987497" y="1342361"/>
+            <a:ext cx="3861981" cy="4540255"/>
+          </a:xfrm>
+          <a:prstGeom prst="rect">
+            <a:avLst/>
+          </a:prstGeom>
+          <a:ln w="28575">
+            <a:solidFill>
+              <a:schemeClr val="accent1"/>
+            </a:solidFill>
+          </a:ln>
+        </p:spPr>
+      </p:pic>
+    </p:spTree>
+    <p:extLst>
+      <p:ext uri="{BB962C8B-B14F-4D97-AF65-F5344CB8AC3E}">
+        <p14:creationId xmlns:p14="http://schemas.microsoft.com/office/powerpoint/2010/main" val="2546418469"/>
+      </p:ext>
+    </p:extLst>
+  </p:cSld>
+  <p:clrMapOvr>
+    <a:masterClrMapping/>
+  </p:clrMapOvr>
+</p:sld>
+</file>
+
+<file path=ppt/slides/slide5.xml><?xml version="1.0" encoding="utf-8"?>
+<p:sld xmlns:a="http://schemas.openxmlformats.org/drawingml/2006/main" xmlns:r="http://schemas.openxmlformats.org/officeDocument/2006/relationships" xmlns:p="http://schemas.openxmlformats.org/presentationml/2006/main">
+  <p:cSld>
+    <p:bg>
+      <p:bgPr>
+        <a:solidFill>
+          <a:schemeClr val="tx1">
+            <a:lumMod val="65000"/>
+            <a:lumOff val="35000"/>
+            <a:alpha val="11000"/>
+          </a:schemeClr>
+        </a:solidFill>
+        <a:effectLst/>
+      </p:bgPr>
+    </p:bg>
+    <p:spTree>
+      <p:nvGrpSpPr>
+        <p:cNvPr id="1" name=""/>
+        <p:cNvGrpSpPr/>
+        <p:nvPr/>
+      </p:nvGrpSpPr>
+      <p:grpSpPr>
+        <a:xfrm>
+          <a:off x="0" y="0"/>
+          <a:ext cx="0" cy="0"/>
+          <a:chOff x="0" y="0"/>
+          <a:chExt cx="0" cy="0"/>
+        </a:xfrm>
+      </p:grpSpPr>
+      <p:sp>
+        <p:nvSpPr>
+          <p:cNvPr id="2" name="Title 1"/>
+          <p:cNvSpPr>
+            <a:spLocks noGrp="1"/>
+          </p:cNvSpPr>
+          <p:nvPr>
+            <p:ph type="title"/>
+          </p:nvPr>
+        </p:nvSpPr>
+        <p:spPr>
+          <a:xfrm>
+            <a:off x="1376038" y="11440"/>
+            <a:ext cx="7448365" cy="971983"/>
+          </a:xfrm>
+        </p:spPr>
+        <p:txBody>
+          <a:bodyPr>
+            <a:normAutofit/>
+          </a:bodyPr>
+          <a:lstStyle/>
+          <a:p>
+            <a:r>
+              <a:rPr lang="en-US" u="sng" dirty="0"/>
+              <a:t>What do the clusters mean?</a:t>
+            </a:r>
+          </a:p>
+        </p:txBody>
+      </p:sp>
+      <p:sp>
+        <p:nvSpPr>
+          <p:cNvPr id="5" name="Slide Number Placeholder 4"/>
+          <p:cNvSpPr>
+            <a:spLocks noGrp="1"/>
+          </p:cNvSpPr>
+          <p:nvPr>
+            <p:ph type="sldNum" sz="quarter" idx="12"/>
+          </p:nvPr>
+        </p:nvSpPr>
+        <p:spPr/>
+        <p:txBody>
+          <a:bodyPr/>
+          <a:lstStyle/>
+          <a:p>
+            <a:fld id="{EA1E5914-59AA-0F4C-8D89-5ECCA83988DE}" type="slidenum">
+              <a:rPr lang="en-US" smtClean="0"/>
+              <a:t>5</a:t>
+            </a:fld>
+            <a:endParaRPr lang="en-US"/>
+          </a:p>
+        </p:txBody>
+      </p:sp>
+      <p:pic>
+        <p:nvPicPr>
+          <p:cNvPr id="9" name="Picture 4" descr="https://lh6.googleusercontent.com/-IfvYMe_tcr2NFt5zekZpEQG3vQNcaJavVp_oOV2gP1oPzwm5Ff2FxCe0BzKardDI5SF19qVu2zrVwUcP0xKyR7dreHFJF85HuieCUS9g6qgi-MbENEPWUtOS_atyLsLYuMCyhLU">
+            <a:extLst>
+              <a:ext uri="{FF2B5EF4-FFF2-40B4-BE49-F238E27FC236}">
+                <a16:creationId xmlns:a16="http://schemas.microsoft.com/office/drawing/2014/main" id="{797D4E93-47A9-4C48-8E9E-925742EDA059}"/>
               </a:ext>
             </a:extLst>
           </p:cNvPr>
@@ -6640,13 +6249,18 @@
         </p:blipFill>
         <p:spPr bwMode="auto">
           <a:xfrm>
-            <a:off x="4813502" y="1036260"/>
-            <a:ext cx="3765449" cy="2780169"/>
+            <a:off x="361249" y="1322331"/>
+            <a:ext cx="4531261" cy="4560283"/>
           </a:xfrm>
           <a:prstGeom prst="rect">
             <a:avLst/>
           </a:prstGeom>
           <a:noFill/>
+          <a:ln w="28575">
+            <a:solidFill>
+              <a:schemeClr val="accent1"/>
+            </a:solidFill>
+          </a:ln>
           <a:extLst>
             <a:ext uri="{909E8E84-426E-40DD-AFC4-6F175D3DCCD1}">
               <a14:hiddenFill xmlns:a14="http://schemas.microsoft.com/office/drawing/2010/main">
@@ -6658,151 +6272,111 @@
           </a:extLst>
         </p:spPr>
       </p:pic>
+      <p:sp>
+        <p:nvSpPr>
+          <p:cNvPr id="10" name="Text Placeholder 5">
+            <a:extLst>
+              <a:ext uri="{FF2B5EF4-FFF2-40B4-BE49-F238E27FC236}">
+                <a16:creationId xmlns:a16="http://schemas.microsoft.com/office/drawing/2014/main" id="{E5027DF6-2FDD-4035-9CF4-EFFE4D05E040}"/>
+              </a:ext>
+            </a:extLst>
+          </p:cNvPr>
+          <p:cNvSpPr>
+            <a:spLocks noGrp="1"/>
+          </p:cNvSpPr>
+          <p:nvPr>
+            <p:ph type="body" idx="1"/>
+          </p:nvPr>
+        </p:nvSpPr>
+        <p:spPr>
+          <a:xfrm>
+            <a:off x="343635" y="712356"/>
+            <a:ext cx="4040188" cy="639762"/>
+          </a:xfrm>
+        </p:spPr>
+        <p:txBody>
+          <a:bodyPr/>
+          <a:lstStyle/>
+          <a:p>
+            <a:r>
+              <a:rPr lang="en-US" dirty="0"/>
+              <a:t>What are your clusters?</a:t>
+            </a:r>
+          </a:p>
+        </p:txBody>
+      </p:sp>
+      <p:sp>
+        <p:nvSpPr>
+          <p:cNvPr id="11" name="Text Placeholder 7">
+            <a:extLst>
+              <a:ext uri="{FF2B5EF4-FFF2-40B4-BE49-F238E27FC236}">
+                <a16:creationId xmlns:a16="http://schemas.microsoft.com/office/drawing/2014/main" id="{54061676-15DF-44D5-AD52-347A88245147}"/>
+              </a:ext>
+            </a:extLst>
+          </p:cNvPr>
+          <p:cNvSpPr>
+            <a:spLocks noGrp="1"/>
+          </p:cNvSpPr>
+          <p:nvPr>
+            <p:ph type="body" sz="quarter" idx="3"/>
+          </p:nvPr>
+        </p:nvSpPr>
+        <p:spPr>
+          <a:xfrm>
+            <a:off x="4949791" y="708216"/>
+            <a:ext cx="4041775" cy="639762"/>
+          </a:xfrm>
+        </p:spPr>
+        <p:txBody>
+          <a:bodyPr/>
+          <a:lstStyle/>
+          <a:p>
+            <a:r>
+              <a:rPr lang="en-US" dirty="0"/>
+              <a:t>What do your clusters mean?</a:t>
+            </a:r>
+          </a:p>
+        </p:txBody>
+      </p:sp>
       <p:pic>
         <p:nvPicPr>
-          <p:cNvPr id="3074" name="Picture 2" descr="https://lh4.googleusercontent.com/3o6qaQsrumGEYZjoyoL_4-EsUguMXqTyqN8McnH6lalCQE8ykHHZQDIIQEcaZeqULEXlZm9Rw6OHuNhkVxBbU0OB8HY1JGDlN5ZazWpaFAVZ8qx1EuDydVIs6lTJu8wmB6fGaN3Z">
+          <p:cNvPr id="12" name="Picture 11">
             <a:extLst>
               <a:ext uri="{FF2B5EF4-FFF2-40B4-BE49-F238E27FC236}">
-                <a16:creationId xmlns:a16="http://schemas.microsoft.com/office/drawing/2014/main" id="{70B5AA9A-4121-4DFE-B3FF-DE3BCD3A87A2}"/>
+                <a16:creationId xmlns:a16="http://schemas.microsoft.com/office/drawing/2014/main" id="{1FC7D4CE-311D-447D-BF14-59870650E344}"/>
               </a:ext>
             </a:extLst>
           </p:cNvPr>
           <p:cNvPicPr>
-            <a:picLocks noChangeAspect="1" noChangeArrowheads="1"/>
+            <a:picLocks noChangeAspect="1"/>
           </p:cNvPicPr>
           <p:nvPr/>
         </p:nvPicPr>
         <p:blipFill>
-          <a:blip r:embed="rId3">
-            <a:extLst>
-              <a:ext uri="{28A0092B-C50C-407E-A947-70E740481C1C}">
-                <a14:useLocalDpi xmlns:a14="http://schemas.microsoft.com/office/drawing/2010/main" val="0"/>
-              </a:ext>
-            </a:extLst>
-          </a:blip>
-          <a:srcRect/>
+          <a:blip r:embed="rId3"/>
           <a:stretch>
             <a:fillRect/>
           </a:stretch>
         </p:blipFill>
-        <p:spPr bwMode="auto">
+        <p:spPr>
           <a:xfrm>
-            <a:off x="565049" y="880400"/>
-            <a:ext cx="3765449" cy="2780169"/>
+            <a:off x="4987497" y="1322331"/>
+            <a:ext cx="3879017" cy="4560283"/>
           </a:xfrm>
           <a:prstGeom prst="rect">
             <a:avLst/>
           </a:prstGeom>
-          <a:noFill/>
-          <a:extLst>
-            <a:ext uri="{909E8E84-426E-40DD-AFC4-6F175D3DCCD1}">
-              <a14:hiddenFill xmlns:a14="http://schemas.microsoft.com/office/drawing/2010/main">
-                <a:solidFill>
-                  <a:srgbClr val="FFFFFF"/>
-                </a:solidFill>
-              </a14:hiddenFill>
-            </a:ext>
-          </a:extLst>
-        </p:spPr>
-      </p:pic>
-      <p:pic>
-        <p:nvPicPr>
-          <p:cNvPr id="3076" name="Picture 4" descr="https://lh6.googleusercontent.com/-IfvYMe_tcr2NFt5zekZpEQG3vQNcaJavVp_oOV2gP1oPzwm5Ff2FxCe0BzKardDI5SF19qVu2zrVwUcP0xKyR7dreHFJF85HuieCUS9g6qgi-MbENEPWUtOS_atyLsLYuMCyhLU">
-            <a:extLst>
-              <a:ext uri="{FF2B5EF4-FFF2-40B4-BE49-F238E27FC236}">
-                <a16:creationId xmlns:a16="http://schemas.microsoft.com/office/drawing/2014/main" id="{F5B377A9-379A-4110-BC1C-E3E44531241D}"/>
-              </a:ext>
-            </a:extLst>
-          </p:cNvPr>
-          <p:cNvPicPr>
-            <a:picLocks noChangeAspect="1" noChangeArrowheads="1"/>
-          </p:cNvPicPr>
-          <p:nvPr/>
-        </p:nvPicPr>
-        <p:blipFill>
-          <a:blip r:embed="rId4">
-            <a:extLst>
-              <a:ext uri="{28A0092B-C50C-407E-A947-70E740481C1C}">
-                <a14:useLocalDpi xmlns:a14="http://schemas.microsoft.com/office/drawing/2010/main" val="0"/>
-              </a:ext>
-            </a:extLst>
-          </a:blip>
-          <a:srcRect/>
-          <a:stretch>
-            <a:fillRect/>
-          </a:stretch>
-        </p:blipFill>
-        <p:spPr bwMode="auto">
-          <a:xfrm>
-            <a:off x="3623154" y="3660569"/>
-            <a:ext cx="4145170" cy="3155378"/>
-          </a:xfrm>
-          <a:prstGeom prst="rect">
-            <a:avLst/>
-          </a:prstGeom>
-          <a:noFill/>
-          <a:extLst>
-            <a:ext uri="{909E8E84-426E-40DD-AFC4-6F175D3DCCD1}">
-              <a14:hiddenFill xmlns:a14="http://schemas.microsoft.com/office/drawing/2010/main">
-                <a:solidFill>
-                  <a:srgbClr val="FFFFFF"/>
-                </a:solidFill>
-              </a14:hiddenFill>
-            </a:ext>
-          </a:extLst>
-        </p:spPr>
-      </p:pic>
-      <p:pic>
-        <p:nvPicPr>
-          <p:cNvPr id="3078" name="Picture 6" descr="https://lh5.googleusercontent.com/36tlnSOoii3td2uc65q1x9fGQePqfQGNJgsUrl5fkOPAmfxdVRitb22TTB6U8Q6EDIIhk25DPnws_RVTy8TcSgexpgEXHxUq_QsB28XvkoV_7GSk5d76IPXjfCQjdTBYX1uH4n7j">
-            <a:extLst>
-              <a:ext uri="{FF2B5EF4-FFF2-40B4-BE49-F238E27FC236}">
-                <a16:creationId xmlns:a16="http://schemas.microsoft.com/office/drawing/2014/main" id="{D1F40102-2F8A-440D-891C-807D6024F5E8}"/>
-              </a:ext>
-            </a:extLst>
-          </p:cNvPr>
-          <p:cNvPicPr>
-            <a:picLocks noChangeAspect="1" noChangeArrowheads="1"/>
-          </p:cNvPicPr>
-          <p:nvPr/>
-        </p:nvPicPr>
-        <p:blipFill>
-          <a:blip r:embed="rId5">
-            <a:extLst>
-              <a:ext uri="{28A0092B-C50C-407E-A947-70E740481C1C}">
-                <a14:useLocalDpi xmlns:a14="http://schemas.microsoft.com/office/drawing/2010/main" val="0"/>
-              </a:ext>
-            </a:extLst>
-          </a:blip>
-          <a:srcRect/>
-          <a:stretch>
-            <a:fillRect/>
-          </a:stretch>
-        </p:blipFill>
-        <p:spPr bwMode="auto">
-          <a:xfrm>
-            <a:off x="273377" y="3806031"/>
-            <a:ext cx="2941163" cy="2171569"/>
-          </a:xfrm>
-          <a:prstGeom prst="rect">
-            <a:avLst/>
-          </a:prstGeom>
-          <a:noFill/>
-          <a:extLst>
-            <a:ext uri="{909E8E84-426E-40DD-AFC4-6F175D3DCCD1}">
-              <a14:hiddenFill xmlns:a14="http://schemas.microsoft.com/office/drawing/2010/main">
-                <a:solidFill>
-                  <a:srgbClr val="FFFFFF"/>
-                </a:solidFill>
-              </a14:hiddenFill>
-            </a:ext>
-          </a:extLst>
+          <a:ln w="28575">
+            <a:solidFill>
+              <a:schemeClr val="accent1"/>
+            </a:solidFill>
+          </a:ln>
         </p:spPr>
       </p:pic>
     </p:spTree>
     <p:extLst>
       <p:ext uri="{BB962C8B-B14F-4D97-AF65-F5344CB8AC3E}">
-        <p14:creationId xmlns:p14="http://schemas.microsoft.com/office/powerpoint/2010/main" val="1637294354"/>
+        <p14:creationId xmlns:p14="http://schemas.microsoft.com/office/powerpoint/2010/main" val="3152235314"/>
       </p:ext>
     </p:extLst>
   </p:cSld>
@@ -6812,9 +6386,21 @@
 </p:sld>
 </file>
 
-<file path=ppt/slides/slide8.xml><?xml version="1.0" encoding="utf-8"?>
+<file path=ppt/slides/slide6.xml><?xml version="1.0" encoding="utf-8"?>
 <p:sld xmlns:a="http://schemas.openxmlformats.org/drawingml/2006/main" xmlns:r="http://schemas.openxmlformats.org/officeDocument/2006/relationships" xmlns:p="http://schemas.openxmlformats.org/presentationml/2006/main">
   <p:cSld>
+    <p:bg>
+      <p:bgPr>
+        <a:solidFill>
+          <a:schemeClr val="tx1">
+            <a:lumMod val="65000"/>
+            <a:lumOff val="35000"/>
+            <a:alpha val="11000"/>
+          </a:schemeClr>
+        </a:solidFill>
+        <a:effectLst/>
+      </p:bgPr>
+    </p:bg>
     <p:spTree>
       <p:nvGrpSpPr>
         <p:cNvPr id="1" name=""/>
@@ -6868,45 +6454,48 @@
             <p:ph idx="1"/>
           </p:nvPr>
         </p:nvSpPr>
-        <p:spPr/>
+        <p:spPr>
+          <a:xfrm>
+            <a:off x="685800" y="1121792"/>
+            <a:ext cx="7772400" cy="2636476"/>
+          </a:xfrm>
+        </p:spPr>
         <p:txBody>
           <a:bodyPr>
-            <a:normAutofit fontScale="92500" lnSpcReduction="20000"/>
+            <a:normAutofit fontScale="77500" lnSpcReduction="20000"/>
           </a:bodyPr>
           <a:lstStyle/>
           <a:p>
             <a:r>
               <a:rPr lang="en-US" dirty="0"/>
-              <a:t>There is a strong association between the cluster solution and the species of Iris.</a:t>
+              <a:t>We recommend clustering on psychographic dimensions.</a:t>
+            </a:r>
+          </a:p>
+          <a:p>
+            <a:r>
+              <a:rPr lang="en-US" dirty="0"/>
+              <a:t>Cluster 2 (Fashionistas) is the recommended segment to target as it has the greatest number of choosers and neutrals who can be influenced.  This segment also aligns with the target audience that Ford is trying to win over from the Renault Twingo. </a:t>
+            </a:r>
+          </a:p>
+          <a:p>
+            <a:r>
+              <a:rPr lang="en-US" dirty="0"/>
+              <a:t>Cluster 1 (Nippy-Zippy) appears to be the natural buyers for the Ford Ka, with 56% of individuals rating the car in the top 3 and 31% rating it in the middle.</a:t>
             </a:r>
           </a:p>
           <a:p>
             <a:pPr lvl="1"/>
             <a:r>
               <a:rPr lang="en-US" dirty="0"/>
-              <a:t>Our confusion matrix shows a strong relationship between “1” and </a:t>
-            </a:r>
-            <a:r>
-              <a:rPr lang="en-US" dirty="0" err="1"/>
-              <a:t>versicolor</a:t>
-            </a:r>
+              <a:t>However, this cluster is relatively small and thus should be a secondary focus for Ford.</a:t>
+            </a:r>
+          </a:p>
+          <a:p>
+            <a:pPr lvl="1"/>
             <a:r>
               <a:rPr lang="en-US" dirty="0"/>
-              <a:t>, “2” and </a:t>
-            </a:r>
-            <a:r>
-              <a:rPr lang="en-US" dirty="0" err="1"/>
-              <a:t>setosa</a:t>
-            </a:r>
-            <a:r>
-              <a:rPr lang="en-US" dirty="0"/>
-              <a:t>, and “3” and </a:t>
-            </a:r>
-            <a:r>
-              <a:rPr lang="en-US" dirty="0" err="1"/>
-              <a:t>virginica</a:t>
-            </a:r>
-            <a:endParaRPr lang="en-US" dirty="0"/>
+              <a:t>In addition, the cluster is fundamentally different than Cluster 2, so creative marketing will be required to reach both segments at the same time.</a:t>
+            </a:r>
           </a:p>
           <a:p>
             <a:pPr lvl="1"/>
@@ -6929,12 +6518,6 @@
           </a:p>
           <a:p>
             <a:endParaRPr lang="en-US" dirty="0"/>
-          </a:p>
-          <a:p>
-            <a:r>
-              <a:rPr lang="en-US" dirty="0"/>
-              <a:t>The validity of our clustering solution is demonstrated by our ability predict the taxonomy developed by expert botanists.</a:t>
-            </a:r>
           </a:p>
         </p:txBody>
       </p:sp>
@@ -6956,194 +6539,7 @@
             <a:fld id="{EA1E5914-59AA-0F4C-8D89-5ECCA83988DE}" type="slidenum">
               <a:rPr lang="en-US" smtClean="0"/>
               <a:pPr/>
-              <a:t>8</a:t>
-            </a:fld>
-            <a:endParaRPr lang="en-US" dirty="0"/>
-          </a:p>
-        </p:txBody>
-      </p:sp>
-      <p:pic>
-        <p:nvPicPr>
-          <p:cNvPr id="5" name="Picture 4"/>
-          <p:cNvPicPr>
-            <a:picLocks noChangeAspect="1"/>
-          </p:cNvPicPr>
-          <p:nvPr/>
-        </p:nvPicPr>
-        <p:blipFill>
-          <a:blip r:embed="rId2"/>
-          <a:stretch>
-            <a:fillRect/>
-          </a:stretch>
-        </p:blipFill>
-        <p:spPr>
-          <a:xfrm>
-            <a:off x="2272017" y="3198163"/>
-            <a:ext cx="3683000" cy="1511300"/>
-          </a:xfrm>
-          <a:prstGeom prst="rect">
-            <a:avLst/>
-          </a:prstGeom>
-        </p:spPr>
-      </p:pic>
-    </p:spTree>
-    <p:extLst>
-      <p:ext uri="{BB962C8B-B14F-4D97-AF65-F5344CB8AC3E}">
-        <p14:creationId xmlns:p14="http://schemas.microsoft.com/office/powerpoint/2010/main" val="3548144454"/>
-      </p:ext>
-    </p:extLst>
-  </p:cSld>
-  <p:clrMapOvr>
-    <a:masterClrMapping/>
-  </p:clrMapOvr>
-</p:sld>
-</file>
-
-<file path=ppt/slides/slide9.xml><?xml version="1.0" encoding="utf-8"?>
-<p:sld xmlns:a="http://schemas.openxmlformats.org/drawingml/2006/main" xmlns:r="http://schemas.openxmlformats.org/officeDocument/2006/relationships" xmlns:p="http://schemas.openxmlformats.org/presentationml/2006/main">
-  <p:cSld>
-    <p:spTree>
-      <p:nvGrpSpPr>
-        <p:cNvPr id="1" name=""/>
-        <p:cNvGrpSpPr/>
-        <p:nvPr/>
-      </p:nvGrpSpPr>
-      <p:grpSpPr>
-        <a:xfrm>
-          <a:off x="0" y="0"/>
-          <a:ext cx="0" cy="0"/>
-          <a:chOff x="0" y="0"/>
-          <a:chExt cx="0" cy="0"/>
-        </a:xfrm>
-      </p:grpSpPr>
-      <p:sp>
-        <p:nvSpPr>
-          <p:cNvPr id="2" name="Title 1"/>
-          <p:cNvSpPr>
-            <a:spLocks noGrp="1"/>
-          </p:cNvSpPr>
-          <p:nvPr>
-            <p:ph type="title"/>
-          </p:nvPr>
-        </p:nvSpPr>
-        <p:spPr>
-          <a:xfrm>
-            <a:off x="959179" y="65989"/>
-            <a:ext cx="7270423" cy="1055802"/>
-          </a:xfrm>
-        </p:spPr>
-        <p:txBody>
-          <a:bodyPr>
-            <a:normAutofit/>
-          </a:bodyPr>
-          <a:lstStyle/>
-          <a:p>
-            <a:r>
-              <a:rPr lang="en-US" sz="3600" dirty="0"/>
-              <a:t>Recommendation of Clustering Solution</a:t>
-            </a:r>
-          </a:p>
-        </p:txBody>
-      </p:sp>
-      <p:sp>
-        <p:nvSpPr>
-          <p:cNvPr id="3" name="Content Placeholder 2"/>
-          <p:cNvSpPr>
-            <a:spLocks noGrp="1"/>
-          </p:cNvSpPr>
-          <p:nvPr>
-            <p:ph idx="1"/>
-          </p:nvPr>
-        </p:nvSpPr>
-        <p:spPr/>
-        <p:txBody>
-          <a:bodyPr>
-            <a:normAutofit fontScale="92500" lnSpcReduction="20000"/>
-          </a:bodyPr>
-          <a:lstStyle/>
-          <a:p>
-            <a:r>
-              <a:rPr lang="en-US" dirty="0"/>
-              <a:t>There is a strong association between the cluster solution and the species of Iris.</a:t>
-            </a:r>
-          </a:p>
-          <a:p>
-            <a:pPr lvl="1"/>
-            <a:r>
-              <a:rPr lang="en-US" dirty="0"/>
-              <a:t>Our confusion matrix shows a strong relationship between “1” and </a:t>
-            </a:r>
-            <a:r>
-              <a:rPr lang="en-US" dirty="0" err="1"/>
-              <a:t>versicolor</a:t>
-            </a:r>
-            <a:r>
-              <a:rPr lang="en-US" dirty="0"/>
-              <a:t>, “2” and </a:t>
-            </a:r>
-            <a:r>
-              <a:rPr lang="en-US" dirty="0" err="1"/>
-              <a:t>setosa</a:t>
-            </a:r>
-            <a:r>
-              <a:rPr lang="en-US" dirty="0"/>
-              <a:t>, and “3” and </a:t>
-            </a:r>
-            <a:r>
-              <a:rPr lang="en-US" dirty="0" err="1"/>
-              <a:t>virginica</a:t>
-            </a:r>
-            <a:endParaRPr lang="en-US" dirty="0"/>
-          </a:p>
-          <a:p>
-            <a:pPr lvl="1"/>
-            <a:endParaRPr lang="en-US" dirty="0"/>
-          </a:p>
-          <a:p>
-            <a:endParaRPr lang="en-US" dirty="0"/>
-          </a:p>
-          <a:p>
-            <a:endParaRPr lang="en-US" dirty="0"/>
-          </a:p>
-          <a:p>
-            <a:endParaRPr lang="en-US" dirty="0"/>
-          </a:p>
-          <a:p>
-            <a:endParaRPr lang="en-US" dirty="0"/>
-          </a:p>
-          <a:p>
-            <a:endParaRPr lang="en-US" dirty="0"/>
-          </a:p>
-          <a:p>
-            <a:endParaRPr lang="en-US" dirty="0"/>
-          </a:p>
-          <a:p>
-            <a:r>
-              <a:rPr lang="en-US" dirty="0"/>
-              <a:t>The validity of our clustering solution is demonstrated by our ability predict the taxonomy developed by expert botanists.</a:t>
-            </a:r>
-          </a:p>
-        </p:txBody>
-      </p:sp>
-      <p:sp>
-        <p:nvSpPr>
-          <p:cNvPr id="4" name="Slide Number Placeholder 3"/>
-          <p:cNvSpPr>
-            <a:spLocks noGrp="1"/>
-          </p:cNvSpPr>
-          <p:nvPr>
-            <p:ph type="sldNum" sz="quarter" idx="12"/>
-          </p:nvPr>
-        </p:nvSpPr>
-        <p:spPr/>
-        <p:txBody>
-          <a:bodyPr/>
-          <a:lstStyle/>
-          <a:p>
-            <a:fld id="{EA1E5914-59AA-0F4C-8D89-5ECCA83988DE}" type="slidenum">
-              <a:rPr lang="en-US" smtClean="0"/>
-              <a:pPr/>
-              <a:t>9</a:t>
+              <a:t>6</a:t>
             </a:fld>
             <a:endParaRPr lang="en-US" dirty="0"/>
           </a:p>
@@ -7163,7 +6559,7 @@
           </p:cNvPicPr>
           <p:nvPr/>
         </p:nvPicPr>
-        <p:blipFill>
+        <p:blipFill rotWithShape="1">
           <a:blip r:embed="rId2">
             <a:extLst>
               <a:ext uri="{28A0092B-C50C-407E-A947-70E740481C1C}">
@@ -7171,35 +6567,35 @@
               </a:ext>
             </a:extLst>
           </a:blip>
-          <a:srcRect/>
-          <a:stretch>
-            <a:fillRect/>
-          </a:stretch>
+          <a:srcRect l="15012" r="14473" b="25409"/>
+          <a:stretch/>
         </p:blipFill>
         <p:spPr bwMode="auto">
           <a:xfrm>
-            <a:off x="2762054" y="3230996"/>
-            <a:ext cx="2724346" cy="2011485"/>
+            <a:off x="2709644" y="3515677"/>
+            <a:ext cx="3724711" cy="2909062"/>
           </a:xfrm>
           <a:prstGeom prst="rect">
             <a:avLst/>
           </a:prstGeom>
-          <a:noFill/>
-          <a:extLst>
-            <a:ext uri="{909E8E84-426E-40DD-AFC4-6F175D3DCCD1}">
-              <a14:hiddenFill xmlns:a14="http://schemas.microsoft.com/office/drawing/2010/main">
-                <a:solidFill>
-                  <a:srgbClr val="FFFFFF"/>
-                </a:solidFill>
-              </a14:hiddenFill>
-            </a:ext>
-          </a:extLst>
+          <a:solidFill>
+            <a:schemeClr val="tx1">
+              <a:lumMod val="65000"/>
+              <a:lumOff val="35000"/>
+            </a:schemeClr>
+          </a:solidFill>
+          <a:ln w="57150" cmpd="thickThin">
+            <a:solidFill>
+              <a:schemeClr val="accent1"/>
+            </a:solidFill>
+          </a:ln>
+          <a:extLst/>
         </p:spPr>
       </p:pic>
     </p:spTree>
     <p:extLst>
       <p:ext uri="{BB962C8B-B14F-4D97-AF65-F5344CB8AC3E}">
-        <p14:creationId xmlns:p14="http://schemas.microsoft.com/office/powerpoint/2010/main" val="3647614752"/>
+        <p14:creationId xmlns:p14="http://schemas.microsoft.com/office/powerpoint/2010/main" val="1286458005"/>
       </p:ext>
     </p:extLst>
   </p:cSld>
@@ -7324,45 +6720,68 @@
         <a:font script="Uigh" typeface="Microsoft Uighur"/>
       </a:minorFont>
     </a:fontScheme>
-    <a:fmtScheme name="Wood Type">
+    <a:fmtScheme name="Top Shadow">
       <a:fillStyleLst>
         <a:solidFill>
           <a:schemeClr val="phClr"/>
         </a:solidFill>
-        <a:blipFill rotWithShape="1">
-          <a:blip xmlns:r="http://schemas.openxmlformats.org/officeDocument/2006/relationships" r:embed="rId1">
-            <a:duotone>
-              <a:schemeClr val="phClr">
-                <a:tint val="70000"/>
-                <a:shade val="63000"/>
-              </a:schemeClr>
+        <a:gradFill rotWithShape="1">
+          <a:gsLst>
+            <a:gs pos="0">
               <a:schemeClr val="phClr">
                 <a:tint val="10000"/>
-                <a:satMod val="150000"/>
+                <a:satMod val="300000"/>
               </a:schemeClr>
-            </a:duotone>
-          </a:blip>
-          <a:tile tx="0" ty="0" sx="60000" sy="59000" flip="none" algn="tl"/>
-        </a:blipFill>
-        <a:blipFill rotWithShape="1">
-          <a:blip xmlns:r="http://schemas.openxmlformats.org/officeDocument/2006/relationships" r:embed="rId1">
-            <a:duotone>
+            </a:gs>
+            <a:gs pos="34000">
               <a:schemeClr val="phClr">
-                <a:shade val="36000"/>
-                <a:satMod val="120000"/>
+                <a:tint val="13500"/>
+                <a:satMod val="250000"/>
               </a:schemeClr>
+            </a:gs>
+            <a:gs pos="100000">
               <a:schemeClr val="phClr">
-                <a:tint val="40000"/>
+                <a:tint val="60000"/>
+                <a:satMod val="200000"/>
               </a:schemeClr>
-            </a:duotone>
-          </a:blip>
-          <a:tile tx="0" ty="0" sx="60000" sy="59000" flip="none" algn="tl"/>
-        </a:blipFill>
+            </a:gs>
+          </a:gsLst>
+          <a:path path="circle">
+            <a:fillToRect l="50000" t="155000" r="50000" b="-55000"/>
+          </a:path>
+        </a:gradFill>
+        <a:gradFill rotWithShape="1">
+          <a:gsLst>
+            <a:gs pos="0">
+              <a:schemeClr val="phClr">
+                <a:tint val="60000"/>
+                <a:satMod val="160000"/>
+              </a:schemeClr>
+            </a:gs>
+            <a:gs pos="46000">
+              <a:schemeClr val="phClr">
+                <a:tint val="86000"/>
+                <a:satMod val="160000"/>
+              </a:schemeClr>
+            </a:gs>
+            <a:gs pos="100000">
+              <a:schemeClr val="phClr">
+                <a:shade val="40000"/>
+                <a:satMod val="160000"/>
+              </a:schemeClr>
+            </a:gs>
+          </a:gsLst>
+          <a:path path="circle">
+            <a:fillToRect l="50000" t="155000" r="50000" b="-55000"/>
+          </a:path>
+        </a:gradFill>
       </a:fillStyleLst>
       <a:lnStyleLst>
-        <a:ln w="6350" cap="flat" cmpd="sng" algn="ctr">
+        <a:ln w="9525" cap="flat" cmpd="sng" algn="ctr">
           <a:solidFill>
-            <a:schemeClr val="phClr"/>
+            <a:schemeClr val="phClr">
+              <a:satMod val="120000"/>
+            </a:schemeClr>
           </a:solidFill>
           <a:prstDash val="solid"/>
         </a:ln>
@@ -7372,7 +6791,7 @@
           </a:solidFill>
           <a:prstDash val="solid"/>
         </a:ln>
-        <a:ln w="19050" cap="flat" cmpd="sng" algn="ctr">
+        <a:ln w="25400" cap="flat" cmpd="sng" algn="ctr">
           <a:solidFill>
             <a:schemeClr val="phClr"/>
           </a:solidFill>
@@ -7381,22 +6800,42 @@
       </a:lnStyleLst>
       <a:effectStyleLst>
         <a:effectStyle>
-          <a:effectLst/>
-        </a:effectStyle>
-        <a:effectStyle>
           <a:effectLst>
-            <a:softEdge rad="12700"/>
+            <a:outerShdw blurRad="63500" dist="25400" dir="14700000" algn="t" rotWithShape="0">
+              <a:srgbClr val="000000">
+                <a:alpha val="50000"/>
+              </a:srgbClr>
+            </a:outerShdw>
           </a:effectLst>
         </a:effectStyle>
         <a:effectStyle>
           <a:effectLst>
-            <a:outerShdw blurRad="50800" dist="19050" dir="5400000" algn="tl" rotWithShape="0">
+            <a:outerShdw blurRad="50800" dist="38100" dir="14700000" algn="t" rotWithShape="0">
               <a:srgbClr val="000000">
                 <a:alpha val="60000"/>
               </a:srgbClr>
             </a:outerShdw>
-            <a:softEdge rad="12700"/>
           </a:effectLst>
+        </a:effectStyle>
+        <a:effectStyle>
+          <a:effectLst>
+            <a:outerShdw blurRad="53975" dist="41275" dir="14700000" algn="t" rotWithShape="0">
+              <a:srgbClr val="000000">
+                <a:alpha val="60000"/>
+              </a:srgbClr>
+            </a:outerShdw>
+          </a:effectLst>
+          <a:scene3d>
+            <a:camera prst="orthographicFront">
+              <a:rot lat="0" lon="0" rev="0"/>
+            </a:camera>
+            <a:lightRig rig="contrasting" dir="t">
+              <a:rot lat="0" lon="0" rev="3600000"/>
+            </a:lightRig>
+          </a:scene3d>
+          <a:sp3d prstMaterial="plastic">
+            <a:bevelT w="127000" h="38200" prst="relaxedInset"/>
+          </a:sp3d>
         </a:effectStyle>
       </a:effectStyleLst>
       <a:bgFillStyleLst>
